--- a/Electron Brownbag.pptx
+++ b/Electron Brownbag.pptx
@@ -11,10 +11,10 @@
     <p:sldMasterId id="2147483801" r:id="rId7"/>
   </p:sldMasterIdLst>
   <p:notesMasterIdLst>
-    <p:notesMasterId r:id="rId18"/>
+    <p:notesMasterId r:id="rId20"/>
   </p:notesMasterIdLst>
   <p:handoutMasterIdLst>
-    <p:handoutMasterId r:id="rId19"/>
+    <p:handoutMasterId r:id="rId21"/>
   </p:handoutMasterIdLst>
   <p:sldIdLst>
     <p:sldId id="269" r:id="rId8"/>
@@ -27,6 +27,8 @@
     <p:sldId id="275" r:id="rId15"/>
     <p:sldId id="276" r:id="rId16"/>
     <p:sldId id="277" r:id="rId17"/>
+    <p:sldId id="278" r:id="rId18"/>
+    <p:sldId id="279" r:id="rId19"/>
   </p:sldIdLst>
   <p:sldSz cx="9144000" cy="6858000" type="screen4x3"/>
   <p:notesSz cx="6742113" cy="9872663"/>
@@ -260,7 +262,7 @@
             <a:fld id="{B4B40DF5-17F0-43C5-A7AE-65A758E8AB63}" type="datetimeFigureOut">
               <a:rPr lang="nl-NL" smtClean="0"/>
               <a:pPr/>
-              <a:t>16-10-2019</a:t>
+              <a:t>26-11-2019</a:t>
             </a:fld>
             <a:endParaRPr lang="nl-NL"/>
           </a:p>
@@ -427,7 +429,7 @@
             <a:fld id="{4418180F-FD92-4DD4-B279-0771E404DD71}" type="datetimeFigureOut">
               <a:rPr lang="en-GB" smtClean="0"/>
               <a:pPr/>
-              <a:t>16/10/2019</a:t>
+              <a:t>26/11/2019</a:t>
             </a:fld>
             <a:endParaRPr lang="en-GB" dirty="0"/>
           </a:p>
@@ -872,6 +874,103 @@
     <p:extLst>
       <p:ext uri="{BB962C8B-B14F-4D97-AF65-F5344CB8AC3E}">
         <p14:creationId xmlns:p14="http://schemas.microsoft.com/office/powerpoint/2010/main" val="155856561"/>
+      </p:ext>
+    </p:extLst>
+  </p:cSld>
+  <p:clrMapOvr>
+    <a:masterClrMapping/>
+  </p:clrMapOvr>
+</p:notes>
+</file>
+
+<file path=ppt/notesSlides/notesSlide3.xml><?xml version="1.0" encoding="utf-8"?>
+<p:notes xmlns:a="http://schemas.openxmlformats.org/drawingml/2006/main" xmlns:r="http://schemas.openxmlformats.org/officeDocument/2006/relationships" xmlns:p="http://schemas.openxmlformats.org/presentationml/2006/main">
+  <p:cSld>
+    <p:spTree>
+      <p:nvGrpSpPr>
+        <p:cNvPr id="1" name=""/>
+        <p:cNvGrpSpPr/>
+        <p:nvPr/>
+      </p:nvGrpSpPr>
+      <p:grpSpPr>
+        <a:xfrm>
+          <a:off x="0" y="0"/>
+          <a:ext cx="0" cy="0"/>
+          <a:chOff x="0" y="0"/>
+          <a:chExt cx="0" cy="0"/>
+        </a:xfrm>
+      </p:grpSpPr>
+      <p:sp>
+        <p:nvSpPr>
+          <p:cNvPr id="2" name="Slide Image Placeholder 1"/>
+          <p:cNvSpPr>
+            <a:spLocks noGrp="1" noRot="1" noChangeAspect="1"/>
+          </p:cNvSpPr>
+          <p:nvPr>
+            <p:ph type="sldImg"/>
+          </p:nvPr>
+        </p:nvSpPr>
+        <p:spPr/>
+      </p:sp>
+      <p:sp>
+        <p:nvSpPr>
+          <p:cNvPr id="3" name="Notes Placeholder 2"/>
+          <p:cNvSpPr>
+            <a:spLocks noGrp="1"/>
+          </p:cNvSpPr>
+          <p:nvPr>
+            <p:ph type="body" idx="1"/>
+          </p:nvPr>
+        </p:nvSpPr>
+        <p:spPr/>
+        <p:txBody>
+          <a:bodyPr/>
+          <a:lstStyle/>
+          <a:p>
+            <a:r>
+              <a:rPr lang="en-GB" dirty="0" smtClean="0"/>
+              <a:t>We should make a little doc with our app</a:t>
+            </a:r>
+            <a:r>
+              <a:rPr lang="en-GB" baseline="0" dirty="0" smtClean="0"/>
+              <a:t> design things. Like the naming conventions, adding them to the react list, how to get your icon to show up, using the storage. </a:t>
+            </a:r>
+            <a:r>
+              <a:rPr lang="en-GB" baseline="0" smtClean="0"/>
+              <a:t>Things like that</a:t>
+            </a:r>
+            <a:endParaRPr lang="en-GB" dirty="0"/>
+          </a:p>
+        </p:txBody>
+      </p:sp>
+      <p:sp>
+        <p:nvSpPr>
+          <p:cNvPr id="4" name="Slide Number Placeholder 3"/>
+          <p:cNvSpPr>
+            <a:spLocks noGrp="1"/>
+          </p:cNvSpPr>
+          <p:nvPr>
+            <p:ph type="sldNum" sz="quarter" idx="10"/>
+          </p:nvPr>
+        </p:nvSpPr>
+        <p:spPr/>
+        <p:txBody>
+          <a:bodyPr/>
+          <a:lstStyle/>
+          <a:p>
+            <a:fld id="{B8CC9DC2-1B58-4FDA-A1A1-71E24D183C12}" type="slidenum">
+              <a:rPr lang="en-GB" smtClean="0"/>
+              <a:pPr/>
+              <a:t>11</a:t>
+            </a:fld>
+            <a:endParaRPr lang="en-GB" dirty="0"/>
+          </a:p>
+        </p:txBody>
+      </p:sp>
+    </p:spTree>
+    <p:extLst>
+      <p:ext uri="{BB962C8B-B14F-4D97-AF65-F5344CB8AC3E}">
+        <p14:creationId xmlns:p14="http://schemas.microsoft.com/office/powerpoint/2010/main" val="2399511822"/>
       </p:ext>
     </p:extLst>
   </p:cSld>
@@ -34172,7 +34271,7 @@
               <a:pPr algn="r">
                 <a:defRPr/>
               </a:pPr>
-              <a:t>16/10/2019</a:t>
+              <a:t>26/11/2019</a:t>
             </a:fld>
             <a:endParaRPr lang="en-GB" sz="1000" dirty="0">
               <a:solidFill>
@@ -34612,7 +34711,7 @@
               <a:pPr algn="r">
                 <a:defRPr/>
               </a:pPr>
-              <a:t>16/10/2019</a:t>
+              <a:t>26/11/2019</a:t>
             </a:fld>
             <a:endParaRPr lang="en-GB" sz="1000" dirty="0">
               <a:solidFill>
@@ -35286,24 +35385,13 @@
           <a:p>
             <a:r>
               <a:rPr lang="en-GB" dirty="0" smtClean="0"/>
-              <a:t>For the next Hackathon we propose the creation of an Electron based, React fronted Hastings Toolkit. Somewhere for all the little applications to live so they can actually be used and easily distributed instead of mostly just being a fun little diversion for a few days.</a:t>
-            </a:r>
-          </a:p>
-          <a:p>
-            <a:pPr lvl="1"/>
+              <a:t>For the next Hackathon we propose the creation of an Electron based, React fronted Hastings Toolkit. Somewhere for all the little applications to live so they can actually be used and easily distributed instead of mostly just being a fun little diversion for a few days</a:t>
+            </a:r>
             <a:r>
               <a:rPr lang="en-GB" dirty="0" smtClean="0"/>
-              <a:t>Already started on the framework (show them it running with </a:t>
-            </a:r>
-            <a:r>
-              <a:rPr lang="en-GB" dirty="0" err="1" smtClean="0"/>
-              <a:t>BatMan</a:t>
-            </a:r>
-            <a:r>
-              <a:rPr lang="en-GB" dirty="0" smtClean="0"/>
-              <a:t>, Burner, Video, RM dashboard)</a:t>
-            </a:r>
-            <a:endParaRPr lang="en-GB" dirty="0"/>
+              <a:t>.</a:t>
+            </a:r>
+            <a:endParaRPr lang="en-GB" dirty="0" smtClean="0"/>
           </a:p>
         </p:txBody>
       </p:sp>
@@ -35321,6 +35409,290 @@
     <p:tnLst>
       <p:par>
         <p:cTn id="1" dur="indefinite" restart="never" nodeType="tmRoot"/>
+      </p:par>
+    </p:tnLst>
+  </p:timing>
+</p:sld>
+</file>
+
+<file path=ppt/slides/slide11.xml><?xml version="1.0" encoding="utf-8"?>
+<p:sld xmlns:a="http://schemas.openxmlformats.org/drawingml/2006/main" xmlns:r="http://schemas.openxmlformats.org/officeDocument/2006/relationships" xmlns:p="http://schemas.openxmlformats.org/presentationml/2006/main">
+  <p:cSld>
+    <p:spTree>
+      <p:nvGrpSpPr>
+        <p:cNvPr id="1" name=""/>
+        <p:cNvGrpSpPr/>
+        <p:nvPr/>
+      </p:nvGrpSpPr>
+      <p:grpSpPr>
+        <a:xfrm>
+          <a:off x="0" y="0"/>
+          <a:ext cx="0" cy="0"/>
+          <a:chOff x="0" y="0"/>
+          <a:chExt cx="0" cy="0"/>
+        </a:xfrm>
+      </p:grpSpPr>
+      <p:sp>
+        <p:nvSpPr>
+          <p:cNvPr id="2" name="Text Placeholder 1"/>
+          <p:cNvSpPr>
+            <a:spLocks noGrp="1"/>
+          </p:cNvSpPr>
+          <p:nvPr>
+            <p:ph type="body" sz="quarter" idx="13"/>
+          </p:nvPr>
+        </p:nvSpPr>
+        <p:spPr/>
+        <p:txBody>
+          <a:bodyPr/>
+          <a:lstStyle/>
+          <a:p>
+            <a:r>
+              <a:rPr lang="en-GB" dirty="0" smtClean="0"/>
+              <a:t>Hastings Pier</a:t>
+            </a:r>
+            <a:endParaRPr lang="en-GB" dirty="0"/>
+          </a:p>
+        </p:txBody>
+      </p:sp>
+      <p:sp>
+        <p:nvSpPr>
+          <p:cNvPr id="3" name="Text Placeholder 2"/>
+          <p:cNvSpPr>
+            <a:spLocks noGrp="1"/>
+          </p:cNvSpPr>
+          <p:nvPr>
+            <p:ph type="body" sz="quarter" idx="14"/>
+          </p:nvPr>
+        </p:nvSpPr>
+        <p:spPr>
+          <a:xfrm>
+            <a:off x="531044" y="962948"/>
+            <a:ext cx="8092800" cy="5346372"/>
+          </a:xfrm>
+        </p:spPr>
+        <p:txBody>
+          <a:bodyPr/>
+          <a:lstStyle/>
+          <a:p>
+            <a:r>
+              <a:rPr lang="en-GB" dirty="0" smtClean="0"/>
+              <a:t>We have started work on the scaffolding for the toolbox application which we are calling “Pier”</a:t>
+            </a:r>
+          </a:p>
+          <a:p>
+            <a:r>
+              <a:rPr lang="en-GB" dirty="0" smtClean="0"/>
+              <a:t>Implemented some core functionality such as:</a:t>
+            </a:r>
+          </a:p>
+          <a:p>
+            <a:pPr lvl="1"/>
+            <a:r>
+              <a:rPr lang="en-GB" dirty="0" smtClean="0"/>
+              <a:t>App switching</a:t>
+            </a:r>
+          </a:p>
+          <a:p>
+            <a:pPr lvl="1"/>
+            <a:r>
+              <a:rPr lang="en-GB" dirty="0" smtClean="0"/>
+              <a:t>Notifications</a:t>
+            </a:r>
+          </a:p>
+          <a:p>
+            <a:pPr lvl="1"/>
+            <a:r>
+              <a:rPr lang="en-GB" dirty="0" smtClean="0"/>
+              <a:t>Saving to Local and persistent storage</a:t>
+            </a:r>
+          </a:p>
+          <a:p>
+            <a:pPr lvl="1"/>
+            <a:r>
+              <a:rPr lang="en-GB" dirty="0" smtClean="0"/>
+              <a:t>Embedding </a:t>
+            </a:r>
+            <a:r>
+              <a:rPr lang="en-GB" dirty="0" err="1" smtClean="0"/>
+              <a:t>webviews</a:t>
+            </a:r>
+            <a:r>
+              <a:rPr lang="en-GB" dirty="0" smtClean="0"/>
+              <a:t> &amp; </a:t>
+            </a:r>
+            <a:r>
+              <a:rPr lang="en-GB" dirty="0" err="1" smtClean="0"/>
+              <a:t>BrowserViews</a:t>
+            </a:r>
+            <a:endParaRPr lang="en-GB" dirty="0" smtClean="0"/>
+          </a:p>
+          <a:p>
+            <a:r>
+              <a:rPr lang="en-GB" dirty="0" smtClean="0"/>
+              <a:t>While not set in stone we have some design structures we are working to in an attempt to form a standard design for apps to fit into</a:t>
+            </a:r>
+            <a:endParaRPr lang="en-GB" dirty="0" smtClean="0"/>
+          </a:p>
+        </p:txBody>
+      </p:sp>
+    </p:spTree>
+    <p:extLst>
+      <p:ext uri="{BB962C8B-B14F-4D97-AF65-F5344CB8AC3E}">
+        <p14:creationId xmlns:p14="http://schemas.microsoft.com/office/powerpoint/2010/main" val="1525061268"/>
+      </p:ext>
+    </p:extLst>
+  </p:cSld>
+  <p:clrMapOvr>
+    <a:masterClrMapping/>
+  </p:clrMapOvr>
+  <p:timing>
+    <p:tnLst>
+      <p:par>
+        <p:cTn id="1" dur="indefinite" restart="never" nodeType="tmRoot"/>
+      </p:par>
+    </p:tnLst>
+  </p:timing>
+</p:sld>
+</file>
+
+<file path=ppt/slides/slide12.xml><?xml version="1.0" encoding="utf-8"?>
+<p:sld xmlns:a="http://schemas.openxmlformats.org/drawingml/2006/main" xmlns:r="http://schemas.openxmlformats.org/officeDocument/2006/relationships" xmlns:p="http://schemas.openxmlformats.org/presentationml/2006/main">
+  <p:cSld>
+    <p:spTree>
+      <p:nvGrpSpPr>
+        <p:cNvPr id="1" name=""/>
+        <p:cNvGrpSpPr/>
+        <p:nvPr/>
+      </p:nvGrpSpPr>
+      <p:grpSpPr>
+        <a:xfrm>
+          <a:off x="0" y="0"/>
+          <a:ext cx="0" cy="0"/>
+          <a:chOff x="0" y="0"/>
+          <a:chExt cx="0" cy="0"/>
+        </a:xfrm>
+      </p:grpSpPr>
+      <p:pic>
+        <p:nvPicPr>
+          <p:cNvPr id="5" name="2019-11-26 10-28-27">
+            <a:hlinkClick r:id="" action="ppaction://media"/>
+          </p:cNvPr>
+          <p:cNvPicPr>
+            <a:picLocks noChangeAspect="1"/>
+          </p:cNvPicPr>
+          <p:nvPr>
+            <a:videoFile r:link="rId2"/>
+            <p:extLst>
+              <p:ext uri="{DAA4B4D4-6D71-4841-9C94-3DE7FCFB9230}">
+                <p14:media xmlns:p14="http://schemas.microsoft.com/office/powerpoint/2010/main" r:embed="rId1"/>
+              </p:ext>
+            </p:extLst>
+          </p:nvPr>
+        </p:nvPicPr>
+        <p:blipFill>
+          <a:blip r:embed="rId4"/>
+          <a:stretch>
+            <a:fillRect/>
+          </a:stretch>
+        </p:blipFill>
+        <p:spPr>
+          <a:xfrm>
+            <a:off x="0" y="980728"/>
+            <a:ext cx="9144000" cy="5143500"/>
+          </a:xfrm>
+          <a:prstGeom prst="rect">
+            <a:avLst/>
+          </a:prstGeom>
+        </p:spPr>
+      </p:pic>
+    </p:spTree>
+    <p:extLst>
+      <p:ext uri="{BB962C8B-B14F-4D97-AF65-F5344CB8AC3E}">
+        <p14:creationId xmlns:p14="http://schemas.microsoft.com/office/powerpoint/2010/main" val="1429703251"/>
+      </p:ext>
+    </p:extLst>
+  </p:cSld>
+  <p:clrMapOvr>
+    <a:masterClrMapping/>
+  </p:clrMapOvr>
+  <p:timing>
+    <p:tnLst>
+      <p:par>
+        <p:cTn id="1" dur="indefinite" restart="never" nodeType="tmRoot">
+          <p:childTnLst>
+            <p:seq concurrent="1" nextAc="seek">
+              <p:cTn id="2" restart="whenNotActive" fill="hold" evtFilter="cancelBubble" nodeType="interactiveSeq">
+                <p:stCondLst>
+                  <p:cond evt="onClick" delay="0">
+                    <p:tgtEl>
+                      <p:spTgt spid="5"/>
+                    </p:tgtEl>
+                  </p:cond>
+                </p:stCondLst>
+                <p:endSync evt="end" delay="0">
+                  <p:rtn val="all"/>
+                </p:endSync>
+                <p:childTnLst>
+                  <p:par>
+                    <p:cTn id="3" fill="hold">
+                      <p:stCondLst>
+                        <p:cond delay="0"/>
+                      </p:stCondLst>
+                      <p:childTnLst>
+                        <p:par>
+                          <p:cTn id="4" fill="hold">
+                            <p:stCondLst>
+                              <p:cond delay="0"/>
+                            </p:stCondLst>
+                            <p:childTnLst>
+                              <p:par>
+                                <p:cTn id="5" presetID="2" presetClass="mediacall" presetSubtype="0" fill="hold" nodeType="clickEffect">
+                                  <p:stCondLst>
+                                    <p:cond delay="0"/>
+                                  </p:stCondLst>
+                                  <p:childTnLst>
+                                    <p:cmd type="call" cmd="togglePause">
+                                      <p:cBhvr>
+                                        <p:cTn id="6" dur="1" fill="hold"/>
+                                        <p:tgtEl>
+                                          <p:spTgt spid="5"/>
+                                        </p:tgtEl>
+                                      </p:cBhvr>
+                                    </p:cmd>
+                                  </p:childTnLst>
+                                </p:cTn>
+                              </p:par>
+                            </p:childTnLst>
+                          </p:cTn>
+                        </p:par>
+                      </p:childTnLst>
+                    </p:cTn>
+                  </p:par>
+                </p:childTnLst>
+              </p:cTn>
+              <p:nextCondLst>
+                <p:cond evt="onClick" delay="0">
+                  <p:tgtEl>
+                    <p:spTgt spid="5"/>
+                  </p:tgtEl>
+                </p:cond>
+              </p:nextCondLst>
+            </p:seq>
+            <p:video>
+              <p:cMediaNode vol="80000">
+                <p:cTn id="7" fill="hold" display="0">
+                  <p:stCondLst>
+                    <p:cond delay="indefinite"/>
+                  </p:stCondLst>
+                </p:cTn>
+                <p:tgtEl>
+                  <p:spTgt spid="5"/>
+                </p:tgtEl>
+              </p:cMediaNode>
+            </p:video>
+          </p:childTnLst>
+        </p:cTn>
       </p:par>
     </p:tnLst>
   </p:timing>
@@ -35360,7 +35732,7 @@
           </a:prstGeom>
           <a:extLst>
             <a:ext uri="{C572A759-6A51-4108-AA02-DFA0A04FC94B}">
-              <ma14:wrappingTextBoxFlag xmlns:ma14="http://schemas.microsoft.com/office/mac/drawingml/2011/main" xmlns="" val="1"/>
+              <ma14:wrappingTextBoxFlag xmlns="" xmlns:ma14="http://schemas.microsoft.com/office/mac/drawingml/2011/main" val="1"/>
             </a:ext>
           </a:extLst>
         </p:spPr>
@@ -35442,7 +35814,6 @@
               <a:rPr lang="en-GB" sz="1500" dirty="0" smtClean="0"/>
               <a:t>up Electron</a:t>
             </a:r>
-            <a:endParaRPr lang="en-GB" sz="1500" dirty="0" smtClean="0"/>
           </a:p>
           <a:p>
             <a:r>
@@ -35515,8 +35886,9 @@
             <a:pPr lvl="1"/>
             <a:r>
               <a:rPr lang="en-GB" sz="1500" dirty="0" smtClean="0"/>
-              <a:t>Toolbox idea</a:t>
-            </a:r>
+              <a:t>“Hastings Pier”</a:t>
+            </a:r>
+            <a:endParaRPr lang="en-GB" sz="1500" dirty="0" smtClean="0"/>
           </a:p>
           <a:p>
             <a:pPr lvl="1"/>
@@ -35758,10 +36130,25 @@
           <a:p>
             <a:r>
               <a:rPr lang="en-GB" dirty="0" smtClean="0"/>
-              <a:t>Simple distribution</a:t>
-            </a:r>
-          </a:p>
-          <a:p>
+              <a:t>Simple </a:t>
+            </a:r>
+            <a:r>
+              <a:rPr lang="en-GB" dirty="0" smtClean="0"/>
+              <a:t>distribution</a:t>
+            </a:r>
+          </a:p>
+          <a:p>
+            <a:r>
+              <a:rPr lang="en-GB" dirty="0" smtClean="0"/>
+              <a:t>Easy updating</a:t>
+            </a:r>
+            <a:endParaRPr lang="en-GB" dirty="0" smtClean="0"/>
+          </a:p>
+          <a:p>
+            <a:r>
+              <a:rPr lang="en-GB" dirty="0" smtClean="0"/>
+              <a:t>Large support network of developers</a:t>
+            </a:r>
             <a:endParaRPr lang="en-GB" dirty="0"/>
           </a:p>
         </p:txBody>
@@ -36342,11 +36729,15 @@
           <a:p>
             <a:r>
               <a:rPr lang="en-GB" dirty="0" smtClean="0"/>
-              <a:t>Demo of Electron functions tied into different </a:t>
+              <a:t>Being a popular and open platform there are plenty of tutorials and </a:t>
             </a:r>
             <a:r>
               <a:rPr lang="en-GB" dirty="0" err="1" smtClean="0"/>
-              <a:t>backends</a:t>
+              <a:t>stackoverflow</a:t>
+            </a:r>
+            <a:r>
+              <a:rPr lang="en-GB" dirty="0" smtClean="0"/>
+              <a:t> questions covering lots of variations.</a:t>
             </a:r>
             <a:endParaRPr lang="en-GB" dirty="0" smtClean="0"/>
           </a:p>
@@ -36454,8 +36845,27 @@
             </a:r>
             <a:r>
               <a:rPr lang="en-GB" dirty="0" smtClean="0"/>
-              <a:t> modules for it specifically to simplify things like deployment, updating applications, debugging and more</a:t>
-            </a:r>
+              <a:t> modules for </a:t>
+            </a:r>
+            <a:r>
+              <a:rPr lang="en-GB" dirty="0" smtClean="0"/>
+              <a:t>electron </a:t>
+            </a:r>
+            <a:r>
+              <a:rPr lang="en-GB" dirty="0" smtClean="0"/>
+              <a:t>specifically to simplify things like deployment, updating applications, debugging and </a:t>
+            </a:r>
+            <a:r>
+              <a:rPr lang="en-GB" dirty="0" smtClean="0"/>
+              <a:t>more.</a:t>
+            </a:r>
+          </a:p>
+          <a:p>
+            <a:r>
+              <a:rPr lang="en-GB" dirty="0" smtClean="0"/>
+              <a:t>Many react modules available as well for simplifying things.</a:t>
+            </a:r>
+            <a:endParaRPr lang="en-GB" dirty="0" smtClean="0"/>
           </a:p>
           <a:p>
             <a:r>

--- a/Electron Brownbag.pptx
+++ b/Electron Brownbag.pptx
@@ -35385,13 +35385,8 @@
           <a:p>
             <a:r>
               <a:rPr lang="en-GB" dirty="0" smtClean="0"/>
-              <a:t>For the next Hackathon we propose the creation of an Electron based, React fronted Hastings Toolkit. Somewhere for all the little applications to live so they can actually be used and easily distributed instead of mostly just being a fun little diversion for a few days</a:t>
-            </a:r>
-            <a:r>
-              <a:rPr lang="en-GB" dirty="0" smtClean="0"/>
-              <a:t>.</a:t>
-            </a:r>
-            <a:endParaRPr lang="en-GB" dirty="0" smtClean="0"/>
+              <a:t>For the next Hackathon we propose the creation of an Electron based, React fronted Hastings Toolkit. Somewhere for all the little applications to live so they can actually be used and easily distributed instead of mostly just being a fun little diversion for a few days.</a:t>
+            </a:r>
           </a:p>
         </p:txBody>
       </p:sp>
@@ -35530,7 +35525,23 @@
           <a:p>
             <a:r>
               <a:rPr lang="en-GB" dirty="0" smtClean="0"/>
-              <a:t>While not set in stone we have some design structures we are working to in an attempt to form a standard design for apps to fit into</a:t>
+              <a:t>While not set in stone we have some design structures we are working to in an attempt to form a standard design for apps to fit </a:t>
+            </a:r>
+            <a:r>
+              <a:rPr lang="en-GB" dirty="0" smtClean="0"/>
+              <a:t>into</a:t>
+            </a:r>
+          </a:p>
+          <a:p>
+            <a:r>
+              <a:rPr lang="en-GB" dirty="0" smtClean="0"/>
+              <a:t>We have set up the testing frameworks needed for each language and created example tests for them.</a:t>
+            </a:r>
+          </a:p>
+          <a:p>
+            <a:r>
+              <a:rPr lang="en-GB" dirty="0" smtClean="0"/>
+              <a:t>It’s a learning experience so there are probably better ways to implement some things which is where the group effort comes in.</a:t>
             </a:r>
             <a:endParaRPr lang="en-GB" dirty="0" smtClean="0"/>
           </a:p>
@@ -35732,7 +35743,7 @@
           </a:prstGeom>
           <a:extLst>
             <a:ext uri="{C572A759-6A51-4108-AA02-DFA0A04FC94B}">
-              <ma14:wrappingTextBoxFlag xmlns="" xmlns:ma14="http://schemas.microsoft.com/office/mac/drawingml/2011/main" val="1"/>
+              <ma14:wrappingTextBoxFlag xmlns:ma14="http://schemas.microsoft.com/office/mac/drawingml/2011/main" xmlns="" val="1"/>
             </a:ext>
           </a:extLst>
         </p:spPr>
@@ -35888,7 +35899,6 @@
               <a:rPr lang="en-GB" sz="1500" dirty="0" smtClean="0"/>
               <a:t>“Hastings Pier”</a:t>
             </a:r>
-            <a:endParaRPr lang="en-GB" sz="1500" dirty="0" smtClean="0"/>
           </a:p>
           <a:p>
             <a:pPr lvl="1"/>
@@ -36130,11 +36140,7 @@
           <a:p>
             <a:r>
               <a:rPr lang="en-GB" dirty="0" smtClean="0"/>
-              <a:t>Simple </a:t>
-            </a:r>
-            <a:r>
-              <a:rPr lang="en-GB" dirty="0" smtClean="0"/>
-              <a:t>distribution</a:t>
+              <a:t>Simple distribution</a:t>
             </a:r>
           </a:p>
           <a:p>
@@ -36142,7 +36148,6 @@
               <a:rPr lang="en-GB" dirty="0" smtClean="0"/>
               <a:t>Easy updating</a:t>
             </a:r>
-            <a:endParaRPr lang="en-GB" dirty="0" smtClean="0"/>
           </a:p>
           <a:p>
             <a:r>
@@ -36739,7 +36744,6 @@
               <a:rPr lang="en-GB" dirty="0" smtClean="0"/>
               <a:t> questions covering lots of variations.</a:t>
             </a:r>
-            <a:endParaRPr lang="en-GB" dirty="0" smtClean="0"/>
           </a:p>
         </p:txBody>
       </p:sp>
@@ -36845,19 +36849,7 @@
             </a:r>
             <a:r>
               <a:rPr lang="en-GB" dirty="0" smtClean="0"/>
-              <a:t> modules for </a:t>
-            </a:r>
-            <a:r>
-              <a:rPr lang="en-GB" dirty="0" smtClean="0"/>
-              <a:t>electron </a:t>
-            </a:r>
-            <a:r>
-              <a:rPr lang="en-GB" dirty="0" smtClean="0"/>
-              <a:t>specifically to simplify things like deployment, updating applications, debugging and </a:t>
-            </a:r>
-            <a:r>
-              <a:rPr lang="en-GB" dirty="0" smtClean="0"/>
-              <a:t>more.</a:t>
+              <a:t> modules for electron specifically to simplify things like deployment, updating applications, debugging and more.</a:t>
             </a:r>
           </a:p>
           <a:p>
@@ -36865,7 +36857,6 @@
               <a:rPr lang="en-GB" dirty="0" smtClean="0"/>
               <a:t>Many react modules available as well for simplifying things.</a:t>
             </a:r>
-            <a:endParaRPr lang="en-GB" dirty="0" smtClean="0"/>
           </a:p>
           <a:p>
             <a:r>

--- a/Electron Brownbag.pptx
+++ b/Electron Brownbag.pptx
@@ -827,21 +827,6 @@
           <a:bodyPr/>
           <a:lstStyle/>
           <a:p>
-            <a:r>
-              <a:rPr lang="en-GB" dirty="0" smtClean="0">
-                <a:hlinkClick r:id="rId3"/>
-              </a:rPr>
-              <a:t>https://electronjs.org/</a:t>
-            </a:r>
-            <a:endParaRPr lang="en-GB" dirty="0" smtClean="0"/>
-          </a:p>
-          <a:p>
-            <a:r>
-              <a:rPr lang="en-GB" dirty="0" smtClean="0">
-                <a:hlinkClick r:id="rId4"/>
-              </a:rPr>
-              <a:t>https://github.com/electron/electron#readme</a:t>
-            </a:r>
             <a:endParaRPr lang="en-GB" dirty="0"/>
           </a:p>
         </p:txBody>
@@ -864,7 +849,7 @@
             <a:fld id="{B8CC9DC2-1B58-4FDA-A1A1-71E24D183C12}" type="slidenum">
               <a:rPr lang="en-GB" smtClean="0"/>
               <a:pPr/>
-              <a:t>3</a:t>
+              <a:t>2</a:t>
             </a:fld>
             <a:endParaRPr lang="en-GB" dirty="0"/>
           </a:p>
@@ -873,7 +858,7 @@
     </p:spTree>
     <p:extLst>
       <p:ext uri="{BB962C8B-B14F-4D97-AF65-F5344CB8AC3E}">
-        <p14:creationId xmlns:p14="http://schemas.microsoft.com/office/powerpoint/2010/main" val="155856561"/>
+        <p14:creationId xmlns:p14="http://schemas.microsoft.com/office/powerpoint/2010/main" val="1133727537"/>
       </p:ext>
     </p:extLst>
   </p:cSld>
@@ -928,16 +913,19 @@
           <a:lstStyle/>
           <a:p>
             <a:r>
-              <a:rPr lang="en-GB" dirty="0" smtClean="0"/>
-              <a:t>We should make a little doc with our app</a:t>
-            </a:r>
-            <a:r>
-              <a:rPr lang="en-GB" baseline="0" dirty="0" smtClean="0"/>
-              <a:t> design things. Like the naming conventions, adding them to the react list, how to get your icon to show up, using the storage. </a:t>
-            </a:r>
-            <a:r>
-              <a:rPr lang="en-GB" baseline="0" smtClean="0"/>
-              <a:t>Things like that</a:t>
+              <a:rPr lang="en-GB" dirty="0" smtClean="0">
+                <a:hlinkClick r:id="rId3"/>
+              </a:rPr>
+              <a:t>https://electronjs.org/</a:t>
+            </a:r>
+            <a:endParaRPr lang="en-GB" dirty="0" smtClean="0"/>
+          </a:p>
+          <a:p>
+            <a:r>
+              <a:rPr lang="en-GB" dirty="0" smtClean="0">
+                <a:hlinkClick r:id="rId4"/>
+              </a:rPr>
+              <a:t>https://github.com/electron/electron#readme</a:t>
             </a:r>
             <a:endParaRPr lang="en-GB" dirty="0"/>
           </a:p>
@@ -961,6 +949,103 @@
             <a:fld id="{B8CC9DC2-1B58-4FDA-A1A1-71E24D183C12}" type="slidenum">
               <a:rPr lang="en-GB" smtClean="0"/>
               <a:pPr/>
+              <a:t>3</a:t>
+            </a:fld>
+            <a:endParaRPr lang="en-GB" dirty="0"/>
+          </a:p>
+        </p:txBody>
+      </p:sp>
+    </p:spTree>
+    <p:extLst>
+      <p:ext uri="{BB962C8B-B14F-4D97-AF65-F5344CB8AC3E}">
+        <p14:creationId xmlns:p14="http://schemas.microsoft.com/office/powerpoint/2010/main" val="155856561"/>
+      </p:ext>
+    </p:extLst>
+  </p:cSld>
+  <p:clrMapOvr>
+    <a:masterClrMapping/>
+  </p:clrMapOvr>
+</p:notes>
+</file>
+
+<file path=ppt/notesSlides/notesSlide4.xml><?xml version="1.0" encoding="utf-8"?>
+<p:notes xmlns:a="http://schemas.openxmlformats.org/drawingml/2006/main" xmlns:r="http://schemas.openxmlformats.org/officeDocument/2006/relationships" xmlns:p="http://schemas.openxmlformats.org/presentationml/2006/main">
+  <p:cSld>
+    <p:spTree>
+      <p:nvGrpSpPr>
+        <p:cNvPr id="1" name=""/>
+        <p:cNvGrpSpPr/>
+        <p:nvPr/>
+      </p:nvGrpSpPr>
+      <p:grpSpPr>
+        <a:xfrm>
+          <a:off x="0" y="0"/>
+          <a:ext cx="0" cy="0"/>
+          <a:chOff x="0" y="0"/>
+          <a:chExt cx="0" cy="0"/>
+        </a:xfrm>
+      </p:grpSpPr>
+      <p:sp>
+        <p:nvSpPr>
+          <p:cNvPr id="2" name="Slide Image Placeholder 1"/>
+          <p:cNvSpPr>
+            <a:spLocks noGrp="1" noRot="1" noChangeAspect="1"/>
+          </p:cNvSpPr>
+          <p:nvPr>
+            <p:ph type="sldImg"/>
+          </p:nvPr>
+        </p:nvSpPr>
+        <p:spPr/>
+      </p:sp>
+      <p:sp>
+        <p:nvSpPr>
+          <p:cNvPr id="3" name="Notes Placeholder 2"/>
+          <p:cNvSpPr>
+            <a:spLocks noGrp="1"/>
+          </p:cNvSpPr>
+          <p:nvPr>
+            <p:ph type="body" idx="1"/>
+          </p:nvPr>
+        </p:nvSpPr>
+        <p:spPr/>
+        <p:txBody>
+          <a:bodyPr/>
+          <a:lstStyle/>
+          <a:p>
+            <a:r>
+              <a:rPr lang="en-GB" dirty="0" smtClean="0"/>
+              <a:t>We should make a little doc with our app</a:t>
+            </a:r>
+            <a:r>
+              <a:rPr lang="en-GB" baseline="0" dirty="0" smtClean="0"/>
+              <a:t> design things. Like the naming conventions, adding them to the react list, how to get your icon to show up, using the storage. </a:t>
+            </a:r>
+            <a:r>
+              <a:rPr lang="en-GB" baseline="0" smtClean="0"/>
+              <a:t>Things like that</a:t>
+            </a:r>
+            <a:endParaRPr lang="en-GB" dirty="0"/>
+          </a:p>
+        </p:txBody>
+      </p:sp>
+      <p:sp>
+        <p:nvSpPr>
+          <p:cNvPr id="4" name="Slide Number Placeholder 3"/>
+          <p:cNvSpPr>
+            <a:spLocks noGrp="1"/>
+          </p:cNvSpPr>
+          <p:nvPr>
+            <p:ph type="sldNum" sz="quarter" idx="10"/>
+          </p:nvPr>
+        </p:nvSpPr>
+        <p:spPr/>
+        <p:txBody>
+          <a:bodyPr/>
+          <a:lstStyle/>
+          <a:p>
+            <a:fld id="{B8CC9DC2-1B58-4FDA-A1A1-71E24D183C12}" type="slidenum">
+              <a:rPr lang="en-GB" smtClean="0"/>
+              <a:pPr/>
               <a:t>11</a:t>
             </a:fld>
             <a:endParaRPr lang="en-GB" dirty="0"/>
@@ -971,6 +1056,91 @@
     <p:extLst>
       <p:ext uri="{BB962C8B-B14F-4D97-AF65-F5344CB8AC3E}">
         <p14:creationId xmlns:p14="http://schemas.microsoft.com/office/powerpoint/2010/main" val="2399511822"/>
+      </p:ext>
+    </p:extLst>
+  </p:cSld>
+  <p:clrMapOvr>
+    <a:masterClrMapping/>
+  </p:clrMapOvr>
+</p:notes>
+</file>
+
+<file path=ppt/notesSlides/notesSlide5.xml><?xml version="1.0" encoding="utf-8"?>
+<p:notes xmlns:a="http://schemas.openxmlformats.org/drawingml/2006/main" xmlns:r="http://schemas.openxmlformats.org/officeDocument/2006/relationships" xmlns:p="http://schemas.openxmlformats.org/presentationml/2006/main">
+  <p:cSld>
+    <p:spTree>
+      <p:nvGrpSpPr>
+        <p:cNvPr id="1" name=""/>
+        <p:cNvGrpSpPr/>
+        <p:nvPr/>
+      </p:nvGrpSpPr>
+      <p:grpSpPr>
+        <a:xfrm>
+          <a:off x="0" y="0"/>
+          <a:ext cx="0" cy="0"/>
+          <a:chOff x="0" y="0"/>
+          <a:chExt cx="0" cy="0"/>
+        </a:xfrm>
+      </p:grpSpPr>
+      <p:sp>
+        <p:nvSpPr>
+          <p:cNvPr id="2" name="Slide Image Placeholder 1"/>
+          <p:cNvSpPr>
+            <a:spLocks noGrp="1" noRot="1" noChangeAspect="1"/>
+          </p:cNvSpPr>
+          <p:nvPr>
+            <p:ph type="sldImg"/>
+          </p:nvPr>
+        </p:nvSpPr>
+        <p:spPr/>
+      </p:sp>
+      <p:sp>
+        <p:nvSpPr>
+          <p:cNvPr id="3" name="Notes Placeholder 2"/>
+          <p:cNvSpPr>
+            <a:spLocks noGrp="1"/>
+          </p:cNvSpPr>
+          <p:nvPr>
+            <p:ph type="body" idx="1"/>
+          </p:nvPr>
+        </p:nvSpPr>
+        <p:spPr/>
+        <p:txBody>
+          <a:bodyPr/>
+          <a:lstStyle/>
+          <a:p>
+            <a:endParaRPr lang="en-GB" dirty="0"/>
+          </a:p>
+        </p:txBody>
+      </p:sp>
+      <p:sp>
+        <p:nvSpPr>
+          <p:cNvPr id="4" name="Slide Number Placeholder 3"/>
+          <p:cNvSpPr>
+            <a:spLocks noGrp="1"/>
+          </p:cNvSpPr>
+          <p:nvPr>
+            <p:ph type="sldNum" sz="quarter" idx="10"/>
+          </p:nvPr>
+        </p:nvSpPr>
+        <p:spPr/>
+        <p:txBody>
+          <a:bodyPr/>
+          <a:lstStyle/>
+          <a:p>
+            <a:fld id="{B8CC9DC2-1B58-4FDA-A1A1-71E24D183C12}" type="slidenum">
+              <a:rPr lang="en-GB" smtClean="0"/>
+              <a:pPr/>
+              <a:t>12</a:t>
+            </a:fld>
+            <a:endParaRPr lang="en-GB" dirty="0"/>
+          </a:p>
+        </p:txBody>
+      </p:sp>
+    </p:spTree>
+    <p:extLst>
+      <p:ext uri="{BB962C8B-B14F-4D97-AF65-F5344CB8AC3E}">
+        <p14:creationId xmlns:p14="http://schemas.microsoft.com/office/powerpoint/2010/main" val="450827335"/>
       </p:ext>
     </p:extLst>
   </p:cSld>
@@ -35525,11 +35695,7 @@
           <a:p>
             <a:r>
               <a:rPr lang="en-GB" dirty="0" smtClean="0"/>
-              <a:t>While not set in stone we have some design structures we are working to in an attempt to form a standard design for apps to fit </a:t>
-            </a:r>
-            <a:r>
-              <a:rPr lang="en-GB" dirty="0" smtClean="0"/>
-              <a:t>into</a:t>
+              <a:t>While not set in stone we have some design structures we are working to in an attempt to form a standard design for apps to fit into</a:t>
             </a:r>
           </a:p>
           <a:p>
@@ -35543,7 +35709,6 @@
               <a:rPr lang="en-GB" dirty="0" smtClean="0"/>
               <a:t>It’s a learning experience so there are probably better ways to implement some things which is where the group effort comes in.</a:t>
             </a:r>
-            <a:endParaRPr lang="en-GB" dirty="0" smtClean="0"/>
           </a:p>
         </p:txBody>
       </p:sp>
@@ -35602,7 +35767,7 @@
           </p:nvPr>
         </p:nvPicPr>
         <p:blipFill>
-          <a:blip r:embed="rId4"/>
+          <a:blip r:embed="rId5"/>
           <a:stretch>
             <a:fillRect/>
           </a:stretch>
@@ -35743,7 +35908,7 @@
           </a:prstGeom>
           <a:extLst>
             <a:ext uri="{C572A759-6A51-4108-AA02-DFA0A04FC94B}">
-              <ma14:wrappingTextBoxFlag xmlns:ma14="http://schemas.microsoft.com/office/mac/drawingml/2011/main" xmlns="" val="1"/>
+              <ma14:wrappingTextBoxFlag xmlns="" xmlns:ma14="http://schemas.microsoft.com/office/mac/drawingml/2011/main" val="1"/>
             </a:ext>
           </a:extLst>
         </p:spPr>
@@ -36730,11 +36895,16 @@
               <a:rPr lang="en-GB" dirty="0" smtClean="0"/>
               <a:t>Java</a:t>
             </a:r>
+            <a:endParaRPr lang="en-GB" dirty="0" smtClean="0"/>
           </a:p>
           <a:p>
             <a:r>
               <a:rPr lang="en-GB" dirty="0" smtClean="0"/>
-              <a:t>Being a popular and open platform there are plenty of tutorials and </a:t>
+              <a:t>Being </a:t>
+            </a:r>
+            <a:r>
+              <a:rPr lang="en-GB" dirty="0" smtClean="0"/>
+              <a:t>a popular and open platform there are plenty of tutorials and </a:t>
             </a:r>
             <a:r>
               <a:rPr lang="en-GB" dirty="0" err="1" smtClean="0"/>

--- a/Electron Brownbag.pptx
+++ b/Electron Brownbag.pptx
@@ -262,7 +262,7 @@
             <a:fld id="{B4B40DF5-17F0-43C5-A7AE-65A758E8AB63}" type="datetimeFigureOut">
               <a:rPr lang="nl-NL" smtClean="0"/>
               <a:pPr/>
-              <a:t>26-11-2019</a:t>
+              <a:t>27-11-2019</a:t>
             </a:fld>
             <a:endParaRPr lang="nl-NL"/>
           </a:p>
@@ -429,7 +429,7 @@
             <a:fld id="{4418180F-FD92-4DD4-B279-0771E404DD71}" type="datetimeFigureOut">
               <a:rPr lang="en-GB" smtClean="0"/>
               <a:pPr/>
-              <a:t>26/11/2019</a:t>
+              <a:t>27/11/2019</a:t>
             </a:fld>
             <a:endParaRPr lang="en-GB" dirty="0"/>
           </a:p>
@@ -742,7 +742,11 @@
           <a:bodyPr/>
           <a:lstStyle/>
           <a:p>
-            <a:endParaRPr lang="en-GB"/>
+            <a:r>
+              <a:rPr lang="en-GB" dirty="0" smtClean="0"/>
+              <a:t>Electron actually straightforward </a:t>
+            </a:r>
+            <a:endParaRPr lang="en-GB" dirty="0"/>
           </a:p>
         </p:txBody>
       </p:sp>
@@ -927,7 +931,152 @@
               </a:rPr>
               <a:t>https://github.com/electron/electron#readme</a:t>
             </a:r>
-            <a:endParaRPr lang="en-GB" dirty="0"/>
+            <a:endParaRPr lang="en-GB" dirty="0" smtClean="0"/>
+          </a:p>
+          <a:p>
+            <a:endParaRPr lang="en-GB" dirty="0" smtClean="0"/>
+          </a:p>
+          <a:p>
+            <a:pPr marL="0" marR="0" lvl="0" indent="0" algn="l" defTabSz="914400" rtl="0" eaLnBrk="1" fontAlgn="auto" latinLnBrk="0" hangingPunct="1">
+              <a:lnSpc>
+                <a:spcPct val="100000"/>
+              </a:lnSpc>
+              <a:spcBef>
+                <a:spcPts val="0"/>
+              </a:spcBef>
+              <a:spcAft>
+                <a:spcPts val="0"/>
+              </a:spcAft>
+              <a:buClrTx/>
+              <a:buSzTx/>
+              <a:buFontTx/>
+              <a:buNone/>
+              <a:tabLst/>
+              <a:defRPr/>
+            </a:pPr>
+            <a:r>
+              <a:rPr lang="en-GB" dirty="0" smtClean="0"/>
+              <a:t>We</a:t>
+            </a:r>
+            <a:r>
+              <a:rPr lang="en-GB" baseline="0" dirty="0" smtClean="0"/>
+              <a:t> have set up the same application on a windows 10, 7 and mac. On the website they also say that they support Linux. It was pretty much download build then go</a:t>
+            </a:r>
+          </a:p>
+          <a:p>
+            <a:pPr marL="0" marR="0" lvl="0" indent="0" algn="l" defTabSz="914400" rtl="0" eaLnBrk="1" fontAlgn="auto" latinLnBrk="0" hangingPunct="1">
+              <a:lnSpc>
+                <a:spcPct val="100000"/>
+              </a:lnSpc>
+              <a:spcBef>
+                <a:spcPts val="0"/>
+              </a:spcBef>
+              <a:spcAft>
+                <a:spcPts val="0"/>
+              </a:spcAft>
+              <a:buClrTx/>
+              <a:buSzTx/>
+              <a:buFontTx/>
+              <a:buNone/>
+              <a:tabLst/>
+              <a:defRPr/>
+            </a:pPr>
+            <a:endParaRPr lang="en-GB" baseline="0" dirty="0" smtClean="0"/>
+          </a:p>
+          <a:p>
+            <a:pPr marL="0" marR="0" lvl="0" indent="0" algn="l" defTabSz="914400" rtl="0" eaLnBrk="1" fontAlgn="auto" latinLnBrk="0" hangingPunct="1">
+              <a:lnSpc>
+                <a:spcPct val="100000"/>
+              </a:lnSpc>
+              <a:spcBef>
+                <a:spcPts val="0"/>
+              </a:spcBef>
+              <a:spcAft>
+                <a:spcPts val="0"/>
+              </a:spcAft>
+              <a:buClrTx/>
+              <a:buSzTx/>
+              <a:buFontTx/>
+              <a:buNone/>
+              <a:tabLst/>
+              <a:defRPr/>
+            </a:pPr>
+            <a:r>
+              <a:rPr lang="en-GB" baseline="0" dirty="0" smtClean="0"/>
+              <a:t>In essence it </a:t>
+            </a:r>
+            <a:r>
+              <a:rPr lang="en-GB" baseline="0" dirty="0" smtClean="0"/>
+              <a:t>allows </a:t>
+            </a:r>
+            <a:r>
+              <a:rPr lang="en-GB" baseline="0" dirty="0" smtClean="0"/>
+              <a:t>you to build a web frontend in a desktop application. This means that you don’t need to learn a new </a:t>
+            </a:r>
+            <a:r>
+              <a:rPr lang="en-GB" baseline="0" dirty="0" err="1" smtClean="0"/>
+              <a:t>ui</a:t>
+            </a:r>
+            <a:r>
+              <a:rPr lang="en-GB" baseline="0" dirty="0" smtClean="0"/>
+              <a:t> tech to build a desktop app, you can reuse your websites code, or even simply present your website as a desktop app.</a:t>
+            </a:r>
+          </a:p>
+          <a:p>
+            <a:pPr marL="0" marR="0" lvl="0" indent="0" algn="l" defTabSz="914400" rtl="0" eaLnBrk="1" fontAlgn="auto" latinLnBrk="0" hangingPunct="1">
+              <a:lnSpc>
+                <a:spcPct val="100000"/>
+              </a:lnSpc>
+              <a:spcBef>
+                <a:spcPts val="0"/>
+              </a:spcBef>
+              <a:spcAft>
+                <a:spcPts val="0"/>
+              </a:spcAft>
+              <a:buClrTx/>
+              <a:buSzTx/>
+              <a:buFontTx/>
+              <a:buNone/>
+              <a:tabLst/>
+              <a:defRPr/>
+            </a:pPr>
+            <a:endParaRPr lang="en-GB" dirty="0" smtClean="0"/>
+          </a:p>
+          <a:p>
+            <a:pPr marL="0" marR="0" lvl="0" indent="0" algn="l" defTabSz="914400" rtl="0" eaLnBrk="1" fontAlgn="auto" latinLnBrk="0" hangingPunct="1">
+              <a:lnSpc>
+                <a:spcPct val="100000"/>
+              </a:lnSpc>
+              <a:spcBef>
+                <a:spcPts val="0"/>
+              </a:spcBef>
+              <a:spcAft>
+                <a:spcPts val="0"/>
+              </a:spcAft>
+              <a:buClrTx/>
+              <a:buSzTx/>
+              <a:buFontTx/>
+              <a:buNone/>
+              <a:tabLst/>
+              <a:defRPr/>
+            </a:pPr>
+            <a:r>
+              <a:rPr lang="en-GB" dirty="0" smtClean="0"/>
+              <a:t>We</a:t>
+            </a:r>
+            <a:r>
+              <a:rPr lang="en-GB" baseline="0" dirty="0" smtClean="0"/>
+              <a:t> chose react because we like it and it is where we are going and also </a:t>
+            </a:r>
+            <a:r>
+              <a:rPr lang="en-GB" baseline="0" dirty="0" err="1" smtClean="0"/>
+              <a:t>TypeScript</a:t>
+            </a:r>
+            <a:r>
+              <a:rPr lang="en-GB" baseline="0" dirty="0" smtClean="0"/>
+              <a:t> </a:t>
+            </a:r>
+            <a:endParaRPr lang="en-GB" dirty="0" smtClean="0"/>
           </a:p>
         </p:txBody>
       </p:sp>
@@ -1012,6 +1161,91 @@
           <a:bodyPr/>
           <a:lstStyle/>
           <a:p>
+            <a:endParaRPr lang="en-GB" dirty="0"/>
+          </a:p>
+        </p:txBody>
+      </p:sp>
+      <p:sp>
+        <p:nvSpPr>
+          <p:cNvPr id="4" name="Slide Number Placeholder 3"/>
+          <p:cNvSpPr>
+            <a:spLocks noGrp="1"/>
+          </p:cNvSpPr>
+          <p:nvPr>
+            <p:ph type="sldNum" sz="quarter" idx="10"/>
+          </p:nvPr>
+        </p:nvSpPr>
+        <p:spPr/>
+        <p:txBody>
+          <a:bodyPr/>
+          <a:lstStyle/>
+          <a:p>
+            <a:fld id="{B8CC9DC2-1B58-4FDA-A1A1-71E24D183C12}" type="slidenum">
+              <a:rPr lang="en-GB" smtClean="0"/>
+              <a:pPr/>
+              <a:t>4</a:t>
+            </a:fld>
+            <a:endParaRPr lang="en-GB" dirty="0"/>
+          </a:p>
+        </p:txBody>
+      </p:sp>
+    </p:spTree>
+    <p:extLst>
+      <p:ext uri="{BB962C8B-B14F-4D97-AF65-F5344CB8AC3E}">
+        <p14:creationId xmlns:p14="http://schemas.microsoft.com/office/powerpoint/2010/main" val="2696392658"/>
+      </p:ext>
+    </p:extLst>
+  </p:cSld>
+  <p:clrMapOvr>
+    <a:masterClrMapping/>
+  </p:clrMapOvr>
+</p:notes>
+</file>
+
+<file path=ppt/notesSlides/notesSlide5.xml><?xml version="1.0" encoding="utf-8"?>
+<p:notes xmlns:a="http://schemas.openxmlformats.org/drawingml/2006/main" xmlns:r="http://schemas.openxmlformats.org/officeDocument/2006/relationships" xmlns:p="http://schemas.openxmlformats.org/presentationml/2006/main">
+  <p:cSld>
+    <p:spTree>
+      <p:nvGrpSpPr>
+        <p:cNvPr id="1" name=""/>
+        <p:cNvGrpSpPr/>
+        <p:nvPr/>
+      </p:nvGrpSpPr>
+      <p:grpSpPr>
+        <a:xfrm>
+          <a:off x="0" y="0"/>
+          <a:ext cx="0" cy="0"/>
+          <a:chOff x="0" y="0"/>
+          <a:chExt cx="0" cy="0"/>
+        </a:xfrm>
+      </p:grpSpPr>
+      <p:sp>
+        <p:nvSpPr>
+          <p:cNvPr id="2" name="Slide Image Placeholder 1"/>
+          <p:cNvSpPr>
+            <a:spLocks noGrp="1" noRot="1" noChangeAspect="1"/>
+          </p:cNvSpPr>
+          <p:nvPr>
+            <p:ph type="sldImg"/>
+          </p:nvPr>
+        </p:nvSpPr>
+        <p:spPr/>
+      </p:sp>
+      <p:sp>
+        <p:nvSpPr>
+          <p:cNvPr id="3" name="Notes Placeholder 2"/>
+          <p:cNvSpPr>
+            <a:spLocks noGrp="1"/>
+          </p:cNvSpPr>
+          <p:nvPr>
+            <p:ph type="body" idx="1"/>
+          </p:nvPr>
+        </p:nvSpPr>
+        <p:spPr/>
+        <p:txBody>
+          <a:bodyPr/>
+          <a:lstStyle/>
+          <a:p>
             <a:r>
               <a:rPr lang="en-GB" dirty="0" smtClean="0"/>
               <a:t>We should make a little doc with our app</a:t>
@@ -1065,7 +1299,7 @@
 </p:notes>
 </file>
 
-<file path=ppt/notesSlides/notesSlide5.xml><?xml version="1.0" encoding="utf-8"?>
+<file path=ppt/notesSlides/notesSlide6.xml><?xml version="1.0" encoding="utf-8"?>
 <p:notes xmlns:a="http://schemas.openxmlformats.org/drawingml/2006/main" xmlns:r="http://schemas.openxmlformats.org/officeDocument/2006/relationships" xmlns:p="http://schemas.openxmlformats.org/presentationml/2006/main">
   <p:cSld>
     <p:spTree>
@@ -34441,7 +34675,7 @@
               <a:pPr algn="r">
                 <a:defRPr/>
               </a:pPr>
-              <a:t>26/11/2019</a:t>
+              <a:t>27/11/2019</a:t>
             </a:fld>
             <a:endParaRPr lang="en-GB" sz="1000" dirty="0">
               <a:solidFill>
@@ -34881,7 +35115,7 @@
               <a:pPr algn="r">
                 <a:defRPr/>
               </a:pPr>
-              <a:t>26/11/2019</a:t>
+              <a:t>27/11/2019</a:t>
             </a:fld>
             <a:endParaRPr lang="en-GB" sz="1000" dirty="0">
               <a:solidFill>
@@ -36154,21 +36388,20 @@
           <a:p>
             <a:r>
               <a:rPr lang="en-GB" dirty="0" smtClean="0"/>
-              <a:t>Electron is a cross platform framework which allows you to build desktop applications with web technologies.</a:t>
-            </a:r>
-          </a:p>
-          <a:p>
-            <a:pPr lvl="1"/>
+              <a:t>Electron is a cross platform framework which allows you to build desktop applications.</a:t>
+            </a:r>
+          </a:p>
+          <a:p>
+            <a:endParaRPr lang="en-GB" dirty="0" smtClean="0"/>
+          </a:p>
+          <a:p>
             <a:r>
               <a:rPr lang="en-GB" dirty="0" smtClean="0"/>
-              <a:t>The same application can be packaged with small/no changes for Windows, Mac and Linux.</a:t>
-            </a:r>
-          </a:p>
-          <a:p>
-            <a:r>
-              <a:rPr lang="en-GB" dirty="0" smtClean="0"/>
-              <a:t>Allows you to use web technologies to make a UI for an application which can have desktop functions not normally allowed by the web such as file reading/writing.</a:t>
-            </a:r>
+              <a:t>Allows you to use web technologies to make a UI for an application which can have desktop</a:t>
+            </a:r>
+          </a:p>
+          <a:p>
+            <a:endParaRPr lang="en-GB" dirty="0" smtClean="0"/>
           </a:p>
           <a:p>
             <a:r>
@@ -36285,6 +36518,25 @@
           <a:bodyPr/>
           <a:lstStyle/>
           <a:p>
+            <a:pPr marL="0" indent="0">
+              <a:buNone/>
+            </a:pPr>
+            <a:r>
+              <a:rPr lang="en-GB" dirty="0" smtClean="0"/>
+              <a:t>Advantages</a:t>
+            </a:r>
+          </a:p>
+          <a:p>
+            <a:pPr marL="0" indent="0">
+              <a:buNone/>
+            </a:pPr>
+            <a:r>
+              <a:rPr lang="en-GB" dirty="0" smtClean="0"/>
+              <a:t>Its is like a website hosted locally with access to your operating system</a:t>
+            </a:r>
+            <a:endParaRPr lang="en-GB" dirty="0"/>
+          </a:p>
+          <a:p>
             <a:r>
               <a:rPr lang="en-GB" dirty="0" smtClean="0"/>
               <a:t>Desktop notifications for events triggered on the web</a:t>
@@ -36305,21 +36557,53 @@
           <a:p>
             <a:r>
               <a:rPr lang="en-GB" dirty="0" smtClean="0"/>
-              <a:t>Simple distribution</a:t>
-            </a:r>
-          </a:p>
-          <a:p>
+              <a:t>Simple </a:t>
+            </a:r>
             <a:r>
               <a:rPr lang="en-GB" dirty="0" smtClean="0"/>
-              <a:t>Easy updating</a:t>
+              <a:t>distribution</a:t>
             </a:r>
           </a:p>
           <a:p>
             <a:r>
               <a:rPr lang="en-GB" dirty="0" smtClean="0"/>
-              <a:t>Large support network of developers</a:t>
-            </a:r>
-            <a:endParaRPr lang="en-GB" dirty="0"/>
+              <a:t>Large </a:t>
+            </a:r>
+            <a:r>
+              <a:rPr lang="en-GB" dirty="0" smtClean="0"/>
+              <a:t>support network of developers</a:t>
+            </a:r>
+          </a:p>
+          <a:p>
+            <a:r>
+              <a:rPr lang="en-GB" dirty="0" smtClean="0"/>
+              <a:t>Web technologies are continually being updated</a:t>
+            </a:r>
+          </a:p>
+          <a:p>
+            <a:pPr marL="0" indent="0">
+              <a:buNone/>
+            </a:pPr>
+            <a:r>
+              <a:rPr lang="en-GB" dirty="0" smtClean="0"/>
+              <a:t>Disadvantages</a:t>
+            </a:r>
+          </a:p>
+          <a:p>
+            <a:r>
+              <a:rPr lang="en-GB" dirty="0" smtClean="0"/>
+              <a:t>Large Size – Each electron app has its own copy of chromium</a:t>
+            </a:r>
+          </a:p>
+          <a:p>
+            <a:r>
+              <a:rPr lang="en-GB" dirty="0"/>
+              <a:t>Resources </a:t>
+            </a:r>
+            <a:r>
+              <a:rPr lang="en-GB" dirty="0" smtClean="0"/>
+              <a:t>hogging – Chromium is quite hungry</a:t>
+            </a:r>
           </a:p>
         </p:txBody>
       </p:sp>
@@ -36436,6 +36720,16 @@
             <a:r>
               <a:rPr lang="en-GB" dirty="0" smtClean="0"/>
               <a:t>GitHub Desktop</a:t>
+            </a:r>
+          </a:p>
+          <a:p>
+            <a:r>
+              <a:rPr lang="en-GB" dirty="0" err="1" smtClean="0"/>
+              <a:t>Wordpress</a:t>
+            </a:r>
+            <a:r>
+              <a:rPr lang="en-GB" dirty="0" smtClean="0"/>
+              <a:t> Desktop App</a:t>
             </a:r>
             <a:endParaRPr lang="en-GB" dirty="0"/>
           </a:p>
@@ -36895,16 +37189,11 @@
               <a:rPr lang="en-GB" dirty="0" smtClean="0"/>
               <a:t>Java</a:t>
             </a:r>
-            <a:endParaRPr lang="en-GB" dirty="0" smtClean="0"/>
           </a:p>
           <a:p>
             <a:r>
               <a:rPr lang="en-GB" dirty="0" smtClean="0"/>
-              <a:t>Being </a:t>
-            </a:r>
-            <a:r>
-              <a:rPr lang="en-GB" dirty="0" smtClean="0"/>
-              <a:t>a popular and open platform there are plenty of tutorials and </a:t>
+              <a:t>Being a popular and open platform there are plenty of tutorials and </a:t>
             </a:r>
             <a:r>
               <a:rPr lang="en-GB" dirty="0" err="1" smtClean="0"/>

--- a/Electron Brownbag.pptx
+++ b/Electron Brownbag.pptx
@@ -20,13 +20,13 @@
     <p:sldId id="269" r:id="rId8"/>
     <p:sldId id="259" r:id="rId9"/>
     <p:sldId id="270" r:id="rId10"/>
-    <p:sldId id="274" r:id="rId11"/>
-    <p:sldId id="272" r:id="rId12"/>
-    <p:sldId id="273" r:id="rId13"/>
-    <p:sldId id="271" r:id="rId14"/>
-    <p:sldId id="275" r:id="rId15"/>
-    <p:sldId id="276" r:id="rId16"/>
-    <p:sldId id="277" r:id="rId17"/>
+    <p:sldId id="272" r:id="rId11"/>
+    <p:sldId id="277" r:id="rId12"/>
+    <p:sldId id="274" r:id="rId13"/>
+    <p:sldId id="273" r:id="rId14"/>
+    <p:sldId id="271" r:id="rId15"/>
+    <p:sldId id="275" r:id="rId16"/>
+    <p:sldId id="276" r:id="rId17"/>
     <p:sldId id="278" r:id="rId18"/>
     <p:sldId id="279" r:id="rId19"/>
   </p:sldIdLst>
@@ -262,7 +262,7 @@
             <a:fld id="{B4B40DF5-17F0-43C5-A7AE-65A758E8AB63}" type="datetimeFigureOut">
               <a:rPr lang="nl-NL" smtClean="0"/>
               <a:pPr/>
-              <a:t>27-11-2019</a:t>
+              <a:t>3-12-2019</a:t>
             </a:fld>
             <a:endParaRPr lang="nl-NL"/>
           </a:p>
@@ -429,7 +429,7 @@
             <a:fld id="{4418180F-FD92-4DD4-B279-0771E404DD71}" type="datetimeFigureOut">
               <a:rPr lang="en-GB" smtClean="0"/>
               <a:pPr/>
-              <a:t>27/11/2019</a:t>
+              <a:t>03/12/2019</a:t>
             </a:fld>
             <a:endParaRPr lang="en-GB" dirty="0"/>
           </a:p>
@@ -787,6 +787,188 @@
 </p:notes>
 </file>
 
+<file path=ppt/notesSlides/notesSlide10.xml><?xml version="1.0" encoding="utf-8"?>
+<p:notes xmlns:a="http://schemas.openxmlformats.org/drawingml/2006/main" xmlns:r="http://schemas.openxmlformats.org/officeDocument/2006/relationships" xmlns:p="http://schemas.openxmlformats.org/presentationml/2006/main">
+  <p:cSld>
+    <p:spTree>
+      <p:nvGrpSpPr>
+        <p:cNvPr id="1" name=""/>
+        <p:cNvGrpSpPr/>
+        <p:nvPr/>
+      </p:nvGrpSpPr>
+      <p:grpSpPr>
+        <a:xfrm>
+          <a:off x="0" y="0"/>
+          <a:ext cx="0" cy="0"/>
+          <a:chOff x="0" y="0"/>
+          <a:chExt cx="0" cy="0"/>
+        </a:xfrm>
+      </p:grpSpPr>
+      <p:sp>
+        <p:nvSpPr>
+          <p:cNvPr id="2" name="Slide Image Placeholder 1"/>
+          <p:cNvSpPr>
+            <a:spLocks noGrp="1" noRot="1" noChangeAspect="1"/>
+          </p:cNvSpPr>
+          <p:nvPr>
+            <p:ph type="sldImg"/>
+          </p:nvPr>
+        </p:nvSpPr>
+        <p:spPr/>
+      </p:sp>
+      <p:sp>
+        <p:nvSpPr>
+          <p:cNvPr id="3" name="Notes Placeholder 2"/>
+          <p:cNvSpPr>
+            <a:spLocks noGrp="1"/>
+          </p:cNvSpPr>
+          <p:nvPr>
+            <p:ph type="body" idx="1"/>
+          </p:nvPr>
+        </p:nvSpPr>
+        <p:spPr/>
+        <p:txBody>
+          <a:bodyPr/>
+          <a:lstStyle/>
+          <a:p>
+            <a:r>
+              <a:rPr lang="en-GB" dirty="0" smtClean="0"/>
+              <a:t>We should make a little doc with our app</a:t>
+            </a:r>
+            <a:r>
+              <a:rPr lang="en-GB" baseline="0" dirty="0" smtClean="0"/>
+              <a:t> design things. Like the naming conventions, adding them to the react list, how to get your icon to show up, using the storage. </a:t>
+            </a:r>
+            <a:r>
+              <a:rPr lang="en-GB" baseline="0" smtClean="0"/>
+              <a:t>Things like that</a:t>
+            </a:r>
+            <a:endParaRPr lang="en-GB" dirty="0"/>
+          </a:p>
+        </p:txBody>
+      </p:sp>
+      <p:sp>
+        <p:nvSpPr>
+          <p:cNvPr id="4" name="Slide Number Placeholder 3"/>
+          <p:cNvSpPr>
+            <a:spLocks noGrp="1"/>
+          </p:cNvSpPr>
+          <p:nvPr>
+            <p:ph type="sldNum" sz="quarter" idx="10"/>
+          </p:nvPr>
+        </p:nvSpPr>
+        <p:spPr/>
+        <p:txBody>
+          <a:bodyPr/>
+          <a:lstStyle/>
+          <a:p>
+            <a:fld id="{B8CC9DC2-1B58-4FDA-A1A1-71E24D183C12}" type="slidenum">
+              <a:rPr lang="en-GB" smtClean="0"/>
+              <a:pPr/>
+              <a:t>11</a:t>
+            </a:fld>
+            <a:endParaRPr lang="en-GB" dirty="0"/>
+          </a:p>
+        </p:txBody>
+      </p:sp>
+    </p:spTree>
+    <p:extLst>
+      <p:ext uri="{BB962C8B-B14F-4D97-AF65-F5344CB8AC3E}">
+        <p14:creationId xmlns:p14="http://schemas.microsoft.com/office/powerpoint/2010/main" val="2399511822"/>
+      </p:ext>
+    </p:extLst>
+  </p:cSld>
+  <p:clrMapOvr>
+    <a:masterClrMapping/>
+  </p:clrMapOvr>
+</p:notes>
+</file>
+
+<file path=ppt/notesSlides/notesSlide11.xml><?xml version="1.0" encoding="utf-8"?>
+<p:notes xmlns:a="http://schemas.openxmlformats.org/drawingml/2006/main" xmlns:r="http://schemas.openxmlformats.org/officeDocument/2006/relationships" xmlns:p="http://schemas.openxmlformats.org/presentationml/2006/main">
+  <p:cSld>
+    <p:spTree>
+      <p:nvGrpSpPr>
+        <p:cNvPr id="1" name=""/>
+        <p:cNvGrpSpPr/>
+        <p:nvPr/>
+      </p:nvGrpSpPr>
+      <p:grpSpPr>
+        <a:xfrm>
+          <a:off x="0" y="0"/>
+          <a:ext cx="0" cy="0"/>
+          <a:chOff x="0" y="0"/>
+          <a:chExt cx="0" cy="0"/>
+        </a:xfrm>
+      </p:grpSpPr>
+      <p:sp>
+        <p:nvSpPr>
+          <p:cNvPr id="2" name="Slide Image Placeholder 1"/>
+          <p:cNvSpPr>
+            <a:spLocks noGrp="1" noRot="1" noChangeAspect="1"/>
+          </p:cNvSpPr>
+          <p:nvPr>
+            <p:ph type="sldImg"/>
+          </p:nvPr>
+        </p:nvSpPr>
+        <p:spPr/>
+      </p:sp>
+      <p:sp>
+        <p:nvSpPr>
+          <p:cNvPr id="3" name="Notes Placeholder 2"/>
+          <p:cNvSpPr>
+            <a:spLocks noGrp="1"/>
+          </p:cNvSpPr>
+          <p:nvPr>
+            <p:ph type="body" idx="1"/>
+          </p:nvPr>
+        </p:nvSpPr>
+        <p:spPr/>
+        <p:txBody>
+          <a:bodyPr/>
+          <a:lstStyle/>
+          <a:p>
+            <a:endParaRPr lang="en-GB" dirty="0"/>
+          </a:p>
+        </p:txBody>
+      </p:sp>
+      <p:sp>
+        <p:nvSpPr>
+          <p:cNvPr id="4" name="Slide Number Placeholder 3"/>
+          <p:cNvSpPr>
+            <a:spLocks noGrp="1"/>
+          </p:cNvSpPr>
+          <p:nvPr>
+            <p:ph type="sldNum" sz="quarter" idx="10"/>
+          </p:nvPr>
+        </p:nvSpPr>
+        <p:spPr/>
+        <p:txBody>
+          <a:bodyPr/>
+          <a:lstStyle/>
+          <a:p>
+            <a:fld id="{B8CC9DC2-1B58-4FDA-A1A1-71E24D183C12}" type="slidenum">
+              <a:rPr lang="en-GB" smtClean="0"/>
+              <a:pPr/>
+              <a:t>12</a:t>
+            </a:fld>
+            <a:endParaRPr lang="en-GB" dirty="0"/>
+          </a:p>
+        </p:txBody>
+      </p:sp>
+    </p:spTree>
+    <p:extLst>
+      <p:ext uri="{BB962C8B-B14F-4D97-AF65-F5344CB8AC3E}">
+        <p14:creationId xmlns:p14="http://schemas.microsoft.com/office/powerpoint/2010/main" val="450827335"/>
+      </p:ext>
+    </p:extLst>
+  </p:cSld>
+  <p:clrMapOvr>
+    <a:masterClrMapping/>
+  </p:clrMapOvr>
+</p:notes>
+</file>
+
 <file path=ppt/notesSlides/notesSlide2.xml><?xml version="1.0" encoding="utf-8"?>
 <p:notes xmlns:a="http://schemas.openxmlformats.org/drawingml/2006/main" xmlns:r="http://schemas.openxmlformats.org/officeDocument/2006/relationships" xmlns:p="http://schemas.openxmlformats.org/presentationml/2006/main">
   <p:cSld>
@@ -960,8 +1142,13 @@
             </a:r>
             <a:r>
               <a:rPr lang="en-GB" baseline="0" dirty="0" smtClean="0"/>
-              <a:t> have set up the same application on a windows 10, 7 and mac. On the website they also say that they support Linux. It was pretty much download build then go</a:t>
-            </a:r>
+              <a:t> have set up the same application on a windows 10, 7 and mac. On the website they also say that they support Linux. It was pretty much download build then </a:t>
+            </a:r>
+            <a:r>
+              <a:rPr lang="en-GB" baseline="0" dirty="0" smtClean="0"/>
+              <a:t>go. </a:t>
+            </a:r>
+            <a:endParaRPr lang="en-GB" baseline="0" dirty="0" smtClean="0"/>
           </a:p>
           <a:p>
             <a:pPr marL="0" marR="0" lvl="0" indent="0" algn="l" defTabSz="914400" rtl="0" eaLnBrk="1" fontAlgn="auto" latinLnBrk="0" hangingPunct="1">
@@ -1003,15 +1190,7 @@
             </a:pPr>
             <a:r>
               <a:rPr lang="en-GB" baseline="0" dirty="0" smtClean="0"/>
-              <a:t>In essence it </a:t>
-            </a:r>
-            <a:r>
-              <a:rPr lang="en-GB" baseline="0" dirty="0" smtClean="0"/>
-              <a:t>allows </a:t>
-            </a:r>
-            <a:r>
-              <a:rPr lang="en-GB" baseline="0" dirty="0" smtClean="0"/>
-              <a:t>you to build a web frontend in a desktop application. This means that you don’t need to learn a new </a:t>
+              <a:t>In essence it allows you to build a web frontend in a desktop application. This means that you don’t need to learn a new </a:t>
             </a:r>
             <a:r>
               <a:rPr lang="en-GB" baseline="0" dirty="0" err="1" smtClean="0"/>
@@ -1192,7 +1371,7 @@
     </p:spTree>
     <p:extLst>
       <p:ext uri="{BB962C8B-B14F-4D97-AF65-F5344CB8AC3E}">
-        <p14:creationId xmlns:p14="http://schemas.microsoft.com/office/powerpoint/2010/main" val="2696392658"/>
+        <p14:creationId xmlns:p14="http://schemas.microsoft.com/office/powerpoint/2010/main" val="2492043446"/>
       </p:ext>
     </p:extLst>
   </p:cSld>
@@ -1248,17 +1427,58 @@
           <a:p>
             <a:r>
               <a:rPr lang="en-GB" dirty="0" smtClean="0"/>
-              <a:t>We should make a little doc with our app</a:t>
+              <a:t>What happened</a:t>
             </a:r>
             <a:r>
               <a:rPr lang="en-GB" baseline="0" dirty="0" smtClean="0"/>
-              <a:t> design things. Like the naming conventions, adding them to the react list, how to get your icon to show up, using the storage. </a:t>
-            </a:r>
-            <a:r>
-              <a:rPr lang="en-GB" baseline="0" smtClean="0"/>
-              <a:t>Things like that</a:t>
-            </a:r>
-            <a:endParaRPr lang="en-GB" dirty="0"/>
+              <a:t> in previous hackathons Room booking, </a:t>
+            </a:r>
+            <a:r>
+              <a:rPr lang="en-GB" baseline="0" dirty="0" err="1" smtClean="0"/>
+              <a:t>chatbot</a:t>
+            </a:r>
+            <a:r>
+              <a:rPr lang="en-GB" baseline="0" dirty="0" smtClean="0"/>
+              <a:t>, …. These may be really useful tools but they haven’t been picked up. </a:t>
+            </a:r>
+            <a:r>
+              <a:rPr lang="en-GB" baseline="0" dirty="0" smtClean="0"/>
+              <a:t>This includes our projects that at the time we thought were really useful Automation Octane. It is quite demoralising when they go no further. </a:t>
+            </a:r>
+            <a:r>
+              <a:rPr lang="en-GB" baseline="0" dirty="0" smtClean="0"/>
+              <a:t>Why is this? Well we think we need to lower the barrier for setup, distribution and adoption. </a:t>
+            </a:r>
+          </a:p>
+          <a:p>
+            <a:endParaRPr lang="en-GB" baseline="0" dirty="0" smtClean="0"/>
+          </a:p>
+          <a:p>
+            <a:r>
+              <a:rPr lang="en-GB" baseline="0" dirty="0" smtClean="0"/>
+              <a:t>With this project we are looking for people to either help us improve the framework or to start building an application in it. </a:t>
+            </a:r>
+          </a:p>
+          <a:p>
+            <a:endParaRPr lang="en-GB" baseline="0" dirty="0" smtClean="0"/>
+          </a:p>
+          <a:p>
+            <a:r>
+              <a:rPr lang="en-GB" baseline="0" dirty="0" smtClean="0"/>
+              <a:t>Nothing is set in stone. Choose your own backend but the front needs to remain React. Overall we would prefer the back was typescript to keep things clear but if some other language is better suited to your needs go for it.</a:t>
+            </a:r>
+          </a:p>
+          <a:p>
+            <a:endParaRPr lang="en-GB" baseline="0" dirty="0" smtClean="0"/>
+          </a:p>
+          <a:p>
+            <a:r>
+              <a:rPr lang="en-GB" baseline="0" dirty="0" smtClean="0"/>
+              <a:t>We have started setting up the testing tools for React, Typescript and electron so we also want the testing to be done.</a:t>
+            </a:r>
+          </a:p>
+          <a:p>
+            <a:endParaRPr lang="en-GB" baseline="0" dirty="0" smtClean="0"/>
           </a:p>
         </p:txBody>
       </p:sp>
@@ -1280,7 +1500,7 @@
             <a:fld id="{B8CC9DC2-1B58-4FDA-A1A1-71E24D183C12}" type="slidenum">
               <a:rPr lang="en-GB" smtClean="0"/>
               <a:pPr/>
-              <a:t>11</a:t>
+              <a:t>5</a:t>
             </a:fld>
             <a:endParaRPr lang="en-GB" dirty="0"/>
           </a:p>
@@ -1289,7 +1509,7 @@
     </p:spTree>
     <p:extLst>
       <p:ext uri="{BB962C8B-B14F-4D97-AF65-F5344CB8AC3E}">
-        <p14:creationId xmlns:p14="http://schemas.microsoft.com/office/powerpoint/2010/main" val="2399511822"/>
+        <p14:creationId xmlns:p14="http://schemas.microsoft.com/office/powerpoint/2010/main" val="4258927683"/>
       </p:ext>
     </p:extLst>
   </p:cSld>
@@ -1343,6 +1563,44 @@
           <a:bodyPr/>
           <a:lstStyle/>
           <a:p>
+            <a:r>
+              <a:rPr lang="en-GB" dirty="0" smtClean="0"/>
+              <a:t>Can use web skills to make desktop apps.</a:t>
+            </a:r>
+          </a:p>
+          <a:p>
+            <a:r>
+              <a:rPr lang="en-GB" dirty="0" smtClean="0"/>
+              <a:t>Cross platform means you can make one application and it can (mostly) be distributed</a:t>
+            </a:r>
+            <a:r>
+              <a:rPr lang="en-GB" baseline="0" dirty="0" smtClean="0"/>
+              <a:t> across a wide range of devices.</a:t>
+            </a:r>
+          </a:p>
+          <a:p>
+            <a:r>
+              <a:rPr lang="en-GB" baseline="0" dirty="0" smtClean="0"/>
+              <a:t>You can quickly import existing web pages into a desktop application.</a:t>
+            </a:r>
+          </a:p>
+          <a:p>
+            <a:r>
+              <a:rPr lang="en-GB" baseline="0" dirty="0" smtClean="0"/>
+              <a:t>Electron has built in updating abilities and there are a few popular third party which can push updates to clients automatically, keeping your users up to date.</a:t>
+            </a:r>
+          </a:p>
+          <a:p>
+            <a:r>
+              <a:rPr lang="en-GB" baseline="0" dirty="0" smtClean="0"/>
+              <a:t>With big companies such as Microsoft using electron, it is being improved and supported by a wide range of developers so there is lots of info and help out there.</a:t>
+            </a:r>
+          </a:p>
+          <a:p>
+            <a:r>
+              <a:rPr lang="en-GB" baseline="0" dirty="0" smtClean="0"/>
+              <a:t>There seems to be a trend towards using web app frontends for desktop applications (maybe starting with Spotify who use their own container)</a:t>
+            </a:r>
             <a:endParaRPr lang="en-GB" dirty="0"/>
           </a:p>
         </p:txBody>
@@ -1365,7 +1623,7 @@
             <a:fld id="{B8CC9DC2-1B58-4FDA-A1A1-71E24D183C12}" type="slidenum">
               <a:rPr lang="en-GB" smtClean="0"/>
               <a:pPr/>
-              <a:t>12</a:t>
+              <a:t>6</a:t>
             </a:fld>
             <a:endParaRPr lang="en-GB" dirty="0"/>
           </a:p>
@@ -1374,7 +1632,666 @@
     </p:spTree>
     <p:extLst>
       <p:ext uri="{BB962C8B-B14F-4D97-AF65-F5344CB8AC3E}">
-        <p14:creationId xmlns:p14="http://schemas.microsoft.com/office/powerpoint/2010/main" val="450827335"/>
+        <p14:creationId xmlns:p14="http://schemas.microsoft.com/office/powerpoint/2010/main" val="2696392658"/>
+      </p:ext>
+    </p:extLst>
+  </p:cSld>
+  <p:clrMapOvr>
+    <a:masterClrMapping/>
+  </p:clrMapOvr>
+</p:notes>
+</file>
+
+<file path=ppt/notesSlides/notesSlide7.xml><?xml version="1.0" encoding="utf-8"?>
+<p:notes xmlns:a="http://schemas.openxmlformats.org/drawingml/2006/main" xmlns:r="http://schemas.openxmlformats.org/officeDocument/2006/relationships" xmlns:p="http://schemas.openxmlformats.org/presentationml/2006/main">
+  <p:cSld>
+    <p:spTree>
+      <p:nvGrpSpPr>
+        <p:cNvPr id="1" name=""/>
+        <p:cNvGrpSpPr/>
+        <p:nvPr/>
+      </p:nvGrpSpPr>
+      <p:grpSpPr>
+        <a:xfrm>
+          <a:off x="0" y="0"/>
+          <a:ext cx="0" cy="0"/>
+          <a:chOff x="0" y="0"/>
+          <a:chExt cx="0" cy="0"/>
+        </a:xfrm>
+      </p:grpSpPr>
+      <p:sp>
+        <p:nvSpPr>
+          <p:cNvPr id="2" name="Slide Image Placeholder 1"/>
+          <p:cNvSpPr>
+            <a:spLocks noGrp="1" noRot="1" noChangeAspect="1"/>
+          </p:cNvSpPr>
+          <p:nvPr>
+            <p:ph type="sldImg"/>
+          </p:nvPr>
+        </p:nvSpPr>
+        <p:spPr/>
+      </p:sp>
+      <p:sp>
+        <p:nvSpPr>
+          <p:cNvPr id="3" name="Notes Placeholder 2"/>
+          <p:cNvSpPr>
+            <a:spLocks noGrp="1"/>
+          </p:cNvSpPr>
+          <p:nvPr>
+            <p:ph type="body" idx="1"/>
+          </p:nvPr>
+        </p:nvSpPr>
+        <p:spPr/>
+        <p:txBody>
+          <a:bodyPr/>
+          <a:lstStyle/>
+          <a:p>
+            <a:r>
+              <a:rPr lang="en-GB" dirty="0" smtClean="0"/>
+              <a:t>React initially created by </a:t>
+            </a:r>
+            <a:r>
+              <a:rPr lang="en-GB" dirty="0" err="1" smtClean="0"/>
+              <a:t>facebook</a:t>
+            </a:r>
+            <a:r>
+              <a:rPr lang="en-GB" dirty="0" smtClean="0"/>
+              <a:t>. Very often React is combined </a:t>
+            </a:r>
+            <a:r>
+              <a:rPr lang="en-GB" dirty="0" err="1" smtClean="0"/>
+              <a:t>bable</a:t>
+            </a:r>
+            <a:r>
+              <a:rPr lang="en-GB" dirty="0" smtClean="0"/>
+              <a:t>. </a:t>
+            </a:r>
+            <a:r>
+              <a:rPr lang="en-GB" dirty="0" err="1" smtClean="0"/>
+              <a:t>Bable</a:t>
+            </a:r>
+            <a:r>
+              <a:rPr lang="en-GB" dirty="0" smtClean="0"/>
+              <a:t> is a </a:t>
+            </a:r>
+            <a:r>
+              <a:rPr lang="en-GB" dirty="0" err="1" smtClean="0"/>
+              <a:t>transpiler</a:t>
+            </a:r>
+            <a:r>
+              <a:rPr lang="en-GB" dirty="0" smtClean="0"/>
+              <a:t> that takes one version of </a:t>
+            </a:r>
+            <a:r>
+              <a:rPr lang="en-GB" dirty="0" err="1" smtClean="0"/>
+              <a:t>js</a:t>
+            </a:r>
+            <a:r>
+              <a:rPr lang="en-GB" dirty="0" smtClean="0"/>
+              <a:t> and transforms it into another. In our case</a:t>
+            </a:r>
+            <a:r>
+              <a:rPr lang="en-GB" baseline="0" dirty="0" smtClean="0"/>
+              <a:t> we are using </a:t>
+            </a:r>
+            <a:r>
+              <a:rPr lang="en-GB" baseline="0" dirty="0" err="1" smtClean="0"/>
+              <a:t>bable</a:t>
+            </a:r>
+            <a:r>
+              <a:rPr lang="en-GB" baseline="0" dirty="0" smtClean="0"/>
+              <a:t> to translate between JSX and ES5. This just lends itself to a nicer looking syntax that looks like HTML.</a:t>
+            </a:r>
+          </a:p>
+          <a:p>
+            <a:endParaRPr lang="en-GB" baseline="0" dirty="0" smtClean="0"/>
+          </a:p>
+          <a:p>
+            <a:r>
+              <a:rPr lang="en-GB" baseline="0" dirty="0" smtClean="0"/>
+              <a:t>Typescript allows for writing </a:t>
+            </a:r>
+            <a:r>
+              <a:rPr lang="en-GB" baseline="0" dirty="0" err="1" smtClean="0"/>
+              <a:t>javascript</a:t>
+            </a:r>
+            <a:r>
+              <a:rPr lang="en-GB" baseline="0" dirty="0" smtClean="0"/>
+              <a:t> with types. This allows us to define what type of objects that can be passed in and returned by functions. Essentially it makes </a:t>
+            </a:r>
+            <a:r>
+              <a:rPr lang="en-GB" baseline="0" dirty="0" err="1" smtClean="0"/>
+              <a:t>js</a:t>
+            </a:r>
+            <a:r>
+              <a:rPr lang="en-GB" baseline="0" dirty="0" smtClean="0"/>
+              <a:t> more like a statically typed language such as JAVA or C#. We are using pure TS as the backend to our project. </a:t>
+            </a:r>
+            <a:r>
+              <a:rPr lang="en-GB" baseline="0" dirty="0" smtClean="0"/>
+              <a:t>This makes it much easier to see errors before running the program.</a:t>
+            </a:r>
+            <a:endParaRPr lang="en-GB" baseline="0" dirty="0" smtClean="0"/>
+          </a:p>
+          <a:p>
+            <a:endParaRPr lang="en-GB" dirty="0" smtClean="0"/>
+          </a:p>
+          <a:p>
+            <a:r>
+              <a:rPr lang="en-GB" dirty="0" smtClean="0"/>
+              <a:t>It</a:t>
+            </a:r>
+            <a:r>
+              <a:rPr lang="en-GB" baseline="0" dirty="0" smtClean="0"/>
+              <a:t> is a </a:t>
+            </a:r>
+            <a:r>
+              <a:rPr lang="en-GB" baseline="0" dirty="0" err="1" smtClean="0"/>
+              <a:t>js</a:t>
+            </a:r>
+            <a:r>
+              <a:rPr lang="en-GB" baseline="0" dirty="0" smtClean="0"/>
+              <a:t> based language in which sections of the view are broken down into components that control their own state. </a:t>
+            </a:r>
+          </a:p>
+          <a:p>
+            <a:endParaRPr lang="en-GB" baseline="0" dirty="0" smtClean="0"/>
+          </a:p>
+          <a:p>
+            <a:r>
+              <a:rPr lang="en-GB" baseline="0" dirty="0" smtClean="0"/>
+              <a:t>One of the big selling points for react is that it handles updating the view rather than the developer. This is done by the developer updating something called the virtual </a:t>
+            </a:r>
+            <a:r>
+              <a:rPr lang="en-GB" baseline="0" dirty="0" err="1" smtClean="0"/>
+              <a:t>dom</a:t>
+            </a:r>
+            <a:r>
+              <a:rPr lang="en-GB" baseline="0" dirty="0" smtClean="0"/>
+              <a:t> and then react does a comparison between the virtual </a:t>
+            </a:r>
+            <a:r>
+              <a:rPr lang="en-GB" baseline="0" dirty="0" err="1" smtClean="0"/>
+              <a:t>dom</a:t>
+            </a:r>
+            <a:r>
+              <a:rPr lang="en-GB" baseline="0" dirty="0" smtClean="0"/>
+              <a:t> and the actual </a:t>
+            </a:r>
+            <a:r>
+              <a:rPr lang="en-GB" baseline="0" dirty="0" err="1" smtClean="0"/>
+              <a:t>dom</a:t>
+            </a:r>
+            <a:r>
+              <a:rPr lang="en-GB" baseline="0" dirty="0" smtClean="0"/>
+              <a:t> then only updates what is required. While this sounds like a lot of steps it only ever means what is required is updated and is a quick </a:t>
+            </a:r>
+            <a:r>
+              <a:rPr lang="en-GB" baseline="0" dirty="0" smtClean="0"/>
+              <a:t>process</a:t>
+            </a:r>
+          </a:p>
+          <a:p>
+            <a:endParaRPr lang="en-GB" baseline="0" dirty="0" smtClean="0"/>
+          </a:p>
+          <a:p>
+            <a:r>
+              <a:rPr lang="en-GB" baseline="0" dirty="0" smtClean="0"/>
+              <a:t>We also use </a:t>
+            </a:r>
+            <a:r>
+              <a:rPr lang="en-GB" baseline="0" dirty="0" err="1" smtClean="0"/>
+              <a:t>WebPack</a:t>
+            </a:r>
+            <a:r>
+              <a:rPr lang="en-GB" baseline="0" dirty="0" smtClean="0"/>
+              <a:t> for minimising </a:t>
+            </a:r>
+            <a:endParaRPr lang="en-GB" baseline="0" dirty="0"/>
+          </a:p>
+          <a:p>
+            <a:endParaRPr lang="en-GB" baseline="0" dirty="0"/>
+          </a:p>
+          <a:p>
+            <a:r>
+              <a:rPr lang="en-GB" baseline="0" dirty="0" smtClean="0"/>
+              <a:t>Styling with SASS</a:t>
+            </a:r>
+          </a:p>
+          <a:p>
+            <a:endParaRPr lang="en-GB" baseline="0" dirty="0" smtClean="0"/>
+          </a:p>
+          <a:p>
+            <a:r>
+              <a:rPr lang="en-GB" baseline="0" dirty="0" smtClean="0"/>
+              <a:t>Testing – Jest/Mocha</a:t>
+            </a:r>
+          </a:p>
+          <a:p>
+            <a:endParaRPr lang="en-GB" baseline="0" dirty="0" smtClean="0"/>
+          </a:p>
+          <a:p>
+            <a:r>
+              <a:rPr lang="en-GB" baseline="0" dirty="0" err="1" smtClean="0"/>
+              <a:t>Devtron</a:t>
+            </a:r>
+            <a:r>
+              <a:rPr lang="en-GB" baseline="0" dirty="0" smtClean="0"/>
+              <a:t> and integrated debugging with vs c</a:t>
+            </a:r>
+          </a:p>
+        </p:txBody>
+      </p:sp>
+      <p:sp>
+        <p:nvSpPr>
+          <p:cNvPr id="4" name="Slide Number Placeholder 3"/>
+          <p:cNvSpPr>
+            <a:spLocks noGrp="1"/>
+          </p:cNvSpPr>
+          <p:nvPr>
+            <p:ph type="sldNum" sz="quarter" idx="10"/>
+          </p:nvPr>
+        </p:nvSpPr>
+        <p:spPr/>
+        <p:txBody>
+          <a:bodyPr/>
+          <a:lstStyle/>
+          <a:p>
+            <a:fld id="{B8CC9DC2-1B58-4FDA-A1A1-71E24D183C12}" type="slidenum">
+              <a:rPr lang="en-GB" smtClean="0"/>
+              <a:pPr/>
+              <a:t>7</a:t>
+            </a:fld>
+            <a:endParaRPr lang="en-GB" dirty="0"/>
+          </a:p>
+        </p:txBody>
+      </p:sp>
+    </p:spTree>
+    <p:extLst>
+      <p:ext uri="{BB962C8B-B14F-4D97-AF65-F5344CB8AC3E}">
+        <p14:creationId xmlns:p14="http://schemas.microsoft.com/office/powerpoint/2010/main" val="3090129291"/>
+      </p:ext>
+    </p:extLst>
+  </p:cSld>
+  <p:clrMapOvr>
+    <a:masterClrMapping/>
+  </p:clrMapOvr>
+</p:notes>
+</file>
+
+<file path=ppt/notesSlides/notesSlide8.xml><?xml version="1.0" encoding="utf-8"?>
+<p:notes xmlns:a="http://schemas.openxmlformats.org/drawingml/2006/main" xmlns:r="http://schemas.openxmlformats.org/officeDocument/2006/relationships" xmlns:p="http://schemas.openxmlformats.org/presentationml/2006/main">
+  <p:cSld>
+    <p:spTree>
+      <p:nvGrpSpPr>
+        <p:cNvPr id="1" name=""/>
+        <p:cNvGrpSpPr/>
+        <p:nvPr/>
+      </p:nvGrpSpPr>
+      <p:grpSpPr>
+        <a:xfrm>
+          <a:off x="0" y="0"/>
+          <a:ext cx="0" cy="0"/>
+          <a:chOff x="0" y="0"/>
+          <a:chExt cx="0" cy="0"/>
+        </a:xfrm>
+      </p:grpSpPr>
+      <p:sp>
+        <p:nvSpPr>
+          <p:cNvPr id="2" name="Slide Image Placeholder 1"/>
+          <p:cNvSpPr>
+            <a:spLocks noGrp="1" noRot="1" noChangeAspect="1"/>
+          </p:cNvSpPr>
+          <p:nvPr>
+            <p:ph type="sldImg"/>
+          </p:nvPr>
+        </p:nvSpPr>
+        <p:spPr/>
+      </p:sp>
+      <p:sp>
+        <p:nvSpPr>
+          <p:cNvPr id="3" name="Notes Placeholder 2"/>
+          <p:cNvSpPr>
+            <a:spLocks noGrp="1"/>
+          </p:cNvSpPr>
+          <p:nvPr>
+            <p:ph type="body" idx="1"/>
+          </p:nvPr>
+        </p:nvSpPr>
+        <p:spPr/>
+        <p:txBody>
+          <a:bodyPr/>
+          <a:lstStyle/>
+          <a:p>
+            <a:r>
+              <a:rPr lang="en-GB" dirty="0" err="1" smtClean="0"/>
+              <a:t>TypeScrip</a:t>
+            </a:r>
+            <a:r>
+              <a:rPr lang="en-GB" baseline="0" dirty="0" err="1" smtClean="0"/>
+              <a:t>t</a:t>
+            </a:r>
+            <a:r>
+              <a:rPr lang="en-GB" baseline="0" dirty="0" smtClean="0"/>
+              <a:t> is our choice of backend. Because it interacts with electron and react with the correct node modules to interact with external websites and </a:t>
+            </a:r>
+            <a:r>
+              <a:rPr lang="en-GB" baseline="0" dirty="0" err="1" smtClean="0"/>
+              <a:t>os</a:t>
+            </a:r>
+            <a:r>
+              <a:rPr lang="en-GB" baseline="0" dirty="0" smtClean="0"/>
+              <a:t>. The challenges with using TS is that it is easy to lose separation between the frontend solution middleware and backend. We leave the option open to use different backend solutions such as </a:t>
+            </a:r>
+            <a:r>
+              <a:rPr lang="en-GB" baseline="0" dirty="0" err="1" smtClean="0"/>
+              <a:t>c#</a:t>
+            </a:r>
+            <a:r>
+              <a:rPr lang="en-GB" baseline="0" dirty="0" smtClean="0"/>
+              <a:t> and Java. </a:t>
+            </a:r>
+          </a:p>
+          <a:p>
+            <a:endParaRPr lang="en-GB" baseline="0" dirty="0" smtClean="0"/>
+          </a:p>
+          <a:p>
+            <a:endParaRPr lang="en-GB" dirty="0"/>
+          </a:p>
+        </p:txBody>
+      </p:sp>
+      <p:sp>
+        <p:nvSpPr>
+          <p:cNvPr id="4" name="Slide Number Placeholder 3"/>
+          <p:cNvSpPr>
+            <a:spLocks noGrp="1"/>
+          </p:cNvSpPr>
+          <p:nvPr>
+            <p:ph type="sldNum" sz="quarter" idx="10"/>
+          </p:nvPr>
+        </p:nvSpPr>
+        <p:spPr/>
+        <p:txBody>
+          <a:bodyPr/>
+          <a:lstStyle/>
+          <a:p>
+            <a:fld id="{B8CC9DC2-1B58-4FDA-A1A1-71E24D183C12}" type="slidenum">
+              <a:rPr lang="en-GB" smtClean="0"/>
+              <a:pPr/>
+              <a:t>9</a:t>
+            </a:fld>
+            <a:endParaRPr lang="en-GB" dirty="0"/>
+          </a:p>
+        </p:txBody>
+      </p:sp>
+    </p:spTree>
+    <p:extLst>
+      <p:ext uri="{BB962C8B-B14F-4D97-AF65-F5344CB8AC3E}">
+        <p14:creationId xmlns:p14="http://schemas.microsoft.com/office/powerpoint/2010/main" val="3838414472"/>
+      </p:ext>
+    </p:extLst>
+  </p:cSld>
+  <p:clrMapOvr>
+    <a:masterClrMapping/>
+  </p:clrMapOvr>
+</p:notes>
+</file>
+
+<file path=ppt/notesSlides/notesSlide9.xml><?xml version="1.0" encoding="utf-8"?>
+<p:notes xmlns:a="http://schemas.openxmlformats.org/drawingml/2006/main" xmlns:r="http://schemas.openxmlformats.org/officeDocument/2006/relationships" xmlns:p="http://schemas.openxmlformats.org/presentationml/2006/main">
+  <p:cSld>
+    <p:spTree>
+      <p:nvGrpSpPr>
+        <p:cNvPr id="1" name=""/>
+        <p:cNvGrpSpPr/>
+        <p:nvPr/>
+      </p:nvGrpSpPr>
+      <p:grpSpPr>
+        <a:xfrm>
+          <a:off x="0" y="0"/>
+          <a:ext cx="0" cy="0"/>
+          <a:chOff x="0" y="0"/>
+          <a:chExt cx="0" cy="0"/>
+        </a:xfrm>
+      </p:grpSpPr>
+      <p:sp>
+        <p:nvSpPr>
+          <p:cNvPr id="2" name="Slide Image Placeholder 1"/>
+          <p:cNvSpPr>
+            <a:spLocks noGrp="1" noRot="1" noChangeAspect="1"/>
+          </p:cNvSpPr>
+          <p:nvPr>
+            <p:ph type="sldImg"/>
+          </p:nvPr>
+        </p:nvSpPr>
+        <p:spPr/>
+      </p:sp>
+      <p:sp>
+        <p:nvSpPr>
+          <p:cNvPr id="3" name="Notes Placeholder 2"/>
+          <p:cNvSpPr>
+            <a:spLocks noGrp="1"/>
+          </p:cNvSpPr>
+          <p:nvPr>
+            <p:ph type="body" idx="1"/>
+          </p:nvPr>
+        </p:nvSpPr>
+        <p:spPr/>
+        <p:txBody>
+          <a:bodyPr/>
+          <a:lstStyle/>
+          <a:p>
+            <a:r>
+              <a:rPr lang="en-GB" dirty="0" smtClean="0"/>
+              <a:t>LOTS of </a:t>
+            </a:r>
+            <a:r>
+              <a:rPr lang="en-GB" dirty="0" err="1" smtClean="0"/>
+              <a:t>npm</a:t>
+            </a:r>
+            <a:r>
+              <a:rPr lang="en-GB" dirty="0" smtClean="0"/>
+              <a:t> modules for electron specifically to simplify things like deployment, updating applications, debugging and more.</a:t>
+            </a:r>
+          </a:p>
+          <a:p>
+            <a:r>
+              <a:rPr lang="en-GB" dirty="0" smtClean="0"/>
+              <a:t>Many react modules available as well for simplifying things.</a:t>
+            </a:r>
+          </a:p>
+          <a:p>
+            <a:endParaRPr lang="en-GB" dirty="0" smtClean="0"/>
+          </a:p>
+          <a:p>
+            <a:pPr marL="0" marR="0" lvl="0" indent="0" algn="l" defTabSz="914400" rtl="0" eaLnBrk="1" fontAlgn="auto" latinLnBrk="0" hangingPunct="1">
+              <a:lnSpc>
+                <a:spcPct val="100000"/>
+              </a:lnSpc>
+              <a:spcBef>
+                <a:spcPts val="0"/>
+              </a:spcBef>
+              <a:spcAft>
+                <a:spcPts val="0"/>
+              </a:spcAft>
+              <a:buClrTx/>
+              <a:buSzTx/>
+              <a:buFontTx/>
+              <a:buNone/>
+              <a:tabLst/>
+              <a:defRPr/>
+            </a:pPr>
+            <a:r>
+              <a:rPr lang="en-GB" dirty="0" smtClean="0"/>
+              <a:t>Many react modules available as well for simplifying things.</a:t>
+            </a:r>
+          </a:p>
+          <a:p>
+            <a:pPr marL="0" marR="0" lvl="0" indent="0" algn="l" defTabSz="914400" rtl="0" eaLnBrk="1" fontAlgn="auto" latinLnBrk="0" hangingPunct="1">
+              <a:lnSpc>
+                <a:spcPct val="100000"/>
+              </a:lnSpc>
+              <a:spcBef>
+                <a:spcPts val="0"/>
+              </a:spcBef>
+              <a:spcAft>
+                <a:spcPts val="0"/>
+              </a:spcAft>
+              <a:buClrTx/>
+              <a:buSzTx/>
+              <a:buFontTx/>
+              <a:buNone/>
+              <a:tabLst/>
+              <a:defRPr/>
+            </a:pPr>
+            <a:endParaRPr lang="en-GB" dirty="0" smtClean="0"/>
+          </a:p>
+          <a:p>
+            <a:pPr marL="0" marR="0" lvl="0" indent="0" algn="l" defTabSz="914400" rtl="0" eaLnBrk="1" fontAlgn="auto" latinLnBrk="0" hangingPunct="1">
+              <a:lnSpc>
+                <a:spcPct val="100000"/>
+              </a:lnSpc>
+              <a:spcBef>
+                <a:spcPts val="0"/>
+              </a:spcBef>
+              <a:spcAft>
+                <a:spcPts val="0"/>
+              </a:spcAft>
+              <a:buClrTx/>
+              <a:buSzTx/>
+              <a:buFontTx/>
+              <a:buNone/>
+              <a:tabLst/>
+              <a:defRPr/>
+            </a:pPr>
+            <a:r>
+              <a:rPr lang="en-GB" dirty="0" smtClean="0"/>
+              <a:t>Pretty popular framework so plenty of help online with tutorials and </a:t>
+            </a:r>
+            <a:r>
+              <a:rPr lang="en-GB" dirty="0" err="1" smtClean="0"/>
+              <a:t>stackoverflow</a:t>
+            </a:r>
+            <a:r>
+              <a:rPr lang="en-GB" dirty="0" smtClean="0"/>
+              <a:t>. It</a:t>
+            </a:r>
+            <a:r>
+              <a:rPr lang="en-GB" baseline="0" dirty="0" smtClean="0"/>
+              <a:t> looks like desktop applications are becoming more and more like web applications</a:t>
+            </a:r>
+          </a:p>
+          <a:p>
+            <a:pPr marL="0" marR="0" lvl="0" indent="0" algn="l" defTabSz="914400" rtl="0" eaLnBrk="1" fontAlgn="auto" latinLnBrk="0" hangingPunct="1">
+              <a:lnSpc>
+                <a:spcPct val="100000"/>
+              </a:lnSpc>
+              <a:spcBef>
+                <a:spcPts val="0"/>
+              </a:spcBef>
+              <a:spcAft>
+                <a:spcPts val="0"/>
+              </a:spcAft>
+              <a:buClrTx/>
+              <a:buSzTx/>
+              <a:buFontTx/>
+              <a:buNone/>
+              <a:tabLst/>
+              <a:defRPr/>
+            </a:pPr>
+            <a:endParaRPr lang="en-GB" baseline="0" dirty="0" smtClean="0"/>
+          </a:p>
+          <a:p>
+            <a:r>
+              <a:rPr lang="en-GB" dirty="0" smtClean="0"/>
+              <a:t>Cross compatible, just need a machine that can run chromium to get most of the functionality.</a:t>
+            </a:r>
+          </a:p>
+          <a:p>
+            <a:endParaRPr lang="en-GB" dirty="0" smtClean="0"/>
+          </a:p>
+          <a:p>
+            <a:pPr marL="0" marR="0" lvl="0" indent="0" algn="l" defTabSz="914400" rtl="0" eaLnBrk="1" fontAlgn="auto" latinLnBrk="0" hangingPunct="1">
+              <a:lnSpc>
+                <a:spcPct val="100000"/>
+              </a:lnSpc>
+              <a:spcBef>
+                <a:spcPts val="0"/>
+              </a:spcBef>
+              <a:spcAft>
+                <a:spcPts val="0"/>
+              </a:spcAft>
+              <a:buClrTx/>
+              <a:buSzTx/>
+              <a:buFontTx/>
+              <a:buNone/>
+              <a:tabLst/>
+              <a:defRPr/>
+            </a:pPr>
+            <a:r>
+              <a:rPr lang="en-GB" dirty="0" smtClean="0"/>
+              <a:t>Sparked a lot of debate about how to structure a electron/React Desktop application</a:t>
+            </a:r>
+          </a:p>
+          <a:p>
+            <a:endParaRPr lang="en-GB" dirty="0" smtClean="0"/>
+          </a:p>
+          <a:p>
+            <a:pPr marL="0" marR="0" lvl="0" indent="0" algn="l" defTabSz="914400" rtl="0" eaLnBrk="1" fontAlgn="auto" latinLnBrk="0" hangingPunct="1">
+              <a:lnSpc>
+                <a:spcPct val="100000"/>
+              </a:lnSpc>
+              <a:spcBef>
+                <a:spcPts val="0"/>
+              </a:spcBef>
+              <a:spcAft>
+                <a:spcPts val="0"/>
+              </a:spcAft>
+              <a:buClrTx/>
+              <a:buSzTx/>
+              <a:buFontTx/>
+              <a:buNone/>
+              <a:tabLst/>
+              <a:defRPr/>
+            </a:pPr>
+            <a:endParaRPr lang="en-GB" dirty="0" smtClean="0"/>
+          </a:p>
+          <a:p>
+            <a:endParaRPr lang="en-GB" dirty="0" smtClean="0"/>
+          </a:p>
+          <a:p>
+            <a:endParaRPr lang="en-GB" dirty="0"/>
+          </a:p>
+        </p:txBody>
+      </p:sp>
+      <p:sp>
+        <p:nvSpPr>
+          <p:cNvPr id="4" name="Slide Number Placeholder 3"/>
+          <p:cNvSpPr>
+            <a:spLocks noGrp="1"/>
+          </p:cNvSpPr>
+          <p:nvPr>
+            <p:ph type="sldNum" sz="quarter" idx="10"/>
+          </p:nvPr>
+        </p:nvSpPr>
+        <p:spPr/>
+        <p:txBody>
+          <a:bodyPr/>
+          <a:lstStyle/>
+          <a:p>
+            <a:fld id="{B8CC9DC2-1B58-4FDA-A1A1-71E24D183C12}" type="slidenum">
+              <a:rPr lang="en-GB" smtClean="0"/>
+              <a:pPr/>
+              <a:t>10</a:t>
+            </a:fld>
+            <a:endParaRPr lang="en-GB" dirty="0"/>
+          </a:p>
+        </p:txBody>
+      </p:sp>
+    </p:spTree>
+    <p:extLst>
+      <p:ext uri="{BB962C8B-B14F-4D97-AF65-F5344CB8AC3E}">
+        <p14:creationId xmlns:p14="http://schemas.microsoft.com/office/powerpoint/2010/main" val="1835355784"/>
       </p:ext>
     </p:extLst>
   </p:cSld>
@@ -34675,7 +35592,7 @@
               <a:pPr algn="r">
                 <a:defRPr/>
               </a:pPr>
-              <a:t>27/11/2019</a:t>
+              <a:t>03/12/2019</a:t>
             </a:fld>
             <a:endParaRPr lang="en-GB" sz="1000" dirty="0">
               <a:solidFill>
@@ -35115,7 +36032,7 @@
               <a:pPr algn="r">
                 <a:defRPr/>
               </a:pPr>
-              <a:t>27/11/2019</a:t>
+              <a:t>03/12/2019</a:t>
             </a:fld>
             <a:endParaRPr lang="en-GB" sz="1000" dirty="0">
               <a:solidFill>
@@ -35737,7 +36654,11 @@
           <a:p>
             <a:r>
               <a:rPr lang="en-GB" dirty="0" smtClean="0"/>
-              <a:t>Why should you care?</a:t>
+              <a:t>Our </a:t>
+            </a:r>
+            <a:r>
+              <a:rPr lang="en-GB" dirty="0" smtClean="0"/>
+              <a:t>experience</a:t>
             </a:r>
             <a:endParaRPr lang="en-GB" dirty="0"/>
           </a:p>
@@ -35765,39 +36686,69 @@
           <a:p>
             <a:r>
               <a:rPr lang="en-GB" dirty="0" smtClean="0"/>
-              <a:t>Flexible platform to experiment with React</a:t>
+              <a:t>Quick to set up</a:t>
             </a:r>
           </a:p>
           <a:p>
             <a:r>
               <a:rPr lang="en-GB" dirty="0" smtClean="0"/>
-              <a:t>Easy to spin up</a:t>
+              <a:t>Simple to create a working application with just HTML and JS</a:t>
             </a:r>
           </a:p>
           <a:p>
             <a:r>
               <a:rPr lang="en-GB" dirty="0" smtClean="0"/>
-              <a:t>Simple to distribute</a:t>
-            </a:r>
-          </a:p>
-          <a:p>
+              <a:t>LOTS of </a:t>
+            </a:r>
+            <a:r>
+              <a:rPr lang="en-GB" dirty="0" err="1" smtClean="0"/>
+              <a:t>npm</a:t>
+            </a:r>
             <a:r>
               <a:rPr lang="en-GB" dirty="0" smtClean="0"/>
-              <a:t>There are always lots of little ideas at hackathons, this would be a good starting point for many of them</a:t>
-            </a:r>
+              <a:t> </a:t>
+            </a:r>
+            <a:endParaRPr lang="en-GB" dirty="0"/>
           </a:p>
           <a:p>
             <a:r>
               <a:rPr lang="en-GB" dirty="0" smtClean="0"/>
-              <a:t>For the next Hackathon we propose the creation of an Electron based, React fronted Hastings Toolkit. Somewhere for all the little applications to live so they can actually be used and easily distributed instead of mostly just being a fun little diversion for a few days.</a:t>
-            </a:r>
+              <a:t>Many </a:t>
+            </a:r>
+            <a:r>
+              <a:rPr lang="en-GB" dirty="0" smtClean="0"/>
+              <a:t>react modules </a:t>
+            </a:r>
+            <a:r>
+              <a:rPr lang="en-GB" dirty="0" smtClean="0"/>
+              <a:t>available</a:t>
+            </a:r>
+          </a:p>
+          <a:p>
+            <a:r>
+              <a:rPr lang="en-GB" dirty="0" smtClean="0"/>
+              <a:t>Pretty popular framework </a:t>
+            </a:r>
+          </a:p>
+          <a:p>
+            <a:r>
+              <a:rPr lang="en-GB" dirty="0" smtClean="0"/>
+              <a:t>Cross compatible</a:t>
+            </a:r>
+          </a:p>
+          <a:p>
+            <a:r>
+              <a:rPr lang="en-GB" dirty="0" smtClean="0"/>
+              <a:t>Can be challenging to structure (nicely)</a:t>
+            </a:r>
+            <a:endParaRPr lang="en-GB" dirty="0" smtClean="0"/>
           </a:p>
         </p:txBody>
       </p:sp>
     </p:spTree>
     <p:extLst>
       <p:ext uri="{BB962C8B-B14F-4D97-AF65-F5344CB8AC3E}">
-        <p14:creationId xmlns:p14="http://schemas.microsoft.com/office/powerpoint/2010/main" val="3039352809"/>
+        <p14:creationId xmlns:p14="http://schemas.microsoft.com/office/powerpoint/2010/main" val="112153735"/>
       </p:ext>
     </p:extLst>
   </p:cSld>
@@ -36388,17 +37339,35 @@
           <a:p>
             <a:r>
               <a:rPr lang="en-GB" dirty="0" smtClean="0"/>
-              <a:t>Electron is a cross platform framework which allows you to build desktop applications.</a:t>
-            </a:r>
-          </a:p>
-          <a:p>
+              <a:t>Electron is a cross platform framework which allows you to build desktop </a:t>
+            </a:r>
+            <a:r>
+              <a:rPr lang="en-GB" dirty="0" smtClean="0"/>
+              <a:t>applications for Linux, Windows or </a:t>
+            </a:r>
+            <a:r>
+              <a:rPr lang="en-GB" dirty="0" err="1" smtClean="0"/>
+              <a:t>MacOS</a:t>
+            </a:r>
+            <a:r>
+              <a:rPr lang="en-GB" dirty="0" smtClean="0"/>
+              <a:t>.</a:t>
+            </a:r>
             <a:endParaRPr lang="en-GB" dirty="0" smtClean="0"/>
           </a:p>
           <a:p>
+            <a:endParaRPr lang="en-GB" dirty="0" smtClean="0"/>
+          </a:p>
+          <a:p>
             <a:r>
               <a:rPr lang="en-GB" dirty="0" smtClean="0"/>
-              <a:t>Allows you to use web technologies to make a UI for an application which can have desktop</a:t>
-            </a:r>
+              <a:t>Allows you to use web technologies to make a UI for </a:t>
+            </a:r>
+            <a:r>
+              <a:rPr lang="en-GB" dirty="0" smtClean="0"/>
+              <a:t>a desktop application</a:t>
+            </a:r>
+            <a:endParaRPr lang="en-GB" dirty="0" smtClean="0"/>
           </a:p>
           <a:p>
             <a:endParaRPr lang="en-GB" dirty="0" smtClean="0"/>
@@ -36492,7 +37461,7 @@
           <a:p>
             <a:r>
               <a:rPr lang="en-GB" dirty="0" smtClean="0"/>
-              <a:t>What Electron adds to your project</a:t>
+              <a:t>Electron Applications on the Market</a:t>
             </a:r>
             <a:endParaRPr lang="en-GB" dirty="0"/>
           </a:p>
@@ -36511,106 +37480,95 @@
         <p:spPr>
           <a:xfrm>
             <a:off x="531044" y="962948"/>
-            <a:ext cx="8092800" cy="5346372"/>
+            <a:ext cx="8092800" cy="2610068"/>
           </a:xfrm>
         </p:spPr>
         <p:txBody>
           <a:bodyPr/>
           <a:lstStyle/>
           <a:p>
-            <a:pPr marL="0" indent="0">
-              <a:buNone/>
-            </a:pPr>
             <a:r>
               <a:rPr lang="en-GB" dirty="0" smtClean="0"/>
-              <a:t>Advantages</a:t>
-            </a:r>
-          </a:p>
-          <a:p>
-            <a:pPr marL="0" indent="0">
-              <a:buNone/>
-            </a:pPr>
+              <a:t>Discord</a:t>
+            </a:r>
+          </a:p>
+          <a:p>
+            <a:endParaRPr lang="en-GB" dirty="0" smtClean="0"/>
+          </a:p>
+          <a:p>
             <a:r>
               <a:rPr lang="en-GB" dirty="0" smtClean="0"/>
-              <a:t>Its is like a website hosted locally with access to your operating system</a:t>
+              <a:t>Slack</a:t>
+            </a:r>
+          </a:p>
+          <a:p>
+            <a:endParaRPr lang="en-GB" dirty="0" smtClean="0"/>
+          </a:p>
+          <a:p>
+            <a:r>
+              <a:rPr lang="en-GB" dirty="0" smtClean="0"/>
+              <a:t>Visual Studio </a:t>
+            </a:r>
+            <a:r>
+              <a:rPr lang="en-GB" dirty="0" smtClean="0"/>
+              <a:t>Code</a:t>
+            </a:r>
+          </a:p>
+          <a:p>
+            <a:endParaRPr lang="en-GB" dirty="0" smtClean="0"/>
+          </a:p>
+          <a:p>
+            <a:r>
+              <a:rPr lang="en-GB" dirty="0" smtClean="0"/>
+              <a:t>WhatsApp </a:t>
+            </a:r>
+            <a:r>
+              <a:rPr lang="en-GB" dirty="0" smtClean="0"/>
+              <a:t>Desktop</a:t>
+            </a:r>
+          </a:p>
+          <a:p>
+            <a:endParaRPr lang="en-GB" dirty="0" smtClean="0"/>
+          </a:p>
+          <a:p>
+            <a:r>
+              <a:rPr lang="en-GB" dirty="0" smtClean="0"/>
+              <a:t>Skype</a:t>
+            </a:r>
+          </a:p>
+          <a:p>
+            <a:endParaRPr lang="en-GB" dirty="0" smtClean="0"/>
+          </a:p>
+          <a:p>
+            <a:r>
+              <a:rPr lang="en-GB" dirty="0" smtClean="0"/>
+              <a:t>GitHub </a:t>
+            </a:r>
+            <a:r>
+              <a:rPr lang="en-GB" dirty="0" smtClean="0"/>
+              <a:t>Desktop</a:t>
+            </a:r>
+          </a:p>
+          <a:p>
+            <a:endParaRPr lang="en-GB" dirty="0" smtClean="0"/>
+          </a:p>
+          <a:p>
+            <a:r>
+              <a:rPr lang="en-GB" dirty="0" err="1" smtClean="0"/>
+              <a:t>Wordpress</a:t>
+            </a:r>
+            <a:r>
+              <a:rPr lang="en-GB" dirty="0" smtClean="0"/>
+              <a:t> Desktop App</a:t>
             </a:r>
             <a:endParaRPr lang="en-GB" dirty="0"/>
-          </a:p>
-          <a:p>
-            <a:r>
-              <a:rPr lang="en-GB" dirty="0" smtClean="0"/>
-              <a:t>Desktop notifications for events triggered on the web</a:t>
-            </a:r>
-          </a:p>
-          <a:p>
-            <a:r>
-              <a:rPr lang="en-GB" dirty="0" smtClean="0"/>
-              <a:t>File read and write</a:t>
-            </a:r>
-          </a:p>
-          <a:p>
-            <a:r>
-              <a:rPr lang="en-GB" dirty="0" smtClean="0"/>
-              <a:t>Updating client applications automatically</a:t>
-            </a:r>
-          </a:p>
-          <a:p>
-            <a:r>
-              <a:rPr lang="en-GB" dirty="0" smtClean="0"/>
-              <a:t>Simple </a:t>
-            </a:r>
-            <a:r>
-              <a:rPr lang="en-GB" dirty="0" smtClean="0"/>
-              <a:t>distribution</a:t>
-            </a:r>
-          </a:p>
-          <a:p>
-            <a:r>
-              <a:rPr lang="en-GB" dirty="0" smtClean="0"/>
-              <a:t>Large </a:t>
-            </a:r>
-            <a:r>
-              <a:rPr lang="en-GB" dirty="0" smtClean="0"/>
-              <a:t>support network of developers</a:t>
-            </a:r>
-          </a:p>
-          <a:p>
-            <a:r>
-              <a:rPr lang="en-GB" dirty="0" smtClean="0"/>
-              <a:t>Web technologies are continually being updated</a:t>
-            </a:r>
-          </a:p>
-          <a:p>
-            <a:pPr marL="0" indent="0">
-              <a:buNone/>
-            </a:pPr>
-            <a:r>
-              <a:rPr lang="en-GB" dirty="0" smtClean="0"/>
-              <a:t>Disadvantages</a:t>
-            </a:r>
-          </a:p>
-          <a:p>
-            <a:r>
-              <a:rPr lang="en-GB" dirty="0" smtClean="0"/>
-              <a:t>Large Size – Each electron app has its own copy of chromium</a:t>
-            </a:r>
-          </a:p>
-          <a:p>
-            <a:r>
-              <a:rPr lang="en-GB" dirty="0"/>
-              <a:t>Resources </a:t>
-            </a:r>
-            <a:r>
-              <a:rPr lang="en-GB" dirty="0" smtClean="0"/>
-              <a:t>hogging – Chromium is quite hungry</a:t>
-            </a:r>
           </a:p>
         </p:txBody>
       </p:sp>
     </p:spTree>
     <p:extLst>
       <p:ext uri="{BB962C8B-B14F-4D97-AF65-F5344CB8AC3E}">
-        <p14:creationId xmlns:p14="http://schemas.microsoft.com/office/powerpoint/2010/main" val="4060202349"/>
+        <p14:creationId xmlns:p14="http://schemas.microsoft.com/office/powerpoint/2010/main" val="385420022"/>
       </p:ext>
     </p:extLst>
   </p:cSld>
@@ -36661,7 +37619,7 @@
           <a:p>
             <a:r>
               <a:rPr lang="en-GB" dirty="0" smtClean="0"/>
-              <a:t>Electron Applications on the Market</a:t>
+              <a:t>Why should you care?</a:t>
             </a:r>
             <a:endParaRPr lang="en-GB" dirty="0"/>
           </a:p>
@@ -36680,7 +37638,7 @@
         <p:spPr>
           <a:xfrm>
             <a:off x="531044" y="962948"/>
-            <a:ext cx="8092800" cy="2610068"/>
+            <a:ext cx="8092800" cy="5346372"/>
           </a:xfrm>
         </p:spPr>
         <p:txBody>
@@ -36688,50 +37646,81 @@
           <a:lstStyle/>
           <a:p>
             <a:r>
+              <a:rPr lang="en-GB" dirty="0"/>
+              <a:t>There are always lots of little ideas at hackathons, this would be a good starting point for many of </a:t>
+            </a:r>
+            <a:r>
               <a:rPr lang="en-GB" dirty="0" smtClean="0"/>
-              <a:t>Discord</a:t>
-            </a:r>
+              <a:t>them.</a:t>
+            </a:r>
+            <a:endParaRPr lang="en-GB" dirty="0" smtClean="0"/>
+          </a:p>
+          <a:p>
+            <a:endParaRPr lang="en-GB" dirty="0"/>
           </a:p>
           <a:p>
             <a:r>
               <a:rPr lang="en-GB" dirty="0" smtClean="0"/>
-              <a:t>Slack</a:t>
-            </a:r>
-          </a:p>
-          <a:p>
+              <a:t>For this Hackathon </a:t>
+            </a:r>
             <a:r>
               <a:rPr lang="en-GB" dirty="0" smtClean="0"/>
-              <a:t>Visual Studio Code</a:t>
-            </a:r>
+              <a:t>we propose the creation of an Electron based, React fronted Hastings Toolkit. Somewhere for all the little applications to live so they can actually be used and easily distributed instead of mostly just being a fun little diversion for a few days</a:t>
+            </a:r>
+            <a:r>
+              <a:rPr lang="en-GB" dirty="0"/>
+              <a:t>. </a:t>
+            </a:r>
+          </a:p>
+          <a:p>
+            <a:endParaRPr lang="en-GB" dirty="0" smtClean="0"/>
           </a:p>
           <a:p>
             <a:r>
               <a:rPr lang="en-GB" dirty="0" smtClean="0"/>
-              <a:t>WhatsApp Desktop</a:t>
-            </a:r>
+              <a:t>Flexible </a:t>
+            </a:r>
+            <a:r>
+              <a:rPr lang="en-GB" dirty="0"/>
+              <a:t>platform to experiment with React</a:t>
+            </a:r>
+          </a:p>
+          <a:p>
+            <a:endParaRPr lang="en-GB" dirty="0" smtClean="0"/>
           </a:p>
           <a:p>
             <a:r>
               <a:rPr lang="en-GB" dirty="0" smtClean="0"/>
-              <a:t>Skype</a:t>
-            </a:r>
-          </a:p>
-          <a:p>
+              <a:t>Easy </a:t>
+            </a:r>
+            <a:r>
+              <a:rPr lang="en-GB" dirty="0"/>
+              <a:t>to spin </a:t>
+            </a:r>
             <a:r>
               <a:rPr lang="en-GB" dirty="0" smtClean="0"/>
-              <a:t>GitHub Desktop</a:t>
-            </a:r>
-          </a:p>
-          <a:p>
-            <a:r>
-              <a:rPr lang="en-GB" dirty="0" err="1" smtClean="0"/>
-              <a:t>Wordpress</a:t>
-            </a:r>
+              <a:t>up*(but wont work today)</a:t>
+            </a:r>
+            <a:endParaRPr lang="en-GB" dirty="0"/>
+          </a:p>
+          <a:p>
+            <a:endParaRPr lang="en-GB" dirty="0" smtClean="0"/>
+          </a:p>
+          <a:p>
             <a:r>
               <a:rPr lang="en-GB" dirty="0" smtClean="0"/>
-              <a:t> Desktop App</a:t>
-            </a:r>
-            <a:endParaRPr lang="en-GB" dirty="0"/>
+              <a:t>Simple </a:t>
+            </a:r>
+            <a:r>
+              <a:rPr lang="en-GB" dirty="0"/>
+              <a:t>to distribute</a:t>
+            </a:r>
+          </a:p>
+          <a:p>
+            <a:pPr marL="0" indent="0">
+              <a:buNone/>
+            </a:pPr>
+            <a:endParaRPr lang="en-GB" dirty="0" smtClean="0"/>
           </a:p>
         </p:txBody>
       </p:sp>
@@ -36743,7 +37732,7 @@
         </p:nvSpPr>
         <p:spPr>
           <a:xfrm>
-            <a:off x="323528" y="4149080"/>
+            <a:off x="221508" y="5733256"/>
             <a:ext cx="8711872" cy="861774"/>
           </a:xfrm>
           <a:prstGeom prst="rect">
@@ -36793,7 +37782,7 @@
     </p:spTree>
     <p:extLst>
       <p:ext uri="{BB962C8B-B14F-4D97-AF65-F5344CB8AC3E}">
-        <p14:creationId xmlns:p14="http://schemas.microsoft.com/office/powerpoint/2010/main" val="385420022"/>
+        <p14:creationId xmlns:p14="http://schemas.microsoft.com/office/powerpoint/2010/main" val="3039352809"/>
       </p:ext>
     </p:extLst>
   </p:cSld>
@@ -36915,7 +37904,7 @@
           <a:p>
             <a:r>
               <a:rPr lang="en-GB" dirty="0" smtClean="0"/>
-              <a:t>React and Electron</a:t>
+              <a:t>What Electron adds to your project</a:t>
             </a:r>
             <a:endParaRPr lang="en-GB" dirty="0"/>
           </a:p>
@@ -36933,38 +37922,117 @@
         </p:nvSpPr>
         <p:spPr>
           <a:xfrm>
-            <a:off x="539239" y="962948"/>
-            <a:ext cx="8092800" cy="4968552"/>
+            <a:off x="531044" y="962948"/>
+            <a:ext cx="8092800" cy="5346372"/>
           </a:xfrm>
         </p:spPr>
         <p:txBody>
           <a:bodyPr/>
           <a:lstStyle/>
           <a:p>
+            <a:pPr marL="0" indent="0">
+              <a:buNone/>
+            </a:pPr>
+            <a:r>
+              <a:rPr lang="en-GB" u="sng" dirty="0" smtClean="0"/>
+              <a:t>Advantages</a:t>
+            </a:r>
+          </a:p>
+          <a:p>
+            <a:r>
+              <a:rPr lang="en-GB" dirty="0"/>
+              <a:t>Allows locally running web technologies access to the OS</a:t>
+            </a:r>
+          </a:p>
+          <a:p>
             <a:r>
               <a:rPr lang="en-GB" dirty="0" smtClean="0"/>
-              <a:t>React is the future language of the HD website</a:t>
-            </a:r>
-          </a:p>
-          <a:p>
+              <a:t>Desktop </a:t>
+            </a:r>
             <a:r>
               <a:rPr lang="en-GB" dirty="0" smtClean="0"/>
-              <a:t>It lends its self to being modular and reusable, like SOLID backend code</a:t>
+              <a:t>notifications for events triggered on the web</a:t>
             </a:r>
           </a:p>
           <a:p>
             <a:r>
               <a:rPr lang="en-GB" dirty="0" smtClean="0"/>
-              <a:t>VERY popular language</a:t>
-            </a:r>
-            <a:endParaRPr lang="en-GB" dirty="0"/>
+              <a:t>Updating </a:t>
+            </a:r>
+            <a:r>
+              <a:rPr lang="en-GB" dirty="0" smtClean="0"/>
+              <a:t>client applications automatically</a:t>
+            </a:r>
+          </a:p>
+          <a:p>
+            <a:r>
+              <a:rPr lang="en-GB" dirty="0" smtClean="0"/>
+              <a:t>Simple distribution</a:t>
+            </a:r>
+          </a:p>
+          <a:p>
+            <a:r>
+              <a:rPr lang="en-GB" dirty="0" smtClean="0"/>
+              <a:t>Large support network of developers</a:t>
+            </a:r>
+          </a:p>
+          <a:p>
+            <a:r>
+              <a:rPr lang="en-GB" dirty="0" smtClean="0"/>
+              <a:t>Web technologies are continually being </a:t>
+            </a:r>
+            <a:r>
+              <a:rPr lang="en-GB" dirty="0" smtClean="0"/>
+              <a:t>updated</a:t>
+            </a:r>
+          </a:p>
+          <a:p>
+            <a:r>
+              <a:rPr lang="en-GB" dirty="0" smtClean="0"/>
+              <a:t>Cross platform nature expands user base</a:t>
+            </a:r>
+            <a:endParaRPr lang="en-GB" dirty="0" smtClean="0"/>
+          </a:p>
+          <a:p>
+            <a:pPr marL="0" indent="0">
+              <a:buNone/>
+            </a:pPr>
+            <a:r>
+              <a:rPr lang="en-GB" u="sng" dirty="0" smtClean="0"/>
+              <a:t>Disadvantages</a:t>
+            </a:r>
+          </a:p>
+          <a:p>
+            <a:r>
+              <a:rPr lang="en-GB" dirty="0" smtClean="0"/>
+              <a:t>Large Size – Each electron app has its own copy of chromium</a:t>
+            </a:r>
+          </a:p>
+          <a:p>
+            <a:r>
+              <a:rPr lang="en-GB" dirty="0"/>
+              <a:t>Resources </a:t>
+            </a:r>
+            <a:r>
+              <a:rPr lang="en-GB" dirty="0" smtClean="0"/>
+              <a:t>hungry </a:t>
+            </a:r>
+            <a:r>
+              <a:rPr lang="en-GB" dirty="0" smtClean="0"/>
+              <a:t>– </a:t>
+            </a:r>
+            <a:r>
+              <a:rPr lang="en-GB" dirty="0" smtClean="0"/>
+              <a:t>But if you can run chrome you can run an electron application.</a:t>
+            </a:r>
+            <a:endParaRPr lang="en-GB" dirty="0" smtClean="0"/>
           </a:p>
         </p:txBody>
       </p:sp>
     </p:spTree>
     <p:extLst>
       <p:ext uri="{BB962C8B-B14F-4D97-AF65-F5344CB8AC3E}">
-        <p14:creationId xmlns:p14="http://schemas.microsoft.com/office/powerpoint/2010/main" val="1294235737"/>
+        <p14:creationId xmlns:p14="http://schemas.microsoft.com/office/powerpoint/2010/main" val="4060202349"/>
       </p:ext>
     </p:extLst>
   </p:cSld>
@@ -37000,7 +38068,7 @@
       </p:grpSpPr>
       <p:sp>
         <p:nvSpPr>
-          <p:cNvPr id="3" name="Text Placeholder 2"/>
+          <p:cNvPr id="2" name="Text Placeholder 1"/>
           <p:cNvSpPr>
             <a:spLocks noGrp="1"/>
           </p:cNvSpPr>
@@ -37015,7 +38083,19 @@
           <a:p>
             <a:r>
               <a:rPr lang="en-GB" dirty="0" smtClean="0"/>
-              <a:t>Setting up Electron</a:t>
+              <a:t>React, </a:t>
+            </a:r>
+            <a:r>
+              <a:rPr lang="en-GB" dirty="0" err="1" smtClean="0"/>
+              <a:t>TypeScript</a:t>
+            </a:r>
+            <a:r>
+              <a:rPr lang="en-GB" dirty="0" smtClean="0"/>
+              <a:t> </a:t>
+            </a:r>
+            <a:r>
+              <a:rPr lang="en-GB" dirty="0" smtClean="0"/>
+              <a:t>and Electron</a:t>
             </a:r>
             <a:endParaRPr lang="en-GB" dirty="0"/>
           </a:p>
@@ -37023,7 +38103,7 @@
       </p:sp>
       <p:sp>
         <p:nvSpPr>
-          <p:cNvPr id="4" name="Text Placeholder 3"/>
+          <p:cNvPr id="3" name="Text Placeholder 2"/>
           <p:cNvSpPr>
             <a:spLocks noGrp="1"/>
           </p:cNvSpPr>
@@ -37033,7 +38113,7 @@
         </p:nvSpPr>
         <p:spPr>
           <a:xfrm>
-            <a:off x="531045" y="962948"/>
+            <a:off x="539239" y="962948"/>
             <a:ext cx="8092800" cy="4968552"/>
           </a:xfrm>
         </p:spPr>
@@ -37041,38 +38121,158 @@
           <a:bodyPr/>
           <a:lstStyle/>
           <a:p>
+            <a:pPr marL="0" indent="0">
+              <a:buNone/>
+            </a:pPr>
             <a:r>
               <a:rPr lang="en-GB" dirty="0" smtClean="0"/>
-              <a:t>There are MANY tutorials but the one we have had most consistency with is:</a:t>
-            </a:r>
-          </a:p>
-          <a:p>
-            <a:pPr lvl="1"/>
-            <a:r>
-              <a:rPr lang="en-GB" dirty="0">
-                <a:hlinkClick r:id="rId2"/>
-              </a:rPr>
-              <a:t>https://</a:t>
-            </a:r>
-            <a:r>
-              <a:rPr lang="en-GB" dirty="0" smtClean="0">
-                <a:hlinkClick r:id="rId2"/>
-              </a:rPr>
-              <a:t>itnext.io/create-desktop-with-electron-react-and-c-86f9765809b7</a:t>
+              <a:t>Electron</a:t>
+            </a:r>
+            <a:endParaRPr lang="en-GB" dirty="0"/>
+          </a:p>
+          <a:p>
+            <a:pPr marL="0" indent="0">
+              <a:buNone/>
+            </a:pPr>
+            <a:r>
+              <a:rPr lang="en-GB" dirty="0" err="1"/>
+              <a:t>app.on</a:t>
+            </a:r>
+            <a:r>
+              <a:rPr lang="en-GB" dirty="0"/>
+              <a:t>("ready", </a:t>
+            </a:r>
+            <a:r>
+              <a:rPr lang="en-GB" dirty="0" err="1"/>
+              <a:t>createWindow</a:t>
+            </a:r>
+            <a:r>
+              <a:rPr lang="en-GB" dirty="0"/>
+              <a:t>);</a:t>
+            </a:r>
+          </a:p>
+          <a:p>
+            <a:pPr marL="0" indent="0">
+              <a:buNone/>
+            </a:pPr>
+            <a:endParaRPr lang="en-GB" dirty="0"/>
+          </a:p>
+          <a:p>
+            <a:pPr marL="0" indent="0">
+              <a:buNone/>
+            </a:pPr>
+            <a:r>
+              <a:rPr lang="en-GB" dirty="0" smtClean="0"/>
+              <a:t>React</a:t>
+            </a:r>
+          </a:p>
+          <a:p>
+            <a:pPr marL="0" indent="0">
+              <a:buNone/>
+            </a:pPr>
+            <a:r>
+              <a:rPr lang="en-GB" dirty="0" err="1" smtClean="0"/>
+              <a:t>const</a:t>
+            </a:r>
+            <a:r>
+              <a:rPr lang="en-GB" dirty="0" smtClean="0"/>
+              <a:t> </a:t>
+            </a:r>
+            <a:r>
+              <a:rPr lang="en-GB" dirty="0"/>
+              <a:t>element = </a:t>
+            </a:r>
+            <a:r>
+              <a:rPr lang="en-GB" dirty="0" err="1"/>
+              <a:t>React.createElement</a:t>
+            </a:r>
+            <a:r>
+              <a:rPr lang="en-GB" dirty="0"/>
+              <a:t>("h1", null, "Hello, world</a:t>
+            </a:r>
+            <a:r>
+              <a:rPr lang="en-GB" dirty="0" smtClean="0"/>
+              <a:t>!");</a:t>
+            </a:r>
+          </a:p>
+          <a:p>
+            <a:pPr marL="0" indent="0">
+              <a:buNone/>
+            </a:pPr>
+            <a:endParaRPr lang="en-GB" dirty="0"/>
+          </a:p>
+          <a:p>
+            <a:pPr marL="0" indent="0">
+              <a:buNone/>
+            </a:pPr>
+            <a:r>
+              <a:rPr lang="en-GB" dirty="0" err="1" smtClean="0"/>
+              <a:t>Bable</a:t>
+            </a:r>
+            <a:r>
+              <a:rPr lang="en-GB" dirty="0" smtClean="0"/>
+              <a:t> (JSX)</a:t>
+            </a:r>
+          </a:p>
+          <a:p>
+            <a:pPr marL="0" indent="0">
+              <a:buNone/>
+            </a:pPr>
+            <a:r>
+              <a:rPr lang="en-GB" dirty="0" err="1"/>
+              <a:t>const</a:t>
+            </a:r>
+            <a:r>
+              <a:rPr lang="en-GB" dirty="0"/>
+              <a:t> element = &lt;h1&gt;Hello, world!&lt;/h1</a:t>
+            </a:r>
+            <a:r>
+              <a:rPr lang="en-GB" dirty="0" smtClean="0"/>
+              <a:t>&gt;;</a:t>
+            </a:r>
+          </a:p>
+          <a:p>
+            <a:pPr marL="0" indent="0">
+              <a:buNone/>
+            </a:pPr>
+            <a:endParaRPr lang="en-GB" dirty="0"/>
+          </a:p>
+          <a:p>
+            <a:pPr marL="0" indent="0">
+              <a:buNone/>
+            </a:pPr>
+            <a:r>
+              <a:rPr lang="en-GB" dirty="0" err="1" smtClean="0"/>
+              <a:t>TypeScript</a:t>
             </a:r>
             <a:endParaRPr lang="en-GB" dirty="0" smtClean="0"/>
           </a:p>
           <a:p>
-            <a:pPr lvl="1"/>
+            <a:pPr marL="0" indent="0">
+              <a:buNone/>
+            </a:pPr>
             <a:r>
               <a:rPr lang="en-GB" dirty="0" smtClean="0"/>
-              <a:t>Has some specific steps for one way of integrating C# backend but those steps can be skipped.</a:t>
-            </a:r>
-          </a:p>
-          <a:p>
+              <a:t>function (person: string): string {</a:t>
+            </a:r>
+          </a:p>
+          <a:p>
+            <a:pPr marL="0" indent="0">
+              <a:buNone/>
+            </a:pPr>
             <a:r>
               <a:rPr lang="en-GB" dirty="0" smtClean="0"/>
-              <a:t>We have created an empty project which is set up for Electron and React. If you are interested we can share it.</a:t>
+              <a:t>	return “Hello” + person</a:t>
+            </a:r>
+            <a:endParaRPr lang="en-GB" dirty="0"/>
+          </a:p>
+          <a:p>
+            <a:pPr marL="0" indent="0">
+              <a:buNone/>
+            </a:pPr>
+            <a:r>
+              <a:rPr lang="en-GB" dirty="0" smtClean="0"/>
+              <a:t>}</a:t>
             </a:r>
             <a:endParaRPr lang="en-GB" dirty="0"/>
           </a:p>
@@ -37081,7 +38281,7 @@
     </p:spTree>
     <p:extLst>
       <p:ext uri="{BB962C8B-B14F-4D97-AF65-F5344CB8AC3E}">
-        <p14:creationId xmlns:p14="http://schemas.microsoft.com/office/powerpoint/2010/main" val="4218883725"/>
+        <p14:creationId xmlns:p14="http://schemas.microsoft.com/office/powerpoint/2010/main" val="1294235737"/>
       </p:ext>
     </p:extLst>
   </p:cSld>
@@ -37117,7 +38317,7 @@
       </p:grpSpPr>
       <p:sp>
         <p:nvSpPr>
-          <p:cNvPr id="2" name="Text Placeholder 1"/>
+          <p:cNvPr id="3" name="Text Placeholder 2"/>
           <p:cNvSpPr>
             <a:spLocks noGrp="1"/>
           </p:cNvSpPr>
@@ -37132,7 +38332,7 @@
           <a:p>
             <a:r>
               <a:rPr lang="en-GB" dirty="0" smtClean="0"/>
-              <a:t>Backend options</a:t>
+              <a:t>Setting up Electron</a:t>
             </a:r>
             <a:endParaRPr lang="en-GB" dirty="0"/>
           </a:p>
@@ -37140,7 +38340,7 @@
       </p:sp>
       <p:sp>
         <p:nvSpPr>
-          <p:cNvPr id="3" name="Text Placeholder 2"/>
+          <p:cNvPr id="4" name="Text Placeholder 3"/>
           <p:cNvSpPr>
             <a:spLocks noGrp="1"/>
           </p:cNvSpPr>
@@ -37150,8 +38350,8 @@
         </p:nvSpPr>
         <p:spPr>
           <a:xfrm>
-            <a:off x="531044" y="962948"/>
-            <a:ext cx="8092800" cy="5346372"/>
+            <a:off x="531045" y="962948"/>
+            <a:ext cx="8092800" cy="4968552"/>
           </a:xfrm>
         </p:spPr>
         <p:txBody>
@@ -37160,56 +38360,45 @@
           <a:p>
             <a:r>
               <a:rPr lang="en-GB" dirty="0" smtClean="0"/>
-              <a:t>Electron has its own desktop integration which can be accessed using Typescript or JavaScript. Either in utility classes or directly by components.</a:t>
-            </a:r>
-          </a:p>
-          <a:p>
+              <a:t>There are MANY tutorials but the one we have had most consistency with is:</a:t>
+            </a:r>
+          </a:p>
+          <a:p>
+            <a:pPr lvl="1"/>
+            <a:r>
+              <a:rPr lang="en-GB" dirty="0">
+                <a:hlinkClick r:id="rId2"/>
+              </a:rPr>
+              <a:t>https://</a:t>
+            </a:r>
+            <a:r>
+              <a:rPr lang="en-GB" dirty="0" smtClean="0">
+                <a:hlinkClick r:id="rId2"/>
+              </a:rPr>
+              <a:t>itnext.io/create-desktop-with-electron-react-and-c-86f9765809b7</a:t>
+            </a:r>
+            <a:endParaRPr lang="en-GB" dirty="0" smtClean="0"/>
+          </a:p>
+          <a:p>
+            <a:pPr lvl="1"/>
             <a:r>
               <a:rPr lang="en-GB" dirty="0" smtClean="0"/>
-              <a:t>We have tried </a:t>
-            </a:r>
-          </a:p>
-          <a:p>
-            <a:pPr lvl="1"/>
+              <a:t>Has some specific steps for one way of integrating C# backend but those steps can be skipped.</a:t>
+            </a:r>
+          </a:p>
+          <a:p>
             <a:r>
               <a:rPr lang="en-GB" dirty="0" smtClean="0"/>
-              <a:t>TS/JS (Bat Man-ager, Current Octane Burner)</a:t>
-            </a:r>
-          </a:p>
-          <a:p>
-            <a:pPr lvl="1"/>
-            <a:r>
-              <a:rPr lang="en-GB" dirty="0" smtClean="0"/>
-              <a:t>C# (Early Octane Burner)</a:t>
-            </a:r>
-          </a:p>
-          <a:p>
-            <a:pPr lvl="1"/>
-            <a:r>
-              <a:rPr lang="en-GB" dirty="0" smtClean="0"/>
-              <a:t>Java</a:t>
-            </a:r>
-          </a:p>
-          <a:p>
-            <a:r>
-              <a:rPr lang="en-GB" dirty="0" smtClean="0"/>
-              <a:t>Being a popular and open platform there are plenty of tutorials and </a:t>
-            </a:r>
-            <a:r>
-              <a:rPr lang="en-GB" dirty="0" err="1" smtClean="0"/>
-              <a:t>stackoverflow</a:t>
-            </a:r>
-            <a:r>
-              <a:rPr lang="en-GB" dirty="0" smtClean="0"/>
-              <a:t> questions covering lots of variations.</a:t>
-            </a:r>
+              <a:t>We have created an empty project which is set up for Electron and React. If you are interested we can share it.</a:t>
+            </a:r>
+            <a:endParaRPr lang="en-GB" dirty="0"/>
           </a:p>
         </p:txBody>
       </p:sp>
     </p:spTree>
     <p:extLst>
       <p:ext uri="{BB962C8B-B14F-4D97-AF65-F5344CB8AC3E}">
-        <p14:creationId xmlns:p14="http://schemas.microsoft.com/office/powerpoint/2010/main" val="953669176"/>
+        <p14:creationId xmlns:p14="http://schemas.microsoft.com/office/powerpoint/2010/main" val="4218883725"/>
       </p:ext>
     </p:extLst>
   </p:cSld>
@@ -37260,7 +38449,7 @@
           <a:p>
             <a:r>
               <a:rPr lang="en-GB" dirty="0" smtClean="0"/>
-              <a:t>Our experience of it</a:t>
+              <a:t>Backend options</a:t>
             </a:r>
             <a:endParaRPr lang="en-GB" dirty="0"/>
           </a:p>
@@ -37288,61 +38477,73 @@
           <a:p>
             <a:r>
               <a:rPr lang="en-GB" dirty="0" smtClean="0"/>
-              <a:t>Quick to set up</a:t>
+              <a:t>Electron has its own desktop integration which can be accessed using Typescript or JavaScript. Either in utility classes or directly by components.</a:t>
             </a:r>
           </a:p>
           <a:p>
             <a:r>
               <a:rPr lang="en-GB" dirty="0" smtClean="0"/>
-              <a:t>Simple to create a working application with just HTML and JS</a:t>
-            </a:r>
-          </a:p>
-          <a:p>
+              <a:t>We have tried </a:t>
+            </a:r>
+          </a:p>
+          <a:p>
+            <a:pPr lvl="1"/>
             <a:r>
               <a:rPr lang="en-GB" dirty="0" smtClean="0"/>
-              <a:t>LOTS of </a:t>
+              <a:t>TS/JS (Bat Man-ager, Current Octane Burner)</a:t>
+            </a:r>
+          </a:p>
+          <a:p>
+            <a:pPr lvl="1"/>
+            <a:r>
+              <a:rPr lang="en-GB" dirty="0" smtClean="0"/>
+              <a:t>C# (Early Octane Burner)</a:t>
+            </a:r>
+          </a:p>
+          <a:p>
+            <a:pPr lvl="1"/>
+            <a:r>
+              <a:rPr lang="en-GB" dirty="0" smtClean="0"/>
+              <a:t>Java (over a </a:t>
             </a:r>
             <a:r>
               <a:rPr lang="en-GB" dirty="0" err="1" smtClean="0"/>
-              <a:t>npm</a:t>
+              <a:t>json</a:t>
             </a:r>
             <a:r>
               <a:rPr lang="en-GB" dirty="0" smtClean="0"/>
-              <a:t> modules for electron specifically to simplify things like deployment, updating applications, debugging and more.</a:t>
-            </a:r>
-          </a:p>
-          <a:p>
+              <a:t> </a:t>
+            </a:r>
+            <a:r>
+              <a:rPr lang="en-GB" dirty="0" err="1" smtClean="0"/>
+              <a:t>api</a:t>
+            </a:r>
             <a:r>
               <a:rPr lang="en-GB" dirty="0" smtClean="0"/>
-              <a:t>Many react modules available as well for simplifying things.</a:t>
-            </a:r>
+              <a:t>)</a:t>
+            </a:r>
+            <a:endParaRPr lang="en-GB" dirty="0" smtClean="0"/>
           </a:p>
           <a:p>
             <a:r>
               <a:rPr lang="en-GB" dirty="0" smtClean="0"/>
-              <a:t>Pretty popular framework so plenty of help online with tutorials and </a:t>
+              <a:t>Being a popular and open platform there are plenty of tutorials and </a:t>
             </a:r>
             <a:r>
               <a:rPr lang="en-GB" dirty="0" err="1" smtClean="0"/>
               <a:t>stackoverflow</a:t>
             </a:r>
-            <a:endParaRPr lang="en-GB" dirty="0" smtClean="0"/>
-          </a:p>
-          <a:p>
             <a:r>
               <a:rPr lang="en-GB" dirty="0" smtClean="0"/>
-              <a:t>Cross compatible, just need a machine that can run chromium to get most of the functionality.</a:t>
-            </a:r>
-          </a:p>
-          <a:p>
-            <a:endParaRPr lang="en-GB" dirty="0" smtClean="0"/>
+              <a:t> questions covering lots of variations.</a:t>
+            </a:r>
           </a:p>
         </p:txBody>
       </p:sp>
     </p:spTree>
     <p:extLst>
       <p:ext uri="{BB962C8B-B14F-4D97-AF65-F5344CB8AC3E}">
-        <p14:creationId xmlns:p14="http://schemas.microsoft.com/office/powerpoint/2010/main" val="112153735"/>
+        <p14:creationId xmlns:p14="http://schemas.microsoft.com/office/powerpoint/2010/main" val="953669176"/>
       </p:ext>
     </p:extLst>
   </p:cSld>

--- a/Electron Brownbag.pptx
+++ b/Electron Brownbag.pptx
@@ -11,10 +11,10 @@
     <p:sldMasterId id="2147483801" r:id="rId7"/>
   </p:sldMasterIdLst>
   <p:notesMasterIdLst>
-    <p:notesMasterId r:id="rId20"/>
+    <p:notesMasterId r:id="rId21"/>
   </p:notesMasterIdLst>
   <p:handoutMasterIdLst>
-    <p:handoutMasterId r:id="rId21"/>
+    <p:handoutMasterId r:id="rId22"/>
   </p:handoutMasterIdLst>
   <p:sldIdLst>
     <p:sldId id="269" r:id="rId8"/>
@@ -28,7 +28,8 @@
     <p:sldId id="275" r:id="rId16"/>
     <p:sldId id="276" r:id="rId17"/>
     <p:sldId id="278" r:id="rId18"/>
-    <p:sldId id="279" r:id="rId19"/>
+    <p:sldId id="280" r:id="rId19"/>
+    <p:sldId id="279" r:id="rId20"/>
   </p:sldIdLst>
   <p:sldSz cx="9144000" cy="6858000" type="screen4x3"/>
   <p:notesSz cx="6742113" cy="9872663"/>
@@ -928,6 +929,10 @@
           <a:bodyPr/>
           <a:lstStyle/>
           <a:p>
+            <a:r>
+              <a:rPr lang="en-GB" dirty="0" smtClean="0"/>
+              <a:t>If demo isn’t working, use video.</a:t>
+            </a:r>
             <a:endParaRPr lang="en-GB" dirty="0"/>
           </a:p>
         </p:txBody>
@@ -951,6 +956,91 @@
               <a:rPr lang="en-GB" smtClean="0"/>
               <a:pPr/>
               <a:t>12</a:t>
+            </a:fld>
+            <a:endParaRPr lang="en-GB" dirty="0"/>
+          </a:p>
+        </p:txBody>
+      </p:sp>
+    </p:spTree>
+    <p:extLst>
+      <p:ext uri="{BB962C8B-B14F-4D97-AF65-F5344CB8AC3E}">
+        <p14:creationId xmlns:p14="http://schemas.microsoft.com/office/powerpoint/2010/main" val="3045673817"/>
+      </p:ext>
+    </p:extLst>
+  </p:cSld>
+  <p:clrMapOvr>
+    <a:masterClrMapping/>
+  </p:clrMapOvr>
+</p:notes>
+</file>
+
+<file path=ppt/notesSlides/notesSlide12.xml><?xml version="1.0" encoding="utf-8"?>
+<p:notes xmlns:a="http://schemas.openxmlformats.org/drawingml/2006/main" xmlns:r="http://schemas.openxmlformats.org/officeDocument/2006/relationships" xmlns:p="http://schemas.openxmlformats.org/presentationml/2006/main">
+  <p:cSld>
+    <p:spTree>
+      <p:nvGrpSpPr>
+        <p:cNvPr id="1" name=""/>
+        <p:cNvGrpSpPr/>
+        <p:nvPr/>
+      </p:nvGrpSpPr>
+      <p:grpSpPr>
+        <a:xfrm>
+          <a:off x="0" y="0"/>
+          <a:ext cx="0" cy="0"/>
+          <a:chOff x="0" y="0"/>
+          <a:chExt cx="0" cy="0"/>
+        </a:xfrm>
+      </p:grpSpPr>
+      <p:sp>
+        <p:nvSpPr>
+          <p:cNvPr id="2" name="Slide Image Placeholder 1"/>
+          <p:cNvSpPr>
+            <a:spLocks noGrp="1" noRot="1" noChangeAspect="1"/>
+          </p:cNvSpPr>
+          <p:nvPr>
+            <p:ph type="sldImg"/>
+          </p:nvPr>
+        </p:nvSpPr>
+        <p:spPr/>
+      </p:sp>
+      <p:sp>
+        <p:nvSpPr>
+          <p:cNvPr id="3" name="Notes Placeholder 2"/>
+          <p:cNvSpPr>
+            <a:spLocks noGrp="1"/>
+          </p:cNvSpPr>
+          <p:nvPr>
+            <p:ph type="body" idx="1"/>
+          </p:nvPr>
+        </p:nvSpPr>
+        <p:spPr/>
+        <p:txBody>
+          <a:bodyPr/>
+          <a:lstStyle/>
+          <a:p>
+            <a:endParaRPr lang="en-GB" dirty="0"/>
+          </a:p>
+        </p:txBody>
+      </p:sp>
+      <p:sp>
+        <p:nvSpPr>
+          <p:cNvPr id="4" name="Slide Number Placeholder 3"/>
+          <p:cNvSpPr>
+            <a:spLocks noGrp="1"/>
+          </p:cNvSpPr>
+          <p:nvPr>
+            <p:ph type="sldNum" sz="quarter" idx="10"/>
+          </p:nvPr>
+        </p:nvSpPr>
+        <p:spPr/>
+        <p:txBody>
+          <a:bodyPr/>
+          <a:lstStyle/>
+          <a:p>
+            <a:fld id="{B8CC9DC2-1B58-4FDA-A1A1-71E24D183C12}" type="slidenum">
+              <a:rPr lang="en-GB" smtClean="0"/>
+              <a:pPr/>
+              <a:t>13</a:t>
             </a:fld>
             <a:endParaRPr lang="en-GB" dirty="0"/>
           </a:p>
@@ -1142,13 +1232,8 @@
             </a:r>
             <a:r>
               <a:rPr lang="en-GB" baseline="0" dirty="0" smtClean="0"/>
-              <a:t> have set up the same application on a windows 10, 7 and mac. On the website they also say that they support Linux. It was pretty much download build then </a:t>
-            </a:r>
-            <a:r>
-              <a:rPr lang="en-GB" baseline="0" dirty="0" smtClean="0"/>
-              <a:t>go. </a:t>
-            </a:r>
-            <a:endParaRPr lang="en-GB" baseline="0" dirty="0" smtClean="0"/>
+              <a:t> have set up the same application on a windows 10, 7 and mac. On the website they also say that they support Linux. It was pretty much download build then go. </a:t>
+            </a:r>
           </a:p>
           <a:p>
             <a:pPr marL="0" marR="0" lvl="0" indent="0" algn="l" defTabSz="914400" rtl="0" eaLnBrk="1" fontAlgn="auto" latinLnBrk="0" hangingPunct="1">
@@ -1245,15 +1330,35 @@
             </a:r>
             <a:r>
               <a:rPr lang="en-GB" baseline="0" dirty="0" smtClean="0"/>
-              <a:t> chose react because we like it and it is where we are going and also </a:t>
+              <a:t> chose react because </a:t>
+            </a:r>
+            <a:r>
+              <a:rPr lang="en-GB" baseline="0" dirty="0" smtClean="0"/>
+              <a:t>it </a:t>
+            </a:r>
+            <a:r>
+              <a:rPr lang="en-GB" baseline="0" dirty="0" smtClean="0"/>
+              <a:t>is where </a:t>
+            </a:r>
+            <a:r>
+              <a:rPr lang="en-GB" baseline="0" dirty="0" smtClean="0"/>
+              <a:t>we as a company </a:t>
+            </a:r>
+            <a:r>
+              <a:rPr lang="en-GB" baseline="0" dirty="0" smtClean="0"/>
+              <a:t>are </a:t>
+            </a:r>
+            <a:r>
+              <a:rPr lang="en-GB" baseline="0" dirty="0" smtClean="0"/>
+              <a:t>going and we like it. </a:t>
             </a:r>
             <a:r>
               <a:rPr lang="en-GB" baseline="0" dirty="0" err="1" smtClean="0"/>
-              <a:t>TypeScript</a:t>
+              <a:t>Typscript</a:t>
             </a:r>
             <a:r>
               <a:rPr lang="en-GB" baseline="0" dirty="0" smtClean="0"/>
-              <a:t> </a:t>
+              <a:t> makes sense as it is strongly linked to React.</a:t>
             </a:r>
             <a:endParaRPr lang="en-GB" dirty="0" smtClean="0"/>
           </a:p>
@@ -1431,7 +1536,15 @@
             </a:r>
             <a:r>
               <a:rPr lang="en-GB" baseline="0" dirty="0" smtClean="0"/>
-              <a:t> in previous hackathons Room booking, </a:t>
+              <a:t> in previous </a:t>
+            </a:r>
+            <a:r>
+              <a:rPr lang="en-GB" baseline="0" dirty="0" smtClean="0"/>
+              <a:t>hackathons? </a:t>
+            </a:r>
+            <a:r>
+              <a:rPr lang="en-GB" baseline="0" dirty="0" smtClean="0"/>
+              <a:t>Room booking, </a:t>
             </a:r>
             <a:r>
               <a:rPr lang="en-GB" baseline="0" dirty="0" err="1" smtClean="0"/>
@@ -1439,15 +1552,15 @@
             </a:r>
             <a:r>
               <a:rPr lang="en-GB" baseline="0" dirty="0" smtClean="0"/>
-              <a:t>, …. These may be really useful tools but they haven’t been picked up. </a:t>
+              <a:t>, …. These may be really useful tools but they haven’t been picked up. This includes our projects that at the time we thought were really </a:t>
             </a:r>
             <a:r>
               <a:rPr lang="en-GB" baseline="0" dirty="0" smtClean="0"/>
-              <a:t>This includes our projects that at the time we thought were really useful Automation Octane. It is quite demoralising when they go no further. </a:t>
+              <a:t>useful. </a:t>
             </a:r>
             <a:r>
               <a:rPr lang="en-GB" baseline="0" dirty="0" smtClean="0"/>
-              <a:t>Why is this? Well we think we need to lower the barrier for setup, distribution and adoption. </a:t>
+              <a:t>Automation Octane. It is quite demoralising when they go no further. Why is this? Well we think we need to lower the barrier for setup, distribution and adoption. </a:t>
             </a:r>
           </a:p>
           <a:p>
@@ -1765,13 +1878,8 @@
             </a:r>
             <a:r>
               <a:rPr lang="en-GB" baseline="0" dirty="0" smtClean="0"/>
-              <a:t> more like a statically typed language such as JAVA or C#. We are using pure TS as the backend to our project. </a:t>
-            </a:r>
-            <a:r>
-              <a:rPr lang="en-GB" baseline="0" dirty="0" smtClean="0"/>
-              <a:t>This makes it much easier to see errors before running the program.</a:t>
-            </a:r>
-            <a:endParaRPr lang="en-GB" baseline="0" dirty="0" smtClean="0"/>
+              <a:t> more like a statically typed language such as JAVA or C#. We are using pure TS as the backend to our project. This makes it much easier to see errors before running the program.</a:t>
+            </a:r>
           </a:p>
           <a:p>
             <a:endParaRPr lang="en-GB" dirty="0" smtClean="0"/>
@@ -1824,11 +1932,7 @@
             </a:r>
             <a:r>
               <a:rPr lang="en-GB" baseline="0" dirty="0" smtClean="0"/>
-              <a:t> then only updates what is required. While this sounds like a lot of steps it only ever means what is required is updated and is a quick </a:t>
-            </a:r>
-            <a:r>
-              <a:rPr lang="en-GB" baseline="0" dirty="0" smtClean="0"/>
-              <a:t>process</a:t>
+              <a:t> then only updates what is required. While this sounds like a lot of steps it only ever means what is required is updated and is a quick process</a:t>
             </a:r>
           </a:p>
           <a:p>
@@ -36654,11 +36758,7 @@
           <a:p>
             <a:r>
               <a:rPr lang="en-GB" dirty="0" smtClean="0"/>
-              <a:t>Our </a:t>
-            </a:r>
-            <a:r>
-              <a:rPr lang="en-GB" dirty="0" smtClean="0"/>
-              <a:t>experience</a:t>
+              <a:t>Our experience</a:t>
             </a:r>
             <a:endParaRPr lang="en-GB" dirty="0"/>
           </a:p>
@@ -36713,15 +36813,7 @@
           <a:p>
             <a:r>
               <a:rPr lang="en-GB" dirty="0" smtClean="0"/>
-              <a:t>Many </a:t>
-            </a:r>
-            <a:r>
-              <a:rPr lang="en-GB" dirty="0" smtClean="0"/>
-              <a:t>react modules </a:t>
-            </a:r>
-            <a:r>
-              <a:rPr lang="en-GB" dirty="0" smtClean="0"/>
-              <a:t>available</a:t>
+              <a:t>Many react modules available</a:t>
             </a:r>
           </a:p>
           <a:p>
@@ -36741,7 +36833,6 @@
               <a:rPr lang="en-GB" dirty="0" smtClean="0"/>
               <a:t>Can be challenging to structure (nicely)</a:t>
             </a:r>
-            <a:endParaRPr lang="en-GB" dirty="0" smtClean="0"/>
           </a:p>
         </p:txBody>
       </p:sp>
@@ -36886,13 +36977,29 @@
           <a:p>
             <a:r>
               <a:rPr lang="en-GB" dirty="0" smtClean="0"/>
-              <a:t>We have set up the testing frameworks needed for each language and created example tests for them.</a:t>
-            </a:r>
-          </a:p>
-          <a:p>
+              <a:t>We have </a:t>
+            </a:r>
             <a:r>
               <a:rPr lang="en-GB" dirty="0" smtClean="0"/>
-              <a:t>It’s a learning experience so there are probably better ways to implement some things which is where the group effort comes in.</a:t>
+              <a:t>started to set </a:t>
+            </a:r>
+            <a:r>
+              <a:rPr lang="en-GB" dirty="0" smtClean="0"/>
+              <a:t>up the testing frameworks needed for each language and created example tests for them.</a:t>
+            </a:r>
+          </a:p>
+          <a:p>
+            <a:r>
+              <a:rPr lang="en-GB" dirty="0" smtClean="0"/>
+              <a:t>It’s a learning experience so there </a:t>
+            </a:r>
+            <a:r>
+              <a:rPr lang="en-GB" dirty="0" smtClean="0"/>
+              <a:t>almost certainly better </a:t>
+            </a:r>
+            <a:r>
+              <a:rPr lang="en-GB" dirty="0" smtClean="0"/>
+              <a:t>ways to implement some things which is where the group effort comes in.</a:t>
             </a:r>
           </a:p>
         </p:txBody>
@@ -36918,6 +37025,147 @@
 </file>
 
 <file path=ppt/slides/slide12.xml><?xml version="1.0" encoding="utf-8"?>
+<p:sld xmlns:a="http://schemas.openxmlformats.org/drawingml/2006/main" xmlns:r="http://schemas.openxmlformats.org/officeDocument/2006/relationships" xmlns:p="http://schemas.openxmlformats.org/presentationml/2006/main">
+  <p:cSld>
+    <p:spTree>
+      <p:nvGrpSpPr>
+        <p:cNvPr id="1" name=""/>
+        <p:cNvGrpSpPr/>
+        <p:nvPr/>
+      </p:nvGrpSpPr>
+      <p:grpSpPr>
+        <a:xfrm>
+          <a:off x="0" y="0"/>
+          <a:ext cx="0" cy="0"/>
+          <a:chOff x="0" y="0"/>
+          <a:chExt cx="0" cy="0"/>
+        </a:xfrm>
+      </p:grpSpPr>
+      <p:sp>
+        <p:nvSpPr>
+          <p:cNvPr id="2" name="Text Placeholder 1"/>
+          <p:cNvSpPr>
+            <a:spLocks noGrp="1"/>
+          </p:cNvSpPr>
+          <p:nvPr>
+            <p:ph type="body" sz="quarter" idx="13"/>
+          </p:nvPr>
+        </p:nvSpPr>
+        <p:spPr/>
+        <p:txBody>
+          <a:bodyPr/>
+          <a:lstStyle/>
+          <a:p>
+            <a:r>
+              <a:rPr lang="en-GB" dirty="0" smtClean="0"/>
+              <a:t>Debugging the app</a:t>
+            </a:r>
+            <a:endParaRPr lang="en-GB" dirty="0"/>
+          </a:p>
+        </p:txBody>
+      </p:sp>
+      <p:sp>
+        <p:nvSpPr>
+          <p:cNvPr id="3" name="Text Placeholder 2"/>
+          <p:cNvSpPr>
+            <a:spLocks noGrp="1"/>
+          </p:cNvSpPr>
+          <p:nvPr>
+            <p:ph type="body" sz="quarter" idx="14"/>
+          </p:nvPr>
+        </p:nvSpPr>
+        <p:spPr>
+          <a:xfrm>
+            <a:off x="531044" y="962948"/>
+            <a:ext cx="8092800" cy="5346372"/>
+          </a:xfrm>
+        </p:spPr>
+        <p:txBody>
+          <a:bodyPr/>
+          <a:lstStyle/>
+          <a:p>
+            <a:r>
+              <a:rPr lang="en-GB" dirty="0" smtClean="0"/>
+              <a:t>Electron apps are generally broken into 2 parts.</a:t>
+            </a:r>
+          </a:p>
+          <a:p>
+            <a:pPr lvl="1"/>
+            <a:r>
+              <a:rPr lang="en-GB" dirty="0" smtClean="0"/>
+              <a:t>Main process – Where the connection to the OS is and where the backend languages typically interact. Acts like the web backend.</a:t>
+            </a:r>
+          </a:p>
+          <a:p>
+            <a:pPr lvl="1"/>
+            <a:r>
+              <a:rPr lang="en-GB" dirty="0" smtClean="0"/>
+              <a:t>Render Process – Where the bit which is displayed is controlled. Treated largely like a website.</a:t>
+            </a:r>
+            <a:endParaRPr lang="en-GB" dirty="0"/>
+          </a:p>
+          <a:p>
+            <a:r>
+              <a:rPr lang="en-GB" dirty="0" smtClean="0"/>
+              <a:t>Debugging of the render process can be done using the built in chromium dev tools.</a:t>
+            </a:r>
+          </a:p>
+          <a:p>
+            <a:r>
+              <a:rPr lang="en-GB" dirty="0" smtClean="0"/>
+              <a:t>The main process can only be debugged in an IDE.</a:t>
+            </a:r>
+          </a:p>
+          <a:p>
+            <a:r>
+              <a:rPr lang="en-GB" dirty="0" smtClean="0"/>
+              <a:t>We have created a debugging profile which allows for both to be debugged in VS code at the same time.</a:t>
+            </a:r>
+            <a:endParaRPr lang="en-GB" dirty="0"/>
+          </a:p>
+          <a:p>
+            <a:r>
+              <a:rPr lang="en-GB" dirty="0" smtClean="0"/>
+              <a:t>Can integrate React Dev tools</a:t>
+            </a:r>
+          </a:p>
+          <a:p>
+            <a:r>
+              <a:rPr lang="en-GB" dirty="0" smtClean="0"/>
+              <a:t>Electron has a debug tool called </a:t>
+            </a:r>
+            <a:r>
+              <a:rPr lang="en-GB" dirty="0" err="1" smtClean="0"/>
+              <a:t>Devtron</a:t>
+            </a:r>
+            <a:r>
+              <a:rPr lang="en-GB" dirty="0" smtClean="0"/>
+              <a:t>.</a:t>
+            </a:r>
+          </a:p>
+        </p:txBody>
+      </p:sp>
+    </p:spTree>
+    <p:extLst>
+      <p:ext uri="{BB962C8B-B14F-4D97-AF65-F5344CB8AC3E}">
+        <p14:creationId xmlns:p14="http://schemas.microsoft.com/office/powerpoint/2010/main" val="456410058"/>
+      </p:ext>
+    </p:extLst>
+  </p:cSld>
+  <p:clrMapOvr>
+    <a:masterClrMapping/>
+  </p:clrMapOvr>
+  <p:timing>
+    <p:tnLst>
+      <p:par>
+        <p:cTn id="1" dur="indefinite" restart="never" nodeType="tmRoot"/>
+      </p:par>
+    </p:tnLst>
+  </p:timing>
+</p:sld>
+</file>
+
+<file path=ppt/slides/slide13.xml><?xml version="1.0" encoding="utf-8"?>
 <p:sld xmlns:a="http://schemas.openxmlformats.org/drawingml/2006/main" xmlns:r="http://schemas.openxmlformats.org/officeDocument/2006/relationships" xmlns:p="http://schemas.openxmlformats.org/presentationml/2006/main">
   <p:cSld>
     <p:spTree>
@@ -37093,7 +37341,7 @@
           </a:prstGeom>
           <a:extLst>
             <a:ext uri="{C572A759-6A51-4108-AA02-DFA0A04FC94B}">
-              <ma14:wrappingTextBoxFlag xmlns="" xmlns:ma14="http://schemas.microsoft.com/office/mac/drawingml/2011/main" val="1"/>
+              <ma14:wrappingTextBoxFlag xmlns:ma14="http://schemas.microsoft.com/office/mac/drawingml/2011/main" xmlns="" val="1"/>
             </a:ext>
           </a:extLst>
         </p:spPr>
@@ -37339,11 +37587,7 @@
           <a:p>
             <a:r>
               <a:rPr lang="en-GB" dirty="0" smtClean="0"/>
-              <a:t>Electron is a cross platform framework which allows you to build desktop </a:t>
-            </a:r>
-            <a:r>
-              <a:rPr lang="en-GB" dirty="0" smtClean="0"/>
-              <a:t>applications for Linux, Windows or </a:t>
+              <a:t>Electron is a cross platform framework which allows you to build desktop applications for Linux, Windows or </a:t>
             </a:r>
             <a:r>
               <a:rPr lang="en-GB" dirty="0" err="1" smtClean="0"/>
@@ -37353,21 +37597,15 @@
               <a:rPr lang="en-GB" dirty="0" smtClean="0"/>
               <a:t>.</a:t>
             </a:r>
+          </a:p>
+          <a:p>
             <a:endParaRPr lang="en-GB" dirty="0" smtClean="0"/>
           </a:p>
           <a:p>
-            <a:endParaRPr lang="en-GB" dirty="0" smtClean="0"/>
-          </a:p>
-          <a:p>
             <a:r>
               <a:rPr lang="en-GB" dirty="0" smtClean="0"/>
-              <a:t>Allows you to use web technologies to make a UI for </a:t>
-            </a:r>
-            <a:r>
-              <a:rPr lang="en-GB" dirty="0" smtClean="0"/>
-              <a:t>a desktop application</a:t>
-            </a:r>
-            <a:endParaRPr lang="en-GB" dirty="0" smtClean="0"/>
+              <a:t>Allows you to use web technologies to make a UI for a desktop application</a:t>
+            </a:r>
           </a:p>
           <a:p>
             <a:endParaRPr lang="en-GB" dirty="0" smtClean="0"/>
@@ -37507,24 +37745,16 @@
           <a:p>
             <a:r>
               <a:rPr lang="en-GB" dirty="0" smtClean="0"/>
-              <a:t>Visual Studio </a:t>
-            </a:r>
+              <a:t>Visual Studio Code</a:t>
+            </a:r>
+          </a:p>
+          <a:p>
+            <a:endParaRPr lang="en-GB" dirty="0" smtClean="0"/>
+          </a:p>
+          <a:p>
             <a:r>
               <a:rPr lang="en-GB" dirty="0" smtClean="0"/>
-              <a:t>Code</a:t>
-            </a:r>
-          </a:p>
-          <a:p>
-            <a:endParaRPr lang="en-GB" dirty="0" smtClean="0"/>
-          </a:p>
-          <a:p>
-            <a:r>
-              <a:rPr lang="en-GB" dirty="0" smtClean="0"/>
-              <a:t>WhatsApp </a:t>
-            </a:r>
-            <a:r>
-              <a:rPr lang="en-GB" dirty="0" smtClean="0"/>
-              <a:t>Desktop</a:t>
+              <a:t>WhatsApp Desktop</a:t>
             </a:r>
           </a:p>
           <a:p>
@@ -37542,11 +37772,7 @@
           <a:p>
             <a:r>
               <a:rPr lang="en-GB" dirty="0" smtClean="0"/>
-              <a:t>GitHub </a:t>
-            </a:r>
-            <a:r>
-              <a:rPr lang="en-GB" dirty="0" smtClean="0"/>
-              <a:t>Desktop</a:t>
+              <a:t>GitHub Desktop</a:t>
             </a:r>
           </a:p>
           <a:p>
@@ -37653,7 +37879,6 @@
               <a:rPr lang="en-GB" dirty="0" smtClean="0"/>
               <a:t>them.</a:t>
             </a:r>
-            <a:endParaRPr lang="en-GB" dirty="0" smtClean="0"/>
           </a:p>
           <a:p>
             <a:endParaRPr lang="en-GB" dirty="0"/>
@@ -37661,11 +37886,7 @@
           <a:p>
             <a:r>
               <a:rPr lang="en-GB" dirty="0" smtClean="0"/>
-              <a:t>For this Hackathon </a:t>
-            </a:r>
-            <a:r>
-              <a:rPr lang="en-GB" dirty="0" smtClean="0"/>
-              <a:t>we propose the creation of an Electron based, React fronted Hastings Toolkit. Somewhere for all the little applications to live so they can actually be used and easily distributed instead of mostly just being a fun little diversion for a few days</a:t>
+              <a:t>For this Hackathon we propose the creation of an Electron based, React fronted Hastings Toolkit. Somewhere for all the little applications to live so they can actually be used and easily distributed instead of mostly just being a fun little diversion for a few days</a:t>
             </a:r>
             <a:r>
               <a:rPr lang="en-GB" dirty="0"/>
@@ -37699,7 +37920,11 @@
             </a:r>
             <a:r>
               <a:rPr lang="en-GB" dirty="0" smtClean="0"/>
-              <a:t>up*(but wont work today)</a:t>
+              <a:t>up*(but wont work </a:t>
+            </a:r>
+            <a:r>
+              <a:rPr lang="en-GB" dirty="0" smtClean="0"/>
+              <a:t>today per sods law)</a:t>
             </a:r>
             <a:endParaRPr lang="en-GB" dirty="0"/>
           </a:p>
@@ -37947,21 +38172,13 @@
           <a:p>
             <a:r>
               <a:rPr lang="en-GB" dirty="0" smtClean="0"/>
-              <a:t>Desktop </a:t>
-            </a:r>
+              <a:t>Desktop notifications for events triggered on the web</a:t>
+            </a:r>
+          </a:p>
+          <a:p>
             <a:r>
               <a:rPr lang="en-GB" dirty="0" smtClean="0"/>
-              <a:t>notifications for events triggered on the web</a:t>
-            </a:r>
-          </a:p>
-          <a:p>
-            <a:r>
-              <a:rPr lang="en-GB" dirty="0" smtClean="0"/>
-              <a:t>Updating </a:t>
-            </a:r>
-            <a:r>
-              <a:rPr lang="en-GB" dirty="0" smtClean="0"/>
-              <a:t>client applications automatically</a:t>
+              <a:t>Updating client applications automatically</a:t>
             </a:r>
           </a:p>
           <a:p>
@@ -37979,11 +38196,7 @@
           <a:p>
             <a:r>
               <a:rPr lang="en-GB" dirty="0" smtClean="0"/>
-              <a:t>Web technologies are continually being </a:t>
-            </a:r>
-            <a:r>
-              <a:rPr lang="en-GB" dirty="0" smtClean="0"/>
-              <a:t>updated</a:t>
+              <a:t>Web technologies are continually being updated</a:t>
             </a:r>
           </a:p>
           <a:p>
@@ -37991,7 +38204,6 @@
               <a:rPr lang="en-GB" dirty="0" smtClean="0"/>
               <a:t>Cross platform nature expands user base</a:t>
             </a:r>
-            <a:endParaRPr lang="en-GB" dirty="0" smtClean="0"/>
           </a:p>
           <a:p>
             <a:pPr marL="0" indent="0">
@@ -38015,17 +38227,8 @@
             </a:r>
             <a:r>
               <a:rPr lang="en-GB" dirty="0" smtClean="0"/>
-              <a:t>hungry </a:t>
-            </a:r>
-            <a:r>
-              <a:rPr lang="en-GB" dirty="0" smtClean="0"/>
-              <a:t>– </a:t>
-            </a:r>
-            <a:r>
-              <a:rPr lang="en-GB" dirty="0" smtClean="0"/>
-              <a:t>But if you can run chrome you can run an electron application.</a:t>
-            </a:r>
-            <a:endParaRPr lang="en-GB" dirty="0" smtClean="0"/>
+              <a:t>hungry – But if you can run chrome you can run an electron application.</a:t>
+            </a:r>
           </a:p>
         </p:txBody>
       </p:sp>
@@ -38091,11 +38294,7 @@
             </a:r>
             <a:r>
               <a:rPr lang="en-GB" dirty="0" smtClean="0"/>
-              <a:t> </a:t>
-            </a:r>
-            <a:r>
-              <a:rPr lang="en-GB" dirty="0" smtClean="0"/>
-              <a:t>and Electron</a:t>
+              <a:t> and Electron</a:t>
             </a:r>
             <a:endParaRPr lang="en-GB" dirty="0"/>
           </a:p>
@@ -38522,7 +38721,6 @@
               <a:rPr lang="en-GB" dirty="0" smtClean="0"/>
               <a:t>)</a:t>
             </a:r>
-            <a:endParaRPr lang="en-GB" dirty="0" smtClean="0"/>
           </a:p>
           <a:p>
             <a:r>

--- a/Electron Brownbag.pptx
+++ b/Electron Brownbag.pptx
@@ -263,7 +263,7 @@
             <a:fld id="{B4B40DF5-17F0-43C5-A7AE-65A758E8AB63}" type="datetimeFigureOut">
               <a:rPr lang="nl-NL" smtClean="0"/>
               <a:pPr/>
-              <a:t>3-12-2019</a:t>
+              <a:t>4-12-2019</a:t>
             </a:fld>
             <a:endParaRPr lang="nl-NL"/>
           </a:p>
@@ -430,7 +430,7 @@
             <a:fld id="{4418180F-FD92-4DD4-B279-0771E404DD71}" type="datetimeFigureOut">
               <a:rPr lang="en-GB" smtClean="0"/>
               <a:pPr/>
-              <a:t>03/12/2019</a:t>
+              <a:t>04/12/2019</a:t>
             </a:fld>
             <a:endParaRPr lang="en-GB" dirty="0"/>
           </a:p>
@@ -1330,27 +1330,7 @@
             </a:r>
             <a:r>
               <a:rPr lang="en-GB" baseline="0" dirty="0" smtClean="0"/>
-              <a:t> chose react because </a:t>
-            </a:r>
-            <a:r>
-              <a:rPr lang="en-GB" baseline="0" dirty="0" smtClean="0"/>
-              <a:t>it </a:t>
-            </a:r>
-            <a:r>
-              <a:rPr lang="en-GB" baseline="0" dirty="0" smtClean="0"/>
-              <a:t>is where </a:t>
-            </a:r>
-            <a:r>
-              <a:rPr lang="en-GB" baseline="0" dirty="0" smtClean="0"/>
-              <a:t>we as a company </a:t>
-            </a:r>
-            <a:r>
-              <a:rPr lang="en-GB" baseline="0" dirty="0" smtClean="0"/>
-              <a:t>are </a:t>
-            </a:r>
-            <a:r>
-              <a:rPr lang="en-GB" baseline="0" dirty="0" smtClean="0"/>
-              <a:t>going and we like it. </a:t>
+              <a:t> chose react because it is where we as a company are going and we like it. </a:t>
             </a:r>
             <a:r>
               <a:rPr lang="en-GB" baseline="0" dirty="0" err="1" smtClean="0"/>
@@ -1536,15 +1516,7 @@
             </a:r>
             <a:r>
               <a:rPr lang="en-GB" baseline="0" dirty="0" smtClean="0"/>
-              <a:t> in previous </a:t>
-            </a:r>
-            <a:r>
-              <a:rPr lang="en-GB" baseline="0" dirty="0" smtClean="0"/>
-              <a:t>hackathons? </a:t>
-            </a:r>
-            <a:r>
-              <a:rPr lang="en-GB" baseline="0" dirty="0" smtClean="0"/>
-              <a:t>Room booking, </a:t>
+              <a:t> in previous hackathons? Room booking, </a:t>
             </a:r>
             <a:r>
               <a:rPr lang="en-GB" baseline="0" dirty="0" err="1" smtClean="0"/>
@@ -1552,15 +1524,7 @@
             </a:r>
             <a:r>
               <a:rPr lang="en-GB" baseline="0" dirty="0" smtClean="0"/>
-              <a:t>, …. These may be really useful tools but they haven’t been picked up. This includes our projects that at the time we thought were really </a:t>
-            </a:r>
-            <a:r>
-              <a:rPr lang="en-GB" baseline="0" dirty="0" smtClean="0"/>
-              <a:t>useful. </a:t>
-            </a:r>
-            <a:r>
-              <a:rPr lang="en-GB" baseline="0" dirty="0" smtClean="0"/>
-              <a:t>Automation Octane. It is quite demoralising when they go no further. Why is this? Well we think we need to lower the barrier for setup, distribution and adoption. </a:t>
+              <a:t>, …. These may be really useful tools but they haven’t been picked up. This includes our projects that at the time we thought were really useful. Automation Octane. It is quite demoralising when they go no further. Why is this? Well we think we need to lower the barrier for setup, distribution and adoption. </a:t>
             </a:r>
           </a:p>
           <a:p>
@@ -2095,6 +2059,31 @@
               <a:rPr lang="en-GB" baseline="0" dirty="0" smtClean="0"/>
               <a:t> and Java. </a:t>
             </a:r>
+            <a:r>
+              <a:rPr lang="en-GB" baseline="0" dirty="0" smtClean="0"/>
+              <a:t>There are several ways to use a different language to do the bulk of your backend. The early octane burner used C# and communicated with the main electron process through a third party module which acted like an </a:t>
+            </a:r>
+            <a:r>
+              <a:rPr lang="en-GB" baseline="0" dirty="0" err="1" smtClean="0"/>
+              <a:t>api</a:t>
+            </a:r>
+            <a:r>
+              <a:rPr lang="en-GB" baseline="0" dirty="0" smtClean="0"/>
+              <a:t>. This worked but was slow with large amounts of data being sent. It also had the disadvantage of needing to </a:t>
+            </a:r>
+            <a:r>
+              <a:rPr lang="en-GB" baseline="0" dirty="0" err="1" smtClean="0"/>
+              <a:t>stringify</a:t>
+            </a:r>
+            <a:r>
+              <a:rPr lang="en-GB" baseline="0" dirty="0" smtClean="0"/>
+              <a:t> any objects being sent </a:t>
+            </a:r>
+            <a:r>
+              <a:rPr lang="en-GB" baseline="0" smtClean="0"/>
+              <a:t>or received.</a:t>
+            </a:r>
+            <a:endParaRPr lang="en-GB" baseline="0" dirty="0" smtClean="0"/>
           </a:p>
           <a:p>
             <a:endParaRPr lang="en-GB" baseline="0" dirty="0" smtClean="0"/>
@@ -35696,7 +35685,7 @@
               <a:pPr algn="r">
                 <a:defRPr/>
               </a:pPr>
-              <a:t>03/12/2019</a:t>
+              <a:t>04/12/2019</a:t>
             </a:fld>
             <a:endParaRPr lang="en-GB" sz="1000" dirty="0">
               <a:solidFill>
@@ -36136,7 +36125,7 @@
               <a:pPr algn="r">
                 <a:defRPr/>
               </a:pPr>
-              <a:t>03/12/2019</a:t>
+              <a:t>04/12/2019</a:t>
             </a:fld>
             <a:endParaRPr lang="en-GB" sz="1000" dirty="0">
               <a:solidFill>
@@ -36831,8 +36820,19 @@
           <a:p>
             <a:r>
               <a:rPr lang="en-GB" dirty="0" smtClean="0"/>
-              <a:t>Can be challenging to structure (nicely)</a:t>
-            </a:r>
+              <a:t>Can be challenging to structure (nicely</a:t>
+            </a:r>
+            <a:r>
+              <a:rPr lang="en-GB" dirty="0" smtClean="0"/>
+              <a:t>)</a:t>
+            </a:r>
+          </a:p>
+          <a:p>
+            <a:r>
+              <a:rPr lang="en-GB" dirty="0" smtClean="0"/>
+              <a:t>The firewall can get in the way of some functions but nothing which we have not been able to work around.</a:t>
+            </a:r>
+            <a:endParaRPr lang="en-GB" dirty="0" smtClean="0"/>
           </a:p>
         </p:txBody>
       </p:sp>
@@ -36977,29 +36977,13 @@
           <a:p>
             <a:r>
               <a:rPr lang="en-GB" dirty="0" smtClean="0"/>
-              <a:t>We have </a:t>
-            </a:r>
+              <a:t>We have started to set up the testing frameworks needed for each language and created example tests for them.</a:t>
+            </a:r>
+          </a:p>
+          <a:p>
             <a:r>
               <a:rPr lang="en-GB" dirty="0" smtClean="0"/>
-              <a:t>started to set </a:t>
-            </a:r>
-            <a:r>
-              <a:rPr lang="en-GB" dirty="0" smtClean="0"/>
-              <a:t>up the testing frameworks needed for each language and created example tests for them.</a:t>
-            </a:r>
-          </a:p>
-          <a:p>
-            <a:r>
-              <a:rPr lang="en-GB" dirty="0" smtClean="0"/>
-              <a:t>It’s a learning experience so there </a:t>
-            </a:r>
-            <a:r>
-              <a:rPr lang="en-GB" dirty="0" smtClean="0"/>
-              <a:t>almost certainly better </a:t>
-            </a:r>
-            <a:r>
-              <a:rPr lang="en-GB" dirty="0" smtClean="0"/>
-              <a:t>ways to implement some things which is where the group effort comes in.</a:t>
+              <a:t>It’s a learning experience so there almost certainly better ways to implement some things which is where the group effort comes in.</a:t>
             </a:r>
           </a:p>
         </p:txBody>
@@ -37184,7 +37168,7 @@
       </p:grpSpPr>
       <p:pic>
         <p:nvPicPr>
-          <p:cNvPr id="5" name="2019-11-26 10-28-27">
+          <p:cNvPr id="2" name="2019-12-04 15-08-23">
             <a:hlinkClick r:id="" action="ppaction://media"/>
           </p:cNvPr>
           <p:cNvPicPr>
@@ -37207,7 +37191,7 @@
         </p:blipFill>
         <p:spPr>
           <a:xfrm>
-            <a:off x="0" y="980728"/>
+            <a:off x="0" y="1268760"/>
             <a:ext cx="9144000" cy="5143500"/>
           </a:xfrm>
           <a:prstGeom prst="rect">
@@ -37235,7 +37219,7 @@
                 <p:stCondLst>
                   <p:cond evt="onClick" delay="0">
                     <p:tgtEl>
-                      <p:spTgt spid="5"/>
+                      <p:spTgt spid="2"/>
                     </p:tgtEl>
                   </p:cond>
                 </p:stCondLst>
@@ -37265,7 +37249,7 @@
                                       <p:cBhvr>
                                         <p:cTn id="6" dur="1" fill="hold"/>
                                         <p:tgtEl>
-                                          <p:spTgt spid="5"/>
+                                          <p:spTgt spid="2"/>
                                         </p:tgtEl>
                                       </p:cBhvr>
                                     </p:cmd>
@@ -37283,7 +37267,7 @@
               <p:nextCondLst>
                 <p:cond evt="onClick" delay="0">
                   <p:tgtEl>
-                    <p:spTgt spid="5"/>
+                    <p:spTgt spid="2"/>
                   </p:tgtEl>
                 </p:cond>
               </p:nextCondLst>
@@ -37296,7 +37280,7 @@
                   </p:stCondLst>
                 </p:cTn>
                 <p:tgtEl>
-                  <p:spTgt spid="5"/>
+                  <p:spTgt spid="2"/>
                 </p:tgtEl>
               </p:cMediaNode>
             </p:video>
@@ -37341,7 +37325,7 @@
           </a:prstGeom>
           <a:extLst>
             <a:ext uri="{C572A759-6A51-4108-AA02-DFA0A04FC94B}">
-              <ma14:wrappingTextBoxFlag xmlns:ma14="http://schemas.microsoft.com/office/mac/drawingml/2011/main" xmlns="" val="1"/>
+              <ma14:wrappingTextBoxFlag xmlns="" xmlns:ma14="http://schemas.microsoft.com/office/mac/drawingml/2011/main" val="1"/>
             </a:ext>
           </a:extLst>
         </p:spPr>
@@ -37391,21 +37375,22 @@
           <a:p>
             <a:r>
               <a:rPr lang="en-GB" sz="1500" dirty="0" smtClean="0"/>
-              <a:t>What is Electron?</a:t>
+              <a:t>What is Electron</a:t>
+            </a:r>
+            <a:r>
+              <a:rPr lang="en-GB" sz="1500" dirty="0" smtClean="0"/>
+              <a:t>?</a:t>
             </a:r>
           </a:p>
           <a:p>
             <a:pPr lvl="1"/>
             <a:r>
               <a:rPr lang="en-GB" sz="1500" dirty="0" smtClean="0"/>
-              <a:t>Intro</a:t>
-            </a:r>
-          </a:p>
-          <a:p>
-            <a:pPr lvl="1"/>
+              <a:t>Example </a:t>
+            </a:r>
             <a:r>
               <a:rPr lang="en-GB" sz="1500" dirty="0" smtClean="0"/>
-              <a:t>Example applications on the market</a:t>
+              <a:t>applications on the market</a:t>
             </a:r>
           </a:p>
           <a:p>
@@ -37920,11 +37905,7 @@
             </a:r>
             <a:r>
               <a:rPr lang="en-GB" dirty="0" smtClean="0"/>
-              <a:t>up*(but wont work </a:t>
-            </a:r>
-            <a:r>
-              <a:rPr lang="en-GB" dirty="0" smtClean="0"/>
-              <a:t>today per sods law)</a:t>
+              <a:t>up*(but wont work today per sods law)</a:t>
             </a:r>
             <a:endParaRPr lang="en-GB" dirty="0"/>
           </a:p>
@@ -37946,61 +37927,6 @@
               <a:buNone/>
             </a:pPr>
             <a:endParaRPr lang="en-GB" dirty="0" smtClean="0"/>
-          </a:p>
-        </p:txBody>
-      </p:sp>
-      <p:sp>
-        <p:nvSpPr>
-          <p:cNvPr id="4" name="Rectangle 3"/>
-          <p:cNvSpPr/>
-          <p:nvPr/>
-        </p:nvSpPr>
-        <p:spPr>
-          <a:xfrm>
-            <a:off x="221508" y="5733256"/>
-            <a:ext cx="8711872" cy="861774"/>
-          </a:xfrm>
-          <a:prstGeom prst="rect">
-            <a:avLst/>
-          </a:prstGeom>
-          <a:noFill/>
-        </p:spPr>
-        <p:txBody>
-          <a:bodyPr wrap="none" lIns="91440" tIns="45720" rIns="91440" bIns="45720">
-            <a:spAutoFit/>
-          </a:bodyPr>
-          <a:lstStyle/>
-          <a:p>
-            <a:pPr algn="ctr"/>
-            <a:r>
-              <a:rPr lang="en-US" sz="5000" b="0" cap="none" spc="0" dirty="0" smtClean="0">
-                <a:ln w="0"/>
-                <a:solidFill>
-                  <a:schemeClr val="tx1"/>
-                </a:solidFill>
-                <a:effectLst>
-                  <a:outerShdw blurRad="38100" dist="19050" dir="2700000" algn="tl" rotWithShape="0">
-                    <a:schemeClr val="dk1">
-                      <a:alpha val="40000"/>
-                    </a:schemeClr>
-                  </a:outerShdw>
-                </a:effectLst>
-              </a:rPr>
-              <a:t>It’s a TRANSFERABLE SKILL</a:t>
-            </a:r>
-            <a:endParaRPr lang="en-US" sz="5000" b="0" cap="none" spc="0" dirty="0">
-              <a:ln w="0"/>
-              <a:solidFill>
-                <a:schemeClr val="tx1"/>
-              </a:solidFill>
-              <a:effectLst>
-                <a:outerShdw blurRad="38100" dist="19050" dir="2700000" algn="tl" rotWithShape="0">
-                  <a:schemeClr val="dk1">
-                    <a:alpha val="40000"/>
-                  </a:schemeClr>
-                </a:outerShdw>
-              </a:effectLst>
-            </a:endParaRPr>
           </a:p>
         </p:txBody>
       </p:sp>
@@ -38017,80 +37943,9 @@
   <p:timing>
     <p:tnLst>
       <p:par>
-        <p:cTn id="1" dur="indefinite" restart="never" nodeType="tmRoot">
-          <p:childTnLst>
-            <p:seq concurrent="1" nextAc="seek">
-              <p:cTn id="2" dur="indefinite" nodeType="mainSeq">
-                <p:childTnLst>
-                  <p:par>
-                    <p:cTn id="3" fill="hold">
-                      <p:stCondLst>
-                        <p:cond delay="indefinite"/>
-                      </p:stCondLst>
-                      <p:childTnLst>
-                        <p:par>
-                          <p:cTn id="4" fill="hold">
-                            <p:stCondLst>
-                              <p:cond delay="0"/>
-                            </p:stCondLst>
-                            <p:childTnLst>
-                              <p:par>
-                                <p:cTn id="5" presetID="1" presetClass="entr" presetSubtype="0" fill="hold" grpId="0" nodeType="clickEffect">
-                                  <p:stCondLst>
-                                    <p:cond delay="0"/>
-                                  </p:stCondLst>
-                                  <p:childTnLst>
-                                    <p:set>
-                                      <p:cBhvr>
-                                        <p:cTn id="6" dur="1" fill="hold">
-                                          <p:stCondLst>
-                                            <p:cond delay="0"/>
-                                          </p:stCondLst>
-                                        </p:cTn>
-                                        <p:tgtEl>
-                                          <p:spTgt spid="4"/>
-                                        </p:tgtEl>
-                                        <p:attrNameLst>
-                                          <p:attrName>style.visibility</p:attrName>
-                                        </p:attrNameLst>
-                                      </p:cBhvr>
-                                      <p:to>
-                                        <p:strVal val="visible"/>
-                                      </p:to>
-                                    </p:set>
-                                  </p:childTnLst>
-                                </p:cTn>
-                              </p:par>
-                            </p:childTnLst>
-                          </p:cTn>
-                        </p:par>
-                      </p:childTnLst>
-                    </p:cTn>
-                  </p:par>
-                </p:childTnLst>
-              </p:cTn>
-              <p:prevCondLst>
-                <p:cond evt="onPrev" delay="0">
-                  <p:tgtEl>
-                    <p:sldTgt/>
-                  </p:tgtEl>
-                </p:cond>
-              </p:prevCondLst>
-              <p:nextCondLst>
-                <p:cond evt="onNext" delay="0">
-                  <p:tgtEl>
-                    <p:sldTgt/>
-                  </p:tgtEl>
-                </p:cond>
-              </p:nextCondLst>
-            </p:seq>
-          </p:childTnLst>
-        </p:cTn>
+        <p:cTn id="1" dur="indefinite" restart="never" nodeType="tmRoot"/>
       </p:par>
     </p:tnLst>
-    <p:bldLst>
-      <p:bldP spid="4" grpId="0"/>
-    </p:bldLst>
   </p:timing>
 </p:sld>
 </file>
@@ -38559,7 +38414,15 @@
           <a:p>
             <a:r>
               <a:rPr lang="en-GB" dirty="0" smtClean="0"/>
-              <a:t>There are MANY tutorials but the one we have had most consistency with is:</a:t>
+              <a:t>There are MANY tutorials but the one we have had most </a:t>
+            </a:r>
+            <a:r>
+              <a:rPr lang="en-GB" dirty="0" smtClean="0"/>
+              <a:t>consistency good results </a:t>
+            </a:r>
+            <a:r>
+              <a:rPr lang="en-GB" dirty="0" smtClean="0"/>
+              <a:t>with is:</a:t>
             </a:r>
           </a:p>
           <a:p>
@@ -38588,7 +38451,11 @@
           <a:p>
             <a:r>
               <a:rPr lang="en-GB" dirty="0" smtClean="0"/>
-              <a:t>We have created an empty project which is set up for Electron and React. If you are interested we can share it.</a:t>
+              <a:t>We have created an empty project which is set up for Electron and React. If you are interested we can share </a:t>
+            </a:r>
+            <a:r>
+              <a:rPr lang="en-GB" dirty="0" smtClean="0"/>
+              <a:t>it. Hopefully with Git being adopted we will be able to place a blank electron app there for anyone to pull and have a head start.</a:t>
             </a:r>
             <a:endParaRPr lang="en-GB" dirty="0"/>
           </a:p>
@@ -38682,7 +38549,11 @@
           <a:p>
             <a:r>
               <a:rPr lang="en-GB" dirty="0" smtClean="0"/>
-              <a:t>We have tried </a:t>
+              <a:t>We have </a:t>
+            </a:r>
+            <a:r>
+              <a:rPr lang="en-GB" dirty="0" smtClean="0"/>
+              <a:t>tried </a:t>
             </a:r>
           </a:p>
           <a:p>

--- a/Electron Brownbag.pptx
+++ b/Electron Brownbag.pptx
@@ -11,10 +11,10 @@
     <p:sldMasterId id="2147483801" r:id="rId7"/>
   </p:sldMasterIdLst>
   <p:notesMasterIdLst>
-    <p:notesMasterId r:id="rId21"/>
+    <p:notesMasterId r:id="rId24"/>
   </p:notesMasterIdLst>
   <p:handoutMasterIdLst>
-    <p:handoutMasterId r:id="rId22"/>
+    <p:handoutMasterId r:id="rId25"/>
   </p:handoutMasterIdLst>
   <p:sldIdLst>
     <p:sldId id="269" r:id="rId8"/>
@@ -23,13 +23,16 @@
     <p:sldId id="272" r:id="rId11"/>
     <p:sldId id="277" r:id="rId12"/>
     <p:sldId id="274" r:id="rId13"/>
-    <p:sldId id="273" r:id="rId14"/>
-    <p:sldId id="271" r:id="rId15"/>
+    <p:sldId id="271" r:id="rId14"/>
+    <p:sldId id="273" r:id="rId15"/>
     <p:sldId id="275" r:id="rId16"/>
-    <p:sldId id="276" r:id="rId17"/>
-    <p:sldId id="278" r:id="rId18"/>
-    <p:sldId id="280" r:id="rId19"/>
-    <p:sldId id="279" r:id="rId20"/>
+    <p:sldId id="280" r:id="rId17"/>
+    <p:sldId id="281" r:id="rId18"/>
+    <p:sldId id="276" r:id="rId19"/>
+    <p:sldId id="278" r:id="rId20"/>
+    <p:sldId id="279" r:id="rId21"/>
+    <p:sldId id="282" r:id="rId22"/>
+    <p:sldId id="283" r:id="rId23"/>
   </p:sldIdLst>
   <p:sldSz cx="9144000" cy="6858000" type="screen4x3"/>
   <p:notesSz cx="6742113" cy="9872663"/>
@@ -833,16 +836,33 @@
           <a:lstStyle/>
           <a:p>
             <a:r>
+              <a:rPr lang="en-GB" dirty="0" err="1" smtClean="0"/>
+              <a:t>Spectron</a:t>
+            </a:r>
+            <a:r>
               <a:rPr lang="en-GB" dirty="0" smtClean="0"/>
-              <a:t>We should make a little doc with our app</a:t>
-            </a:r>
-            <a:r>
-              <a:rPr lang="en-GB" baseline="0" dirty="0" smtClean="0"/>
-              <a:t> design things. Like the naming conventions, adding them to the react list, how to get your icon to show up, using the storage. </a:t>
-            </a:r>
-            <a:r>
-              <a:rPr lang="en-GB" baseline="0" smtClean="0"/>
-              <a:t>Things like that</a:t>
+              <a:t> - </a:t>
+            </a:r>
+            <a:r>
+              <a:rPr lang="en-GB" dirty="0" smtClean="0">
+                <a:hlinkClick r:id="rId3"/>
+              </a:rPr>
+              <a:t>https://electronjs.org/spectron</a:t>
+            </a:r>
+            <a:endParaRPr lang="en-GB" dirty="0" smtClean="0"/>
+          </a:p>
+          <a:p>
+            <a:r>
+              <a:rPr lang="en-GB" dirty="0" smtClean="0"/>
+              <a:t>Having issues getting </a:t>
+            </a:r>
+            <a:r>
+              <a:rPr lang="en-GB" dirty="0" err="1" smtClean="0"/>
+              <a:t>spectron</a:t>
+            </a:r>
+            <a:r>
+              <a:rPr lang="en-GB" dirty="0" smtClean="0"/>
+              <a:t> to run friendly along with JEST but working on that at the moment.</a:t>
             </a:r>
             <a:endParaRPr lang="en-GB" dirty="0"/>
           </a:p>
@@ -875,7 +895,7 @@
     </p:spTree>
     <p:extLst>
       <p:ext uri="{BB962C8B-B14F-4D97-AF65-F5344CB8AC3E}">
-        <p14:creationId xmlns:p14="http://schemas.microsoft.com/office/powerpoint/2010/main" val="2399511822"/>
+        <p14:creationId xmlns:p14="http://schemas.microsoft.com/office/powerpoint/2010/main" val="2819634892"/>
       </p:ext>
     </p:extLst>
   </p:cSld>
@@ -931,8 +951,187 @@
           <a:p>
             <a:r>
               <a:rPr lang="en-GB" dirty="0" smtClean="0"/>
-              <a:t>If demo isn’t working, use video.</a:t>
-            </a:r>
+              <a:t>LOTS of </a:t>
+            </a:r>
+            <a:r>
+              <a:rPr lang="en-GB" dirty="0" err="1" smtClean="0"/>
+              <a:t>npm</a:t>
+            </a:r>
+            <a:r>
+              <a:rPr lang="en-GB" dirty="0" smtClean="0"/>
+              <a:t> modules for electron specifically to simplify things like deployment, updating applications, debugging and more.</a:t>
+            </a:r>
+          </a:p>
+          <a:p>
+            <a:r>
+              <a:rPr lang="en-GB" dirty="0" smtClean="0"/>
+              <a:t>Many react modules available as well for simplifying things.</a:t>
+            </a:r>
+          </a:p>
+          <a:p>
+            <a:endParaRPr lang="en-GB" dirty="0" smtClean="0"/>
+          </a:p>
+          <a:p>
+            <a:pPr marL="0" marR="0" lvl="0" indent="0" algn="l" defTabSz="914400" rtl="0" eaLnBrk="1" fontAlgn="auto" latinLnBrk="0" hangingPunct="1">
+              <a:lnSpc>
+                <a:spcPct val="100000"/>
+              </a:lnSpc>
+              <a:spcBef>
+                <a:spcPts val="0"/>
+              </a:spcBef>
+              <a:spcAft>
+                <a:spcPts val="0"/>
+              </a:spcAft>
+              <a:buClrTx/>
+              <a:buSzTx/>
+              <a:buFontTx/>
+              <a:buNone/>
+              <a:tabLst/>
+              <a:defRPr/>
+            </a:pPr>
+            <a:r>
+              <a:rPr lang="en-GB" dirty="0" smtClean="0"/>
+              <a:t>Many react modules available as well for simplifying things.</a:t>
+            </a:r>
+          </a:p>
+          <a:p>
+            <a:pPr marL="0" marR="0" lvl="0" indent="0" algn="l" defTabSz="914400" rtl="0" eaLnBrk="1" fontAlgn="auto" latinLnBrk="0" hangingPunct="1">
+              <a:lnSpc>
+                <a:spcPct val="100000"/>
+              </a:lnSpc>
+              <a:spcBef>
+                <a:spcPts val="0"/>
+              </a:spcBef>
+              <a:spcAft>
+                <a:spcPts val="0"/>
+              </a:spcAft>
+              <a:buClrTx/>
+              <a:buSzTx/>
+              <a:buFontTx/>
+              <a:buNone/>
+              <a:tabLst/>
+              <a:defRPr/>
+            </a:pPr>
+            <a:endParaRPr lang="en-GB" dirty="0" smtClean="0"/>
+          </a:p>
+          <a:p>
+            <a:pPr marL="0" marR="0" lvl="0" indent="0" algn="l" defTabSz="914400" rtl="0" eaLnBrk="1" fontAlgn="auto" latinLnBrk="0" hangingPunct="1">
+              <a:lnSpc>
+                <a:spcPct val="100000"/>
+              </a:lnSpc>
+              <a:spcBef>
+                <a:spcPts val="0"/>
+              </a:spcBef>
+              <a:spcAft>
+                <a:spcPts val="0"/>
+              </a:spcAft>
+              <a:buClrTx/>
+              <a:buSzTx/>
+              <a:buFontTx/>
+              <a:buNone/>
+              <a:tabLst/>
+              <a:defRPr/>
+            </a:pPr>
+            <a:r>
+              <a:rPr lang="en-GB" dirty="0" smtClean="0"/>
+              <a:t>Pretty popular framework so plenty of help online with tutorials and </a:t>
+            </a:r>
+            <a:r>
+              <a:rPr lang="en-GB" dirty="0" err="1" smtClean="0"/>
+              <a:t>stackoverflow</a:t>
+            </a:r>
+            <a:r>
+              <a:rPr lang="en-GB" dirty="0" smtClean="0"/>
+              <a:t>. It</a:t>
+            </a:r>
+            <a:r>
+              <a:rPr lang="en-GB" baseline="0" dirty="0" smtClean="0"/>
+              <a:t> looks like desktop applications are becoming more and more like web applications</a:t>
+            </a:r>
+          </a:p>
+          <a:p>
+            <a:pPr marL="0" marR="0" lvl="0" indent="0" algn="l" defTabSz="914400" rtl="0" eaLnBrk="1" fontAlgn="auto" latinLnBrk="0" hangingPunct="1">
+              <a:lnSpc>
+                <a:spcPct val="100000"/>
+              </a:lnSpc>
+              <a:spcBef>
+                <a:spcPts val="0"/>
+              </a:spcBef>
+              <a:spcAft>
+                <a:spcPts val="0"/>
+              </a:spcAft>
+              <a:buClrTx/>
+              <a:buSzTx/>
+              <a:buFontTx/>
+              <a:buNone/>
+              <a:tabLst/>
+              <a:defRPr/>
+            </a:pPr>
+            <a:endParaRPr lang="en-GB" baseline="0" dirty="0" smtClean="0"/>
+          </a:p>
+          <a:p>
+            <a:r>
+              <a:rPr lang="en-GB" dirty="0" smtClean="0"/>
+              <a:t>Cross compatible, just need a machine that can run chromium to get most of the functionality.</a:t>
+            </a:r>
+          </a:p>
+          <a:p>
+            <a:endParaRPr lang="en-GB" dirty="0" smtClean="0"/>
+          </a:p>
+          <a:p>
+            <a:pPr marL="0" marR="0" lvl="0" indent="0" algn="l" defTabSz="914400" rtl="0" eaLnBrk="1" fontAlgn="auto" latinLnBrk="0" hangingPunct="1">
+              <a:lnSpc>
+                <a:spcPct val="100000"/>
+              </a:lnSpc>
+              <a:spcBef>
+                <a:spcPts val="0"/>
+              </a:spcBef>
+              <a:spcAft>
+                <a:spcPts val="0"/>
+              </a:spcAft>
+              <a:buClrTx/>
+              <a:buSzTx/>
+              <a:buFontTx/>
+              <a:buNone/>
+              <a:tabLst/>
+              <a:defRPr/>
+            </a:pPr>
+            <a:r>
+              <a:rPr lang="en-GB" dirty="0" smtClean="0"/>
+              <a:t>Sparked a lot of debate about how to structure a electron/React Desktop application</a:t>
+            </a:r>
+          </a:p>
+          <a:p>
+            <a:endParaRPr lang="en-GB" dirty="0" smtClean="0"/>
+          </a:p>
+          <a:p>
+            <a:pPr marL="0" marR="0" lvl="0" indent="0" algn="l" defTabSz="914400" rtl="0" eaLnBrk="1" fontAlgn="auto" latinLnBrk="0" hangingPunct="1">
+              <a:lnSpc>
+                <a:spcPct val="100000"/>
+              </a:lnSpc>
+              <a:spcBef>
+                <a:spcPts val="0"/>
+              </a:spcBef>
+              <a:spcAft>
+                <a:spcPts val="0"/>
+              </a:spcAft>
+              <a:buClrTx/>
+              <a:buSzTx/>
+              <a:buFontTx/>
+              <a:buNone/>
+              <a:tabLst/>
+              <a:defRPr/>
+            </a:pPr>
+            <a:r>
+              <a:rPr lang="en-GB" dirty="0" smtClean="0"/>
+              <a:t>Talk about apps we have built</a:t>
+            </a:r>
+            <a:endParaRPr lang="en-GB" dirty="0" smtClean="0"/>
+          </a:p>
+          <a:p>
+            <a:endParaRPr lang="en-GB" dirty="0" smtClean="0"/>
+          </a:p>
+          <a:p>
             <a:endParaRPr lang="en-GB" dirty="0"/>
           </a:p>
         </p:txBody>
@@ -964,7 +1163,7 @@
     </p:spTree>
     <p:extLst>
       <p:ext uri="{BB962C8B-B14F-4D97-AF65-F5344CB8AC3E}">
-        <p14:creationId xmlns:p14="http://schemas.microsoft.com/office/powerpoint/2010/main" val="3045673817"/>
+        <p14:creationId xmlns:p14="http://schemas.microsoft.com/office/powerpoint/2010/main" val="1835355784"/>
       </p:ext>
     </p:extLst>
   </p:cSld>
@@ -1018,6 +1217,18 @@
           <a:bodyPr/>
           <a:lstStyle/>
           <a:p>
+            <a:r>
+              <a:rPr lang="en-GB" dirty="0" smtClean="0"/>
+              <a:t>We should make a little doc with our app</a:t>
+            </a:r>
+            <a:r>
+              <a:rPr lang="en-GB" baseline="0" dirty="0" smtClean="0"/>
+              <a:t> design things. Like the naming conventions, adding them to the react list, how to get your icon to show up, using the storage. </a:t>
+            </a:r>
+            <a:r>
+              <a:rPr lang="en-GB" baseline="0" smtClean="0"/>
+              <a:t>Things like that</a:t>
+            </a:r>
             <a:endParaRPr lang="en-GB" dirty="0"/>
           </a:p>
         </p:txBody>
@@ -1049,7 +1260,286 @@
     </p:spTree>
     <p:extLst>
       <p:ext uri="{BB962C8B-B14F-4D97-AF65-F5344CB8AC3E}">
+        <p14:creationId xmlns:p14="http://schemas.microsoft.com/office/powerpoint/2010/main" val="2399511822"/>
+      </p:ext>
+    </p:extLst>
+  </p:cSld>
+  <p:clrMapOvr>
+    <a:masterClrMapping/>
+  </p:clrMapOvr>
+</p:notes>
+</file>
+
+<file path=ppt/notesSlides/notesSlide13.xml><?xml version="1.0" encoding="utf-8"?>
+<p:notes xmlns:a="http://schemas.openxmlformats.org/drawingml/2006/main" xmlns:r="http://schemas.openxmlformats.org/officeDocument/2006/relationships" xmlns:p="http://schemas.openxmlformats.org/presentationml/2006/main">
+  <p:cSld>
+    <p:spTree>
+      <p:nvGrpSpPr>
+        <p:cNvPr id="1" name=""/>
+        <p:cNvGrpSpPr/>
+        <p:nvPr/>
+      </p:nvGrpSpPr>
+      <p:grpSpPr>
+        <a:xfrm>
+          <a:off x="0" y="0"/>
+          <a:ext cx="0" cy="0"/>
+          <a:chOff x="0" y="0"/>
+          <a:chExt cx="0" cy="0"/>
+        </a:xfrm>
+      </p:grpSpPr>
+      <p:sp>
+        <p:nvSpPr>
+          <p:cNvPr id="2" name="Slide Image Placeholder 1"/>
+          <p:cNvSpPr>
+            <a:spLocks noGrp="1" noRot="1" noChangeAspect="1"/>
+          </p:cNvSpPr>
+          <p:nvPr>
+            <p:ph type="sldImg"/>
+          </p:nvPr>
+        </p:nvSpPr>
+        <p:spPr/>
+      </p:sp>
+      <p:sp>
+        <p:nvSpPr>
+          <p:cNvPr id="3" name="Notes Placeholder 2"/>
+          <p:cNvSpPr>
+            <a:spLocks noGrp="1"/>
+          </p:cNvSpPr>
+          <p:nvPr>
+            <p:ph type="body" idx="1"/>
+          </p:nvPr>
+        </p:nvSpPr>
+        <p:spPr/>
+        <p:txBody>
+          <a:bodyPr/>
+          <a:lstStyle/>
+          <a:p>
+            <a:endParaRPr lang="en-GB" dirty="0"/>
+          </a:p>
+        </p:txBody>
+      </p:sp>
+      <p:sp>
+        <p:nvSpPr>
+          <p:cNvPr id="4" name="Slide Number Placeholder 3"/>
+          <p:cNvSpPr>
+            <a:spLocks noGrp="1"/>
+          </p:cNvSpPr>
+          <p:nvPr>
+            <p:ph type="sldNum" sz="quarter" idx="10"/>
+          </p:nvPr>
+        </p:nvSpPr>
+        <p:spPr/>
+        <p:txBody>
+          <a:bodyPr/>
+          <a:lstStyle/>
+          <a:p>
+            <a:fld id="{B8CC9DC2-1B58-4FDA-A1A1-71E24D183C12}" type="slidenum">
+              <a:rPr lang="en-GB" smtClean="0"/>
+              <a:pPr/>
+              <a:t>14</a:t>
+            </a:fld>
+            <a:endParaRPr lang="en-GB" dirty="0"/>
+          </a:p>
+        </p:txBody>
+      </p:sp>
+    </p:spTree>
+    <p:extLst>
+      <p:ext uri="{BB962C8B-B14F-4D97-AF65-F5344CB8AC3E}">
         <p14:creationId xmlns:p14="http://schemas.microsoft.com/office/powerpoint/2010/main" val="450827335"/>
+      </p:ext>
+    </p:extLst>
+  </p:cSld>
+  <p:clrMapOvr>
+    <a:masterClrMapping/>
+  </p:clrMapOvr>
+</p:notes>
+</file>
+
+<file path=ppt/notesSlides/notesSlide14.xml><?xml version="1.0" encoding="utf-8"?>
+<p:notes xmlns:a="http://schemas.openxmlformats.org/drawingml/2006/main" xmlns:r="http://schemas.openxmlformats.org/officeDocument/2006/relationships" xmlns:p="http://schemas.openxmlformats.org/presentationml/2006/main">
+  <p:cSld>
+    <p:spTree>
+      <p:nvGrpSpPr>
+        <p:cNvPr id="1" name=""/>
+        <p:cNvGrpSpPr/>
+        <p:nvPr/>
+      </p:nvGrpSpPr>
+      <p:grpSpPr>
+        <a:xfrm>
+          <a:off x="0" y="0"/>
+          <a:ext cx="0" cy="0"/>
+          <a:chOff x="0" y="0"/>
+          <a:chExt cx="0" cy="0"/>
+        </a:xfrm>
+      </p:grpSpPr>
+      <p:sp>
+        <p:nvSpPr>
+          <p:cNvPr id="2" name="Slide Image Placeholder 1"/>
+          <p:cNvSpPr>
+            <a:spLocks noGrp="1" noRot="1" noChangeAspect="1"/>
+          </p:cNvSpPr>
+          <p:nvPr>
+            <p:ph type="sldImg"/>
+          </p:nvPr>
+        </p:nvSpPr>
+        <p:spPr/>
+      </p:sp>
+      <p:sp>
+        <p:nvSpPr>
+          <p:cNvPr id="3" name="Notes Placeholder 2"/>
+          <p:cNvSpPr>
+            <a:spLocks noGrp="1"/>
+          </p:cNvSpPr>
+          <p:nvPr>
+            <p:ph type="body" idx="1"/>
+          </p:nvPr>
+        </p:nvSpPr>
+        <p:spPr/>
+        <p:txBody>
+          <a:bodyPr/>
+          <a:lstStyle/>
+          <a:p>
+            <a:r>
+              <a:rPr lang="en-GB" dirty="0" smtClean="0"/>
+              <a:t>We should make a little doc with our app</a:t>
+            </a:r>
+            <a:r>
+              <a:rPr lang="en-GB" baseline="0" dirty="0" smtClean="0"/>
+              <a:t> design things. Like the naming conventions, adding them to the react list, how to get your icon to show up, using the storage. </a:t>
+            </a:r>
+            <a:r>
+              <a:rPr lang="en-GB" baseline="0" smtClean="0"/>
+              <a:t>Things like that</a:t>
+            </a:r>
+            <a:endParaRPr lang="en-GB" dirty="0"/>
+          </a:p>
+        </p:txBody>
+      </p:sp>
+      <p:sp>
+        <p:nvSpPr>
+          <p:cNvPr id="4" name="Slide Number Placeholder 3"/>
+          <p:cNvSpPr>
+            <a:spLocks noGrp="1"/>
+          </p:cNvSpPr>
+          <p:nvPr>
+            <p:ph type="sldNum" sz="quarter" idx="10"/>
+          </p:nvPr>
+        </p:nvSpPr>
+        <p:spPr/>
+        <p:txBody>
+          <a:bodyPr/>
+          <a:lstStyle/>
+          <a:p>
+            <a:fld id="{B8CC9DC2-1B58-4FDA-A1A1-71E24D183C12}" type="slidenum">
+              <a:rPr lang="en-GB" smtClean="0"/>
+              <a:pPr/>
+              <a:t>15</a:t>
+            </a:fld>
+            <a:endParaRPr lang="en-GB" dirty="0"/>
+          </a:p>
+        </p:txBody>
+      </p:sp>
+    </p:spTree>
+    <p:extLst>
+      <p:ext uri="{BB962C8B-B14F-4D97-AF65-F5344CB8AC3E}">
+        <p14:creationId xmlns:p14="http://schemas.microsoft.com/office/powerpoint/2010/main" val="3266366092"/>
+      </p:ext>
+    </p:extLst>
+  </p:cSld>
+  <p:clrMapOvr>
+    <a:masterClrMapping/>
+  </p:clrMapOvr>
+</p:notes>
+</file>
+
+<file path=ppt/notesSlides/notesSlide15.xml><?xml version="1.0" encoding="utf-8"?>
+<p:notes xmlns:a="http://schemas.openxmlformats.org/drawingml/2006/main" xmlns:r="http://schemas.openxmlformats.org/officeDocument/2006/relationships" xmlns:p="http://schemas.openxmlformats.org/presentationml/2006/main">
+  <p:cSld>
+    <p:spTree>
+      <p:nvGrpSpPr>
+        <p:cNvPr id="1" name=""/>
+        <p:cNvGrpSpPr/>
+        <p:nvPr/>
+      </p:nvGrpSpPr>
+      <p:grpSpPr>
+        <a:xfrm>
+          <a:off x="0" y="0"/>
+          <a:ext cx="0" cy="0"/>
+          <a:chOff x="0" y="0"/>
+          <a:chExt cx="0" cy="0"/>
+        </a:xfrm>
+      </p:grpSpPr>
+      <p:sp>
+        <p:nvSpPr>
+          <p:cNvPr id="2" name="Slide Image Placeholder 1"/>
+          <p:cNvSpPr>
+            <a:spLocks noGrp="1" noRot="1" noChangeAspect="1"/>
+          </p:cNvSpPr>
+          <p:nvPr>
+            <p:ph type="sldImg"/>
+          </p:nvPr>
+        </p:nvSpPr>
+        <p:spPr/>
+      </p:sp>
+      <p:sp>
+        <p:nvSpPr>
+          <p:cNvPr id="3" name="Notes Placeholder 2"/>
+          <p:cNvSpPr>
+            <a:spLocks noGrp="1"/>
+          </p:cNvSpPr>
+          <p:nvPr>
+            <p:ph type="body" idx="1"/>
+          </p:nvPr>
+        </p:nvSpPr>
+        <p:spPr/>
+        <p:txBody>
+          <a:bodyPr/>
+          <a:lstStyle/>
+          <a:p>
+            <a:r>
+              <a:rPr lang="en-GB" dirty="0" smtClean="0"/>
+              <a:t>We should make a little doc with our app</a:t>
+            </a:r>
+            <a:r>
+              <a:rPr lang="en-GB" baseline="0" dirty="0" smtClean="0"/>
+              <a:t> design things. Like the naming conventions, adding them to the react list, how to get your icon to show up, using the storage. </a:t>
+            </a:r>
+            <a:r>
+              <a:rPr lang="en-GB" baseline="0" smtClean="0"/>
+              <a:t>Things like that</a:t>
+            </a:r>
+            <a:endParaRPr lang="en-GB" dirty="0"/>
+          </a:p>
+        </p:txBody>
+      </p:sp>
+      <p:sp>
+        <p:nvSpPr>
+          <p:cNvPr id="4" name="Slide Number Placeholder 3"/>
+          <p:cNvSpPr>
+            <a:spLocks noGrp="1"/>
+          </p:cNvSpPr>
+          <p:nvPr>
+            <p:ph type="sldNum" sz="quarter" idx="10"/>
+          </p:nvPr>
+        </p:nvSpPr>
+        <p:spPr/>
+        <p:txBody>
+          <a:bodyPr/>
+          <a:lstStyle/>
+          <a:p>
+            <a:fld id="{B8CC9DC2-1B58-4FDA-A1A1-71E24D183C12}" type="slidenum">
+              <a:rPr lang="en-GB" smtClean="0"/>
+              <a:pPr/>
+              <a:t>16</a:t>
+            </a:fld>
+            <a:endParaRPr lang="en-GB" dirty="0"/>
+          </a:p>
+        </p:txBody>
+      </p:sp>
+    </p:spTree>
+    <p:extLst>
+      <p:ext uri="{BB962C8B-B14F-4D97-AF65-F5344CB8AC3E}">
+        <p14:creationId xmlns:p14="http://schemas.microsoft.com/office/powerpoint/2010/main" val="2814209859"/>
       </p:ext>
     </p:extLst>
   </p:cSld>
@@ -1968,7 +2458,7 @@
             <a:fld id="{B8CC9DC2-1B58-4FDA-A1A1-71E24D183C12}" type="slidenum">
               <a:rPr lang="en-GB" smtClean="0"/>
               <a:pPr/>
-              <a:t>7</a:t>
+              <a:t>8</a:t>
             </a:fld>
             <a:endParaRPr lang="en-GB" dirty="0"/>
           </a:p>
@@ -2077,11 +2567,7 @@
             </a:r>
             <a:r>
               <a:rPr lang="en-GB" baseline="0" dirty="0" smtClean="0"/>
-              <a:t> any objects being sent </a:t>
-            </a:r>
-            <a:r>
-              <a:rPr lang="en-GB" baseline="0" smtClean="0"/>
-              <a:t>or received.</a:t>
+              <a:t> any objects being sent or received.</a:t>
             </a:r>
             <a:endParaRPr lang="en-GB" baseline="0" dirty="0" smtClean="0"/>
           </a:p>
@@ -2176,183 +2662,8 @@
           <a:p>
             <a:r>
               <a:rPr lang="en-GB" dirty="0" smtClean="0"/>
-              <a:t>LOTS of </a:t>
-            </a:r>
-            <a:r>
-              <a:rPr lang="en-GB" dirty="0" err="1" smtClean="0"/>
-              <a:t>npm</a:t>
-            </a:r>
-            <a:r>
-              <a:rPr lang="en-GB" dirty="0" smtClean="0"/>
-              <a:t> modules for electron specifically to simplify things like deployment, updating applications, debugging and more.</a:t>
-            </a:r>
-          </a:p>
-          <a:p>
-            <a:r>
-              <a:rPr lang="en-GB" dirty="0" smtClean="0"/>
-              <a:t>Many react modules available as well for simplifying things.</a:t>
-            </a:r>
-          </a:p>
-          <a:p>
-            <a:endParaRPr lang="en-GB" dirty="0" smtClean="0"/>
-          </a:p>
-          <a:p>
-            <a:pPr marL="0" marR="0" lvl="0" indent="0" algn="l" defTabSz="914400" rtl="0" eaLnBrk="1" fontAlgn="auto" latinLnBrk="0" hangingPunct="1">
-              <a:lnSpc>
-                <a:spcPct val="100000"/>
-              </a:lnSpc>
-              <a:spcBef>
-                <a:spcPts val="0"/>
-              </a:spcBef>
-              <a:spcAft>
-                <a:spcPts val="0"/>
-              </a:spcAft>
-              <a:buClrTx/>
-              <a:buSzTx/>
-              <a:buFontTx/>
-              <a:buNone/>
-              <a:tabLst/>
-              <a:defRPr/>
-            </a:pPr>
-            <a:r>
-              <a:rPr lang="en-GB" dirty="0" smtClean="0"/>
-              <a:t>Many react modules available as well for simplifying things.</a:t>
-            </a:r>
-          </a:p>
-          <a:p>
-            <a:pPr marL="0" marR="0" lvl="0" indent="0" algn="l" defTabSz="914400" rtl="0" eaLnBrk="1" fontAlgn="auto" latinLnBrk="0" hangingPunct="1">
-              <a:lnSpc>
-                <a:spcPct val="100000"/>
-              </a:lnSpc>
-              <a:spcBef>
-                <a:spcPts val="0"/>
-              </a:spcBef>
-              <a:spcAft>
-                <a:spcPts val="0"/>
-              </a:spcAft>
-              <a:buClrTx/>
-              <a:buSzTx/>
-              <a:buFontTx/>
-              <a:buNone/>
-              <a:tabLst/>
-              <a:defRPr/>
-            </a:pPr>
-            <a:endParaRPr lang="en-GB" dirty="0" smtClean="0"/>
-          </a:p>
-          <a:p>
-            <a:pPr marL="0" marR="0" lvl="0" indent="0" algn="l" defTabSz="914400" rtl="0" eaLnBrk="1" fontAlgn="auto" latinLnBrk="0" hangingPunct="1">
-              <a:lnSpc>
-                <a:spcPct val="100000"/>
-              </a:lnSpc>
-              <a:spcBef>
-                <a:spcPts val="0"/>
-              </a:spcBef>
-              <a:spcAft>
-                <a:spcPts val="0"/>
-              </a:spcAft>
-              <a:buClrTx/>
-              <a:buSzTx/>
-              <a:buFontTx/>
-              <a:buNone/>
-              <a:tabLst/>
-              <a:defRPr/>
-            </a:pPr>
-            <a:r>
-              <a:rPr lang="en-GB" dirty="0" smtClean="0"/>
-              <a:t>Pretty popular framework so plenty of help online with tutorials and </a:t>
-            </a:r>
-            <a:r>
-              <a:rPr lang="en-GB" dirty="0" err="1" smtClean="0"/>
-              <a:t>stackoverflow</a:t>
-            </a:r>
-            <a:r>
-              <a:rPr lang="en-GB" dirty="0" smtClean="0"/>
-              <a:t>. It</a:t>
-            </a:r>
-            <a:r>
-              <a:rPr lang="en-GB" baseline="0" dirty="0" smtClean="0"/>
-              <a:t> looks like desktop applications are becoming more and more like web applications</a:t>
-            </a:r>
-          </a:p>
-          <a:p>
-            <a:pPr marL="0" marR="0" lvl="0" indent="0" algn="l" defTabSz="914400" rtl="0" eaLnBrk="1" fontAlgn="auto" latinLnBrk="0" hangingPunct="1">
-              <a:lnSpc>
-                <a:spcPct val="100000"/>
-              </a:lnSpc>
-              <a:spcBef>
-                <a:spcPts val="0"/>
-              </a:spcBef>
-              <a:spcAft>
-                <a:spcPts val="0"/>
-              </a:spcAft>
-              <a:buClrTx/>
-              <a:buSzTx/>
-              <a:buFontTx/>
-              <a:buNone/>
-              <a:tabLst/>
-              <a:defRPr/>
-            </a:pPr>
-            <a:endParaRPr lang="en-GB" baseline="0" dirty="0" smtClean="0"/>
-          </a:p>
-          <a:p>
-            <a:r>
-              <a:rPr lang="en-GB" dirty="0" smtClean="0"/>
-              <a:t>Cross compatible, just need a machine that can run chromium to get most of the functionality.</a:t>
-            </a:r>
-          </a:p>
-          <a:p>
-            <a:endParaRPr lang="en-GB" dirty="0" smtClean="0"/>
-          </a:p>
-          <a:p>
-            <a:pPr marL="0" marR="0" lvl="0" indent="0" algn="l" defTabSz="914400" rtl="0" eaLnBrk="1" fontAlgn="auto" latinLnBrk="0" hangingPunct="1">
-              <a:lnSpc>
-                <a:spcPct val="100000"/>
-              </a:lnSpc>
-              <a:spcBef>
-                <a:spcPts val="0"/>
-              </a:spcBef>
-              <a:spcAft>
-                <a:spcPts val="0"/>
-              </a:spcAft>
-              <a:buClrTx/>
-              <a:buSzTx/>
-              <a:buFontTx/>
-              <a:buNone/>
-              <a:tabLst/>
-              <a:defRPr/>
-            </a:pPr>
-            <a:r>
-              <a:rPr lang="en-GB" dirty="0" smtClean="0"/>
-              <a:t>Sparked a lot of debate about how to structure a electron/React Desktop application</a:t>
-            </a:r>
-          </a:p>
-          <a:p>
-            <a:endParaRPr lang="en-GB" dirty="0" smtClean="0"/>
-          </a:p>
-          <a:p>
-            <a:pPr marL="0" marR="0" lvl="0" indent="0" algn="l" defTabSz="914400" rtl="0" eaLnBrk="1" fontAlgn="auto" latinLnBrk="0" hangingPunct="1">
-              <a:lnSpc>
-                <a:spcPct val="100000"/>
-              </a:lnSpc>
-              <a:spcBef>
-                <a:spcPts val="0"/>
-              </a:spcBef>
-              <a:spcAft>
-                <a:spcPts val="0"/>
-              </a:spcAft>
-              <a:buClrTx/>
-              <a:buSzTx/>
-              <a:buFontTx/>
-              <a:buNone/>
-              <a:tabLst/>
-              <a:defRPr/>
-            </a:pPr>
-            <a:endParaRPr lang="en-GB" dirty="0" smtClean="0"/>
-          </a:p>
-          <a:p>
-            <a:endParaRPr lang="en-GB" dirty="0" smtClean="0"/>
-          </a:p>
-          <a:p>
+              <a:t>If demo isn’t working, use video.</a:t>
+            </a:r>
             <a:endParaRPr lang="en-GB" dirty="0"/>
           </a:p>
         </p:txBody>
@@ -2384,7 +2695,7 @@
     </p:spTree>
     <p:extLst>
       <p:ext uri="{BB962C8B-B14F-4D97-AF65-F5344CB8AC3E}">
-        <p14:creationId xmlns:p14="http://schemas.microsoft.com/office/powerpoint/2010/main" val="1835355784"/>
+        <p14:creationId xmlns:p14="http://schemas.microsoft.com/office/powerpoint/2010/main" val="3045673817"/>
       </p:ext>
     </p:extLst>
   </p:cSld>
@@ -36747,7 +37058,7 @@
           <a:p>
             <a:r>
               <a:rPr lang="en-GB" dirty="0" smtClean="0"/>
-              <a:t>Our experience</a:t>
+              <a:t>Debugging the app</a:t>
             </a:r>
             <a:endParaRPr lang="en-GB" dirty="0"/>
           </a:p>
@@ -36775,62 +37086,68 @@
           <a:p>
             <a:r>
               <a:rPr lang="en-GB" dirty="0" smtClean="0"/>
-              <a:t>Quick to set up</a:t>
-            </a:r>
-          </a:p>
-          <a:p>
+              <a:t>Electron apps are generally broken into 2 parts.</a:t>
+            </a:r>
+          </a:p>
+          <a:p>
+            <a:pPr lvl="1"/>
             <a:r>
               <a:rPr lang="en-GB" dirty="0" smtClean="0"/>
-              <a:t>Simple to create a working application with just HTML and JS</a:t>
-            </a:r>
-          </a:p>
-          <a:p>
+              <a:t>Main process – Where the connection to the OS is and where the backend languages typically interact. Acts like the web backend.</a:t>
+            </a:r>
+          </a:p>
+          <a:p>
+            <a:pPr lvl="1"/>
             <a:r>
               <a:rPr lang="en-GB" dirty="0" smtClean="0"/>
-              <a:t>LOTS of </a:t>
+              <a:t>Render Process – Where the bit which is displayed is controlled. Treated largely like a website.</a:t>
+            </a:r>
+            <a:endParaRPr lang="en-GB" dirty="0"/>
+          </a:p>
+          <a:p>
+            <a:r>
+              <a:rPr lang="en-GB" dirty="0" smtClean="0"/>
+              <a:t>Debugging of the render process can be done using the built in chromium dev tools.</a:t>
+            </a:r>
+          </a:p>
+          <a:p>
+            <a:r>
+              <a:rPr lang="en-GB" dirty="0" smtClean="0"/>
+              <a:t>The main process can only be debugged in an IDE.</a:t>
+            </a:r>
+          </a:p>
+          <a:p>
+            <a:r>
+              <a:rPr lang="en-GB" dirty="0" smtClean="0"/>
+              <a:t>We have created a debugging profile which allows for both to be debugged in VS code at the same time.</a:t>
+            </a:r>
+            <a:endParaRPr lang="en-GB" dirty="0"/>
+          </a:p>
+          <a:p>
+            <a:r>
+              <a:rPr lang="en-GB" dirty="0" smtClean="0"/>
+              <a:t>Can integrate React Dev tools</a:t>
+            </a:r>
+          </a:p>
+          <a:p>
+            <a:r>
+              <a:rPr lang="en-GB" dirty="0" smtClean="0"/>
+              <a:t>Electron has a debug tool called </a:t>
             </a:r>
             <a:r>
               <a:rPr lang="en-GB" dirty="0" err="1" smtClean="0"/>
-              <a:t>npm</a:t>
+              <a:t>Devtron</a:t>
             </a:r>
             <a:r>
               <a:rPr lang="en-GB" dirty="0" smtClean="0"/>
-              <a:t> </a:t>
-            </a:r>
-            <a:endParaRPr lang="en-GB" dirty="0"/>
-          </a:p>
-          <a:p>
+              <a:t>.</a:t>
+            </a:r>
+          </a:p>
+          <a:p>
+            <a:pPr lvl="1"/>
             <a:r>
               <a:rPr lang="en-GB" dirty="0" smtClean="0"/>
-              <a:t>Many react modules available</a:t>
-            </a:r>
-          </a:p>
-          <a:p>
-            <a:r>
-              <a:rPr lang="en-GB" dirty="0" smtClean="0"/>
-              <a:t>Pretty popular framework </a:t>
-            </a:r>
-          </a:p>
-          <a:p>
-            <a:r>
-              <a:rPr lang="en-GB" dirty="0" smtClean="0"/>
-              <a:t>Cross compatible</a:t>
-            </a:r>
-          </a:p>
-          <a:p>
-            <a:r>
-              <a:rPr lang="en-GB" dirty="0" smtClean="0"/>
-              <a:t>Can be challenging to structure (nicely</a:t>
-            </a:r>
-            <a:r>
-              <a:rPr lang="en-GB" dirty="0" smtClean="0"/>
-              <a:t>)</a:t>
-            </a:r>
-          </a:p>
-          <a:p>
-            <a:r>
-              <a:rPr lang="en-GB" dirty="0" smtClean="0"/>
-              <a:t>The firewall can get in the way of some functions but nothing which we have not been able to work around.</a:t>
+              <a:t>Allows you to see internal communication and listeners</a:t>
             </a:r>
             <a:endParaRPr lang="en-GB" dirty="0" smtClean="0"/>
           </a:p>
@@ -36839,7 +37156,7 @@
     </p:spTree>
     <p:extLst>
       <p:ext uri="{BB962C8B-B14F-4D97-AF65-F5344CB8AC3E}">
-        <p14:creationId xmlns:p14="http://schemas.microsoft.com/office/powerpoint/2010/main" val="112153735"/>
+        <p14:creationId xmlns:p14="http://schemas.microsoft.com/office/powerpoint/2010/main" val="456410058"/>
       </p:ext>
     </p:extLst>
   </p:cSld>
@@ -36890,7 +37207,11 @@
           <a:p>
             <a:r>
               <a:rPr lang="en-GB" dirty="0" smtClean="0"/>
-              <a:t>Hastings Pier</a:t>
+              <a:t>Testing </a:t>
+            </a:r>
+            <a:r>
+              <a:rPr lang="en-GB" dirty="0" smtClean="0"/>
+              <a:t>the app</a:t>
             </a:r>
             <a:endParaRPr lang="en-GB" dirty="0"/>
           </a:p>
@@ -36916,82 +37237,92 @@
           <a:bodyPr/>
           <a:lstStyle/>
           <a:p>
+            <a:pPr marL="0" indent="0">
+              <a:buNone/>
+            </a:pPr>
             <a:r>
               <a:rPr lang="en-GB" dirty="0" smtClean="0"/>
-              <a:t>We have started work on the scaffolding for the toolbox application which we are calling “Pier”</a:t>
+              <a:t>There are several layers to test</a:t>
             </a:r>
           </a:p>
           <a:p>
             <a:r>
               <a:rPr lang="en-GB" dirty="0" smtClean="0"/>
-              <a:t>Implemented some core functionality such as:</a:t>
+              <a:t>For the UI, m</a:t>
+            </a:r>
+            <a:r>
+              <a:rPr lang="en-GB" dirty="0" smtClean="0"/>
+              <a:t>ain process and the TS backend we have tried JEST</a:t>
             </a:r>
           </a:p>
           <a:p>
             <a:pPr lvl="1"/>
             <a:r>
               <a:rPr lang="en-GB" dirty="0" smtClean="0"/>
-              <a:t>App switching</a:t>
+              <a:t>Created by </a:t>
+            </a:r>
+            <a:r>
+              <a:rPr lang="en-GB" dirty="0"/>
+              <a:t>F</a:t>
+            </a:r>
+            <a:r>
+              <a:rPr lang="en-GB" dirty="0" smtClean="0"/>
+              <a:t>acebook. Good for JS and TS testing</a:t>
+            </a:r>
+            <a:endParaRPr lang="en-GB" dirty="0" smtClean="0"/>
+          </a:p>
+          <a:p>
+            <a:endParaRPr lang="en-GB" dirty="0" smtClean="0"/>
+          </a:p>
+          <a:p>
+            <a:r>
+              <a:rPr lang="en-GB" dirty="0" smtClean="0"/>
+              <a:t>To perform integration tests </a:t>
+            </a:r>
+            <a:r>
+              <a:rPr lang="en-GB" dirty="0" err="1" smtClean="0"/>
+              <a:t>Spectron</a:t>
+            </a:r>
+            <a:r>
+              <a:rPr lang="en-GB" dirty="0" smtClean="0"/>
+              <a:t> is used.</a:t>
             </a:r>
           </a:p>
           <a:p>
             <a:pPr lvl="1"/>
             <a:r>
+              <a:rPr lang="en-GB" dirty="0" err="1" smtClean="0"/>
+              <a:t>Spectron</a:t>
+            </a:r>
+            <a:r>
               <a:rPr lang="en-GB" dirty="0" smtClean="0"/>
-              <a:t>Notifications</a:t>
-            </a:r>
-          </a:p>
-          <a:p>
-            <a:pPr lvl="1"/>
+              <a:t> is an Electron testing framework which give your tests access to the chromium and electron APIs. Its compatible with </a:t>
+            </a:r>
+            <a:r>
+              <a:rPr lang="en-GB" dirty="0" err="1" smtClean="0"/>
+              <a:t>webDriver</a:t>
+            </a:r>
             <a:r>
               <a:rPr lang="en-GB" dirty="0" smtClean="0"/>
-              <a:t>Saving to Local and persistent storage</a:t>
-            </a:r>
-          </a:p>
-          <a:p>
-            <a:pPr lvl="1"/>
+              <a:t> so you can use selenium to drive it.</a:t>
+            </a:r>
+          </a:p>
+          <a:p>
+            <a:endParaRPr lang="en-GB" dirty="0"/>
+          </a:p>
+          <a:p>
             <a:r>
               <a:rPr lang="en-GB" dirty="0" smtClean="0"/>
-              <a:t>Embedding </a:t>
-            </a:r>
-            <a:r>
-              <a:rPr lang="en-GB" dirty="0" err="1" smtClean="0"/>
-              <a:t>webviews</a:t>
-            </a:r>
-            <a:r>
-              <a:rPr lang="en-GB" dirty="0" smtClean="0"/>
-              <a:t> &amp; </a:t>
-            </a:r>
-            <a:r>
-              <a:rPr lang="en-GB" dirty="0" err="1" smtClean="0"/>
-              <a:t>BrowserViews</a:t>
+              <a:t>If you use a different backend language you would need to try a framework suited to that language</a:t>
             </a:r>
             <a:endParaRPr lang="en-GB" dirty="0" smtClean="0"/>
-          </a:p>
-          <a:p>
-            <a:r>
-              <a:rPr lang="en-GB" dirty="0" smtClean="0"/>
-              <a:t>While not set in stone we have some design structures we are working to in an attempt to form a standard design for apps to fit into</a:t>
-            </a:r>
-          </a:p>
-          <a:p>
-            <a:r>
-              <a:rPr lang="en-GB" dirty="0" smtClean="0"/>
-              <a:t>We have started to set up the testing frameworks needed for each language and created example tests for them.</a:t>
-            </a:r>
-          </a:p>
-          <a:p>
-            <a:r>
-              <a:rPr lang="en-GB" dirty="0" smtClean="0"/>
-              <a:t>It’s a learning experience so there almost certainly better ways to implement some things which is where the group effort comes in.</a:t>
-            </a:r>
           </a:p>
         </p:txBody>
       </p:sp>
     </p:spTree>
     <p:extLst>
       <p:ext uri="{BB962C8B-B14F-4D97-AF65-F5344CB8AC3E}">
-        <p14:creationId xmlns:p14="http://schemas.microsoft.com/office/powerpoint/2010/main" val="1525061268"/>
+        <p14:creationId xmlns:p14="http://schemas.microsoft.com/office/powerpoint/2010/main" val="3103595883"/>
       </p:ext>
     </p:extLst>
   </p:cSld>
@@ -37042,7 +37373,7 @@
           <a:p>
             <a:r>
               <a:rPr lang="en-GB" dirty="0" smtClean="0"/>
-              <a:t>Debugging the app</a:t>
+              <a:t>Our experience</a:t>
             </a:r>
             <a:endParaRPr lang="en-GB" dirty="0"/>
           </a:p>
@@ -37070,69 +37401,77 @@
           <a:p>
             <a:r>
               <a:rPr lang="en-GB" dirty="0" smtClean="0"/>
-              <a:t>Electron apps are generally broken into 2 parts.</a:t>
-            </a:r>
-          </a:p>
-          <a:p>
-            <a:pPr lvl="1"/>
+              <a:t>Quick to set up</a:t>
+            </a:r>
+          </a:p>
+          <a:p>
             <a:r>
               <a:rPr lang="en-GB" dirty="0" smtClean="0"/>
-              <a:t>Main process – Where the connection to the OS is and where the backend languages typically interact. Acts like the web backend.</a:t>
-            </a:r>
-          </a:p>
-          <a:p>
-            <a:pPr lvl="1"/>
+              <a:t>Simple to create a working application with just HTML and JS</a:t>
+            </a:r>
+          </a:p>
+          <a:p>
             <a:r>
               <a:rPr lang="en-GB" dirty="0" smtClean="0"/>
-              <a:t>Render Process – Where the bit which is displayed is controlled. Treated largely like a website.</a:t>
+              <a:t>LOTS of </a:t>
+            </a:r>
+            <a:r>
+              <a:rPr lang="en-GB" dirty="0" err="1" smtClean="0"/>
+              <a:t>npm</a:t>
+            </a:r>
+            <a:r>
+              <a:rPr lang="en-GB" dirty="0" smtClean="0"/>
+              <a:t> </a:t>
             </a:r>
             <a:endParaRPr lang="en-GB" dirty="0"/>
           </a:p>
           <a:p>
             <a:r>
               <a:rPr lang="en-GB" dirty="0" smtClean="0"/>
-              <a:t>Debugging of the render process can be done using the built in chromium dev tools.</a:t>
+              <a:t>Many react modules available</a:t>
             </a:r>
           </a:p>
           <a:p>
             <a:r>
               <a:rPr lang="en-GB" dirty="0" smtClean="0"/>
-              <a:t>The main process can only be debugged in an IDE.</a:t>
+              <a:t>Pretty popular framework </a:t>
             </a:r>
           </a:p>
           <a:p>
             <a:r>
               <a:rPr lang="en-GB" dirty="0" smtClean="0"/>
-              <a:t>We have created a debugging profile which allows for both to be debugged in VS code at the same time.</a:t>
-            </a:r>
-            <a:endParaRPr lang="en-GB" dirty="0"/>
+              <a:t>Cross compatible</a:t>
+            </a:r>
           </a:p>
           <a:p>
             <a:r>
               <a:rPr lang="en-GB" dirty="0" smtClean="0"/>
-              <a:t>Can integrate React Dev tools</a:t>
-            </a:r>
-          </a:p>
-          <a:p>
+              <a:t>Can be challenging to structure </a:t>
+            </a:r>
             <a:r>
               <a:rPr lang="en-GB" dirty="0" smtClean="0"/>
-              <a:t>Electron has a debug tool called </a:t>
-            </a:r>
-            <a:r>
-              <a:rPr lang="en-GB" dirty="0" err="1" smtClean="0"/>
-              <a:t>Devtron</a:t>
-            </a:r>
+              <a:t>nicely</a:t>
+            </a:r>
+          </a:p>
+          <a:p>
             <a:r>
               <a:rPr lang="en-GB" dirty="0" smtClean="0"/>
-              <a:t>.</a:t>
-            </a:r>
+              <a:t>The firewall can get in the way of some functions but nothing which we have not been able to work around.</a:t>
+            </a:r>
+          </a:p>
+          <a:p>
+            <a:r>
+              <a:rPr lang="en-GB" dirty="0" smtClean="0"/>
+              <a:t>Easy to deploy</a:t>
+            </a:r>
+            <a:endParaRPr lang="en-GB" dirty="0" smtClean="0"/>
           </a:p>
         </p:txBody>
       </p:sp>
     </p:spTree>
     <p:extLst>
       <p:ext uri="{BB962C8B-B14F-4D97-AF65-F5344CB8AC3E}">
-        <p14:creationId xmlns:p14="http://schemas.microsoft.com/office/powerpoint/2010/main" val="456410058"/>
+        <p14:creationId xmlns:p14="http://schemas.microsoft.com/office/powerpoint/2010/main" val="112153735"/>
       </p:ext>
     </p:extLst>
   </p:cSld>
@@ -37150,6 +37489,158 @@
 </file>
 
 <file path=ppt/slides/slide13.xml><?xml version="1.0" encoding="utf-8"?>
+<p:sld xmlns:a="http://schemas.openxmlformats.org/drawingml/2006/main" xmlns:r="http://schemas.openxmlformats.org/officeDocument/2006/relationships" xmlns:p="http://schemas.openxmlformats.org/presentationml/2006/main">
+  <p:cSld>
+    <p:spTree>
+      <p:nvGrpSpPr>
+        <p:cNvPr id="1" name=""/>
+        <p:cNvGrpSpPr/>
+        <p:nvPr/>
+      </p:nvGrpSpPr>
+      <p:grpSpPr>
+        <a:xfrm>
+          <a:off x="0" y="0"/>
+          <a:ext cx="0" cy="0"/>
+          <a:chOff x="0" y="0"/>
+          <a:chExt cx="0" cy="0"/>
+        </a:xfrm>
+      </p:grpSpPr>
+      <p:sp>
+        <p:nvSpPr>
+          <p:cNvPr id="2" name="Text Placeholder 1"/>
+          <p:cNvSpPr>
+            <a:spLocks noGrp="1"/>
+          </p:cNvSpPr>
+          <p:nvPr>
+            <p:ph type="body" sz="quarter" idx="13"/>
+          </p:nvPr>
+        </p:nvSpPr>
+        <p:spPr/>
+        <p:txBody>
+          <a:bodyPr/>
+          <a:lstStyle/>
+          <a:p>
+            <a:r>
+              <a:rPr lang="en-GB" dirty="0" smtClean="0"/>
+              <a:t>Hastings Pier</a:t>
+            </a:r>
+            <a:endParaRPr lang="en-GB" dirty="0"/>
+          </a:p>
+        </p:txBody>
+      </p:sp>
+      <p:sp>
+        <p:nvSpPr>
+          <p:cNvPr id="3" name="Text Placeholder 2"/>
+          <p:cNvSpPr>
+            <a:spLocks noGrp="1"/>
+          </p:cNvSpPr>
+          <p:nvPr>
+            <p:ph type="body" sz="quarter" idx="14"/>
+          </p:nvPr>
+        </p:nvSpPr>
+        <p:spPr>
+          <a:xfrm>
+            <a:off x="531044" y="962948"/>
+            <a:ext cx="8092800" cy="5346372"/>
+          </a:xfrm>
+        </p:spPr>
+        <p:txBody>
+          <a:bodyPr/>
+          <a:lstStyle/>
+          <a:p>
+            <a:r>
+              <a:rPr lang="en-GB" dirty="0" smtClean="0"/>
+              <a:t>We have started work on the scaffolding for the toolbox application which we are calling “Pier”</a:t>
+            </a:r>
+          </a:p>
+          <a:p>
+            <a:r>
+              <a:rPr lang="en-GB" dirty="0" smtClean="0"/>
+              <a:t>Implemented some core functionality such as:</a:t>
+            </a:r>
+          </a:p>
+          <a:p>
+            <a:pPr lvl="1"/>
+            <a:r>
+              <a:rPr lang="en-GB" dirty="0" smtClean="0"/>
+              <a:t>App switching</a:t>
+            </a:r>
+          </a:p>
+          <a:p>
+            <a:pPr lvl="1"/>
+            <a:r>
+              <a:rPr lang="en-GB" dirty="0" smtClean="0"/>
+              <a:t>Notifications</a:t>
+            </a:r>
+          </a:p>
+          <a:p>
+            <a:pPr lvl="1"/>
+            <a:r>
+              <a:rPr lang="en-GB" dirty="0" smtClean="0"/>
+              <a:t>Saving to Local and persistent storage</a:t>
+            </a:r>
+          </a:p>
+          <a:p>
+            <a:pPr lvl="1"/>
+            <a:r>
+              <a:rPr lang="en-GB" dirty="0" smtClean="0"/>
+              <a:t>Embedding </a:t>
+            </a:r>
+            <a:r>
+              <a:rPr lang="en-GB" dirty="0" err="1" smtClean="0"/>
+              <a:t>webviews</a:t>
+            </a:r>
+            <a:r>
+              <a:rPr lang="en-GB" dirty="0" smtClean="0"/>
+              <a:t> &amp; </a:t>
+            </a:r>
+            <a:r>
+              <a:rPr lang="en-GB" dirty="0" err="1" smtClean="0"/>
+              <a:t>BrowserViews</a:t>
+            </a:r>
+            <a:endParaRPr lang="en-GB" dirty="0" smtClean="0"/>
+          </a:p>
+          <a:p>
+            <a:r>
+              <a:rPr lang="en-GB" dirty="0" smtClean="0"/>
+              <a:t>While not set in stone we have some design structures we are working to in an attempt to form a standard design for apps to fit into</a:t>
+            </a:r>
+          </a:p>
+          <a:p>
+            <a:r>
+              <a:rPr lang="en-GB" dirty="0" smtClean="0"/>
+              <a:t>We have started to set up the testing frameworks needed for each language and created example tests for them.</a:t>
+            </a:r>
+          </a:p>
+          <a:p>
+            <a:r>
+              <a:rPr lang="en-GB" dirty="0" smtClean="0"/>
+              <a:t>It’s a learning experience so there almost certainly better ways to implement some things which is where the group effort comes in.</a:t>
+            </a:r>
+          </a:p>
+        </p:txBody>
+      </p:sp>
+    </p:spTree>
+    <p:extLst>
+      <p:ext uri="{BB962C8B-B14F-4D97-AF65-F5344CB8AC3E}">
+        <p14:creationId xmlns:p14="http://schemas.microsoft.com/office/powerpoint/2010/main" val="1525061268"/>
+      </p:ext>
+    </p:extLst>
+  </p:cSld>
+  <p:clrMapOvr>
+    <a:masterClrMapping/>
+  </p:clrMapOvr>
+  <p:timing>
+    <p:tnLst>
+      <p:par>
+        <p:cTn id="1" dur="indefinite" restart="never" nodeType="tmRoot"/>
+      </p:par>
+    </p:tnLst>
+  </p:timing>
+</p:sld>
+</file>
+
+<file path=ppt/slides/slide14.xml><?xml version="1.0" encoding="utf-8"?>
 <p:sld xmlns:a="http://schemas.openxmlformats.org/drawingml/2006/main" xmlns:r="http://schemas.openxmlformats.org/officeDocument/2006/relationships" xmlns:p="http://schemas.openxmlformats.org/presentationml/2006/main">
   <p:cSld>
     <p:spTree>
@@ -37199,6 +37690,38 @@
           </a:prstGeom>
         </p:spPr>
       </p:pic>
+      <p:sp>
+        <p:nvSpPr>
+          <p:cNvPr id="4" name="Text Placeholder 1"/>
+          <p:cNvSpPr>
+            <a:spLocks noGrp="1"/>
+          </p:cNvSpPr>
+          <p:nvPr>
+            <p:ph type="body" sz="quarter" idx="13"/>
+          </p:nvPr>
+        </p:nvSpPr>
+        <p:spPr>
+          <a:xfrm>
+            <a:off x="531045" y="449367"/>
+            <a:ext cx="6849268" cy="513581"/>
+          </a:xfrm>
+        </p:spPr>
+        <p:txBody>
+          <a:bodyPr/>
+          <a:lstStyle/>
+          <a:p>
+            <a:r>
+              <a:rPr lang="en-GB" dirty="0" smtClean="0"/>
+              <a:t>Hastings </a:t>
+            </a:r>
+            <a:r>
+              <a:rPr lang="en-GB" dirty="0" smtClean="0"/>
+              <a:t>Pier - Demo</a:t>
+            </a:r>
+            <a:endParaRPr lang="en-GB" dirty="0"/>
+          </a:p>
+        </p:txBody>
+      </p:sp>
     </p:spTree>
     <p:extLst>
       <p:ext uri="{BB962C8B-B14F-4D97-AF65-F5344CB8AC3E}">
@@ -37292,6 +37815,196 @@
 </p:sld>
 </file>
 
+<file path=ppt/slides/slide15.xml><?xml version="1.0" encoding="utf-8"?>
+<p:sld xmlns:a="http://schemas.openxmlformats.org/drawingml/2006/main" xmlns:r="http://schemas.openxmlformats.org/officeDocument/2006/relationships" xmlns:p="http://schemas.openxmlformats.org/presentationml/2006/main">
+  <p:cSld>
+    <p:spTree>
+      <p:nvGrpSpPr>
+        <p:cNvPr id="1" name=""/>
+        <p:cNvGrpSpPr/>
+        <p:nvPr/>
+      </p:nvGrpSpPr>
+      <p:grpSpPr>
+        <a:xfrm>
+          <a:off x="0" y="0"/>
+          <a:ext cx="0" cy="0"/>
+          <a:chOff x="0" y="0"/>
+          <a:chExt cx="0" cy="0"/>
+        </a:xfrm>
+      </p:grpSpPr>
+      <p:sp>
+        <p:nvSpPr>
+          <p:cNvPr id="2" name="Text Placeholder 1"/>
+          <p:cNvSpPr>
+            <a:spLocks noGrp="1"/>
+          </p:cNvSpPr>
+          <p:nvPr>
+            <p:ph type="body" sz="quarter" idx="13"/>
+          </p:nvPr>
+        </p:nvSpPr>
+        <p:spPr/>
+        <p:txBody>
+          <a:bodyPr/>
+          <a:lstStyle/>
+          <a:p>
+            <a:r>
+              <a:rPr lang="en-GB" dirty="0" smtClean="0"/>
+              <a:t>Hastings </a:t>
+            </a:r>
+            <a:r>
+              <a:rPr lang="en-GB" dirty="0" smtClean="0"/>
+              <a:t>Pier - Hackathon</a:t>
+            </a:r>
+            <a:endParaRPr lang="en-GB" dirty="0"/>
+          </a:p>
+        </p:txBody>
+      </p:sp>
+      <p:sp>
+        <p:nvSpPr>
+          <p:cNvPr id="3" name="Text Placeholder 2"/>
+          <p:cNvSpPr>
+            <a:spLocks noGrp="1"/>
+          </p:cNvSpPr>
+          <p:nvPr>
+            <p:ph type="body" sz="quarter" idx="14"/>
+          </p:nvPr>
+        </p:nvSpPr>
+        <p:spPr>
+          <a:xfrm>
+            <a:off x="531044" y="962948"/>
+            <a:ext cx="8092800" cy="5346372"/>
+          </a:xfrm>
+        </p:spPr>
+        <p:txBody>
+          <a:bodyPr/>
+          <a:lstStyle/>
+          <a:p>
+            <a:pPr marL="0" indent="0">
+              <a:buNone/>
+            </a:pPr>
+            <a:r>
+              <a:rPr lang="en-GB" dirty="0" smtClean="0"/>
+              <a:t>For the hackathon we have a few ideas how we want to proceed:</a:t>
+            </a:r>
+          </a:p>
+          <a:p>
+            <a:r>
+              <a:rPr lang="en-GB" dirty="0" smtClean="0"/>
+              <a:t>Writing tests for the existing functionality</a:t>
+            </a:r>
+          </a:p>
+          <a:p>
+            <a:r>
+              <a:rPr lang="en-GB" dirty="0" smtClean="0"/>
+              <a:t>Improving the core application and getting interested parties up to speed on where we are.</a:t>
+            </a:r>
+          </a:p>
+          <a:p>
+            <a:r>
+              <a:rPr lang="en-GB" dirty="0" smtClean="0"/>
+              <a:t>Getting some people to start on building applications/their hackathon ideas within the toolbox.</a:t>
+            </a:r>
+          </a:p>
+          <a:p>
+            <a:r>
+              <a:rPr lang="en-GB" dirty="0" smtClean="0"/>
+              <a:t>Design the default look and feel.</a:t>
+            </a:r>
+          </a:p>
+          <a:p>
+            <a:pPr lvl="1"/>
+            <a:r>
+              <a:rPr lang="en-GB" dirty="0" smtClean="0"/>
+              <a:t>There are a few components in the library and all could use styling.</a:t>
+            </a:r>
+          </a:p>
+        </p:txBody>
+      </p:sp>
+    </p:spTree>
+    <p:extLst>
+      <p:ext uri="{BB962C8B-B14F-4D97-AF65-F5344CB8AC3E}">
+        <p14:creationId xmlns:p14="http://schemas.microsoft.com/office/powerpoint/2010/main" val="1988629317"/>
+      </p:ext>
+    </p:extLst>
+  </p:cSld>
+  <p:clrMapOvr>
+    <a:masterClrMapping/>
+  </p:clrMapOvr>
+  <p:timing>
+    <p:tnLst>
+      <p:par>
+        <p:cTn id="1" dur="indefinite" restart="never" nodeType="tmRoot"/>
+      </p:par>
+    </p:tnLst>
+  </p:timing>
+</p:sld>
+</file>
+
+<file path=ppt/slides/slide16.xml><?xml version="1.0" encoding="utf-8"?>
+<p:sld xmlns:a="http://schemas.openxmlformats.org/drawingml/2006/main" xmlns:r="http://schemas.openxmlformats.org/officeDocument/2006/relationships" xmlns:p="http://schemas.openxmlformats.org/presentationml/2006/main">
+  <p:cSld>
+    <p:spTree>
+      <p:nvGrpSpPr>
+        <p:cNvPr id="1" name=""/>
+        <p:cNvGrpSpPr/>
+        <p:nvPr/>
+      </p:nvGrpSpPr>
+      <p:grpSpPr>
+        <a:xfrm>
+          <a:off x="0" y="0"/>
+          <a:ext cx="0" cy="0"/>
+          <a:chOff x="0" y="0"/>
+          <a:chExt cx="0" cy="0"/>
+        </a:xfrm>
+      </p:grpSpPr>
+      <p:sp>
+        <p:nvSpPr>
+          <p:cNvPr id="2" name="Text Placeholder 1"/>
+          <p:cNvSpPr>
+            <a:spLocks noGrp="1"/>
+          </p:cNvSpPr>
+          <p:nvPr>
+            <p:ph type="body" sz="quarter" idx="13"/>
+          </p:nvPr>
+        </p:nvSpPr>
+        <p:spPr>
+          <a:xfrm>
+            <a:off x="1403648" y="2852936"/>
+            <a:ext cx="6849268" cy="513581"/>
+          </a:xfrm>
+        </p:spPr>
+        <p:txBody>
+          <a:bodyPr/>
+          <a:lstStyle/>
+          <a:p>
+            <a:r>
+              <a:rPr lang="en-GB" dirty="0" smtClean="0"/>
+              <a:t>Thank you. Any questions/comments?</a:t>
+            </a:r>
+            <a:endParaRPr lang="en-GB" dirty="0"/>
+          </a:p>
+        </p:txBody>
+      </p:sp>
+    </p:spTree>
+    <p:extLst>
+      <p:ext uri="{BB962C8B-B14F-4D97-AF65-F5344CB8AC3E}">
+        <p14:creationId xmlns:p14="http://schemas.microsoft.com/office/powerpoint/2010/main" val="3255795511"/>
+      </p:ext>
+    </p:extLst>
+  </p:cSld>
+  <p:clrMapOvr>
+    <a:masterClrMapping/>
+  </p:clrMapOvr>
+  <p:timing>
+    <p:tnLst>
+      <p:par>
+        <p:cTn id="1" dur="indefinite" restart="never" nodeType="tmRoot"/>
+      </p:par>
+    </p:tnLst>
+  </p:timing>
+</p:sld>
+</file>
+
 <file path=ppt/slides/slide2.xml><?xml version="1.0" encoding="utf-8"?>
 <p:sld xmlns:a="http://schemas.openxmlformats.org/drawingml/2006/main" xmlns:r="http://schemas.openxmlformats.org/officeDocument/2006/relationships" xmlns:p="http://schemas.openxmlformats.org/presentationml/2006/main">
   <p:cSld>
@@ -37396,8 +38109,15 @@
           <a:p>
             <a:r>
               <a:rPr lang="en-GB" sz="1500" dirty="0" smtClean="0"/>
-              <a:t>React and Electron</a:t>
-            </a:r>
+              <a:t>Why should you care</a:t>
+            </a:r>
+          </a:p>
+          <a:p>
+            <a:r>
+              <a:rPr lang="en-GB" sz="1500" dirty="0" smtClean="0"/>
+              <a:t>Electron pro’s and cons</a:t>
+            </a:r>
+            <a:endParaRPr lang="en-GB" sz="1500" dirty="0" smtClean="0"/>
           </a:p>
           <a:p>
             <a:r>
@@ -37406,8 +38126,19 @@
             </a:r>
             <a:r>
               <a:rPr lang="en-GB" sz="1500" dirty="0" smtClean="0"/>
-              <a:t>up Electron</a:t>
-            </a:r>
+              <a:t>up </a:t>
+            </a:r>
+            <a:r>
+              <a:rPr lang="en-GB" sz="1500" dirty="0" smtClean="0"/>
+              <a:t>Electron</a:t>
+            </a:r>
+          </a:p>
+          <a:p>
+            <a:r>
+              <a:rPr lang="en-GB" sz="1500" dirty="0" smtClean="0"/>
+              <a:t>Languages</a:t>
+            </a:r>
+            <a:endParaRPr lang="en-GB" sz="1500" dirty="0" smtClean="0"/>
           </a:p>
           <a:p>
             <a:r>
@@ -37439,53 +38170,49 @@
           <a:p>
             <a:r>
               <a:rPr lang="en-GB" sz="1500" dirty="0" smtClean="0"/>
-              <a:t>Our use of it</a:t>
-            </a:r>
-          </a:p>
-          <a:p>
-            <a:pPr lvl="1"/>
+              <a:t>Debugging</a:t>
+            </a:r>
+          </a:p>
+          <a:p>
             <a:r>
               <a:rPr lang="en-GB" sz="1500" dirty="0" smtClean="0"/>
-              <a:t>Lessons learned about Electron</a:t>
-            </a:r>
-          </a:p>
-          <a:p>
-            <a:pPr lvl="1"/>
+              <a:t>Testing</a:t>
+            </a:r>
+          </a:p>
+          <a:p>
             <a:r>
               <a:rPr lang="en-GB" sz="1500" dirty="0" smtClean="0"/>
-              <a:t>Lessons learned about React</a:t>
-            </a:r>
-          </a:p>
-          <a:p>
-            <a:pPr lvl="1"/>
+              <a:t>Our experience with Electron and using it</a:t>
+            </a:r>
+            <a:endParaRPr lang="en-GB" sz="1500" dirty="0" smtClean="0"/>
+          </a:p>
+          <a:p>
             <a:r>
               <a:rPr lang="en-GB" sz="1500" dirty="0" smtClean="0"/>
-              <a:t>Questions raised</a:t>
-            </a:r>
-          </a:p>
-          <a:p>
+              <a:t>“</a:t>
+            </a:r>
             <a:r>
               <a:rPr lang="en-GB" sz="1500" dirty="0" smtClean="0"/>
-              <a:t>Why as a company Electron is interesting</a:t>
-            </a:r>
-          </a:p>
-          <a:p>
-            <a:pPr lvl="1"/>
+              <a:t>Hastings Pier</a:t>
+            </a:r>
             <a:r>
               <a:rPr lang="en-GB" sz="1500" dirty="0" smtClean="0"/>
-              <a:t>Internal value instead of customer facing</a:t>
-            </a:r>
-          </a:p>
-          <a:p>
-            <a:pPr lvl="1"/>
+              <a:t>”</a:t>
+            </a:r>
+            <a:endParaRPr lang="en-GB" sz="1500" dirty="0"/>
+          </a:p>
+          <a:p>
             <a:r>
               <a:rPr lang="en-GB" sz="1500" dirty="0" smtClean="0"/>
-              <a:t>“Hastings Pier”</a:t>
-            </a:r>
-          </a:p>
-          <a:p>
-            <a:pPr lvl="1"/>
-            <a:endParaRPr lang="en-GB" sz="1500" dirty="0"/>
+              <a:t>Demo</a:t>
+            </a:r>
+          </a:p>
+          <a:p>
+            <a:r>
+              <a:rPr lang="en-GB" sz="1500" dirty="0" smtClean="0"/>
+              <a:t>Hackathon</a:t>
+            </a:r>
+            <a:endParaRPr lang="en-GB" sz="1500" dirty="0" smtClean="0"/>
           </a:p>
         </p:txBody>
       </p:sp>
@@ -37866,60 +38593,15 @@
             </a:r>
           </a:p>
           <a:p>
-            <a:endParaRPr lang="en-GB" dirty="0"/>
-          </a:p>
-          <a:p>
-            <a:r>
-              <a:rPr lang="en-GB" dirty="0" smtClean="0"/>
-              <a:t>For this Hackathon we propose the creation of an Electron based, React fronted Hastings Toolkit. Somewhere for all the little applications to live so they can actually be used and easily distributed instead of mostly just being a fun little diversion for a few days</a:t>
-            </a:r>
+            <a:pPr marL="0" indent="0">
+              <a:buNone/>
+            </a:pPr>
+            <a:endParaRPr lang="en-GB" dirty="0" smtClean="0"/>
+          </a:p>
+          <a:p>
             <a:r>
               <a:rPr lang="en-GB" dirty="0"/>
-              <a:t>. </a:t>
-            </a:r>
-          </a:p>
-          <a:p>
-            <a:endParaRPr lang="en-GB" dirty="0" smtClean="0"/>
-          </a:p>
-          <a:p>
-            <a:r>
-              <a:rPr lang="en-GB" dirty="0" smtClean="0"/>
-              <a:t>Flexible </a:t>
-            </a:r>
-            <a:r>
-              <a:rPr lang="en-GB" dirty="0"/>
-              <a:t>platform to experiment with React</a:t>
-            </a:r>
-          </a:p>
-          <a:p>
-            <a:endParaRPr lang="en-GB" dirty="0" smtClean="0"/>
-          </a:p>
-          <a:p>
-            <a:r>
-              <a:rPr lang="en-GB" dirty="0" smtClean="0"/>
-              <a:t>Easy </a:t>
-            </a:r>
-            <a:r>
-              <a:rPr lang="en-GB" dirty="0"/>
-              <a:t>to spin </a:t>
-            </a:r>
-            <a:r>
-              <a:rPr lang="en-GB" dirty="0" smtClean="0"/>
-              <a:t>up*(but wont work today per sods law)</a:t>
-            </a:r>
-            <a:endParaRPr lang="en-GB" dirty="0"/>
-          </a:p>
-          <a:p>
-            <a:endParaRPr lang="en-GB" dirty="0" smtClean="0"/>
-          </a:p>
-          <a:p>
-            <a:r>
-              <a:rPr lang="en-GB" dirty="0" smtClean="0"/>
-              <a:t>Simple </a:t>
-            </a:r>
-            <a:r>
-              <a:rPr lang="en-GB" dirty="0"/>
-              <a:t>to distribute</a:t>
+              <a:t>For this Hackathon we propose the creation of an Electron based, React fronted Hastings Toolkit. Somewhere for all the little applications to live so they can actually be used and easily distributed instead of mostly just being a fun little diversion for a few days. </a:t>
             </a:r>
           </a:p>
           <a:p>
@@ -38126,7 +38808,7 @@
       </p:grpSpPr>
       <p:sp>
         <p:nvSpPr>
-          <p:cNvPr id="2" name="Text Placeholder 1"/>
+          <p:cNvPr id="3" name="Text Placeholder 2"/>
           <p:cNvSpPr>
             <a:spLocks noGrp="1"/>
           </p:cNvSpPr>
@@ -38141,15 +38823,7 @@
           <a:p>
             <a:r>
               <a:rPr lang="en-GB" dirty="0" smtClean="0"/>
-              <a:t>React, </a:t>
-            </a:r>
-            <a:r>
-              <a:rPr lang="en-GB" dirty="0" err="1" smtClean="0"/>
-              <a:t>TypeScript</a:t>
-            </a:r>
-            <a:r>
-              <a:rPr lang="en-GB" dirty="0" smtClean="0"/>
-              <a:t> and Electron</a:t>
+              <a:t>Setting up Electron</a:t>
             </a:r>
             <a:endParaRPr lang="en-GB" dirty="0"/>
           </a:p>
@@ -38157,7 +38831,7 @@
       </p:sp>
       <p:sp>
         <p:nvSpPr>
-          <p:cNvPr id="3" name="Text Placeholder 2"/>
+          <p:cNvPr id="4" name="Text Placeholder 3"/>
           <p:cNvSpPr>
             <a:spLocks noGrp="1"/>
           </p:cNvSpPr>
@@ -38167,7 +38841,7 @@
         </p:nvSpPr>
         <p:spPr>
           <a:xfrm>
-            <a:off x="539239" y="962948"/>
+            <a:off x="531045" y="962948"/>
             <a:ext cx="8092800" cy="4968552"/>
           </a:xfrm>
         </p:spPr>
@@ -38175,158 +38849,56 @@
           <a:bodyPr/>
           <a:lstStyle/>
           <a:p>
-            <a:pPr marL="0" indent="0">
-              <a:buNone/>
-            </a:pPr>
             <a:r>
               <a:rPr lang="en-GB" dirty="0" smtClean="0"/>
-              <a:t>Electron</a:t>
-            </a:r>
-            <a:endParaRPr lang="en-GB" dirty="0"/>
-          </a:p>
-          <a:p>
-            <a:pPr marL="0" indent="0">
-              <a:buNone/>
-            </a:pPr>
-            <a:r>
-              <a:rPr lang="en-GB" dirty="0" err="1"/>
-              <a:t>app.on</a:t>
-            </a:r>
-            <a:r>
-              <a:rPr lang="en-GB" dirty="0"/>
-              <a:t>("ready", </a:t>
-            </a:r>
-            <a:r>
-              <a:rPr lang="en-GB" dirty="0" err="1"/>
-              <a:t>createWindow</a:t>
-            </a:r>
-            <a:r>
-              <a:rPr lang="en-GB" dirty="0"/>
-              <a:t>);</a:t>
-            </a:r>
-          </a:p>
-          <a:p>
-            <a:pPr marL="0" indent="0">
-              <a:buNone/>
-            </a:pPr>
-            <a:endParaRPr lang="en-GB" dirty="0"/>
-          </a:p>
-          <a:p>
-            <a:pPr marL="0" indent="0">
-              <a:buNone/>
-            </a:pPr>
+              <a:t>There are MANY tutorials but the one we have had most </a:t>
+            </a:r>
             <a:r>
               <a:rPr lang="en-GB" dirty="0" smtClean="0"/>
-              <a:t>React</a:t>
-            </a:r>
-          </a:p>
-          <a:p>
-            <a:pPr marL="0" indent="0">
-              <a:buNone/>
-            </a:pPr>
-            <a:r>
-              <a:rPr lang="en-GB" dirty="0" err="1" smtClean="0"/>
-              <a:t>const</a:t>
+              <a:t>consistency good results </a:t>
             </a:r>
             <a:r>
               <a:rPr lang="en-GB" dirty="0" smtClean="0"/>
-              <a:t> </a:t>
-            </a:r>
-            <a:r>
-              <a:rPr lang="en-GB" dirty="0"/>
-              <a:t>element = </a:t>
-            </a:r>
-            <a:r>
-              <a:rPr lang="en-GB" dirty="0" err="1"/>
-              <a:t>React.createElement</a:t>
-            </a:r>
-            <a:r>
-              <a:rPr lang="en-GB" dirty="0"/>
-              <a:t>("h1", null, "Hello, world</a:t>
-            </a:r>
+              <a:t>with is:</a:t>
+            </a:r>
+          </a:p>
+          <a:p>
+            <a:pPr lvl="1"/>
+            <a:r>
+              <a:rPr lang="en-GB" dirty="0">
+                <a:hlinkClick r:id="rId2"/>
+              </a:rPr>
+              <a:t>https://</a:t>
+            </a:r>
+            <a:r>
+              <a:rPr lang="en-GB" dirty="0" smtClean="0">
+                <a:hlinkClick r:id="rId2"/>
+              </a:rPr>
+              <a:t>itnext.io/create-desktop-with-electron-react-and-c-86f9765809b7</a:t>
+            </a:r>
+            <a:endParaRPr lang="en-GB" dirty="0" smtClean="0"/>
+          </a:p>
+          <a:p>
+            <a:pPr lvl="1"/>
             <a:r>
               <a:rPr lang="en-GB" dirty="0" smtClean="0"/>
-              <a:t>!");</a:t>
-            </a:r>
-          </a:p>
-          <a:p>
-            <a:pPr marL="0" indent="0">
-              <a:buNone/>
-            </a:pPr>
-            <a:endParaRPr lang="en-GB" dirty="0"/>
-          </a:p>
-          <a:p>
-            <a:pPr marL="0" indent="0">
-              <a:buNone/>
-            </a:pPr>
-            <a:r>
-              <a:rPr lang="en-GB" dirty="0" err="1" smtClean="0"/>
-              <a:t>Bable</a:t>
-            </a:r>
+              <a:t>Has some specific steps for one way of integrating C# backend but those steps can be skipped.</a:t>
+            </a:r>
+          </a:p>
+          <a:p>
             <a:r>
               <a:rPr lang="en-GB" dirty="0" smtClean="0"/>
-              <a:t> (JSX)</a:t>
-            </a:r>
-          </a:p>
-          <a:p>
-            <a:pPr marL="0" indent="0">
-              <a:buNone/>
-            </a:pPr>
-            <a:r>
-              <a:rPr lang="en-GB" dirty="0" err="1"/>
-              <a:t>const</a:t>
-            </a:r>
-            <a:r>
-              <a:rPr lang="en-GB" dirty="0"/>
-              <a:t> element = &lt;h1&gt;Hello, world!&lt;/h1</a:t>
+              <a:t>We have created an empty project which is set up for Electron and React. If you are interested we can share </a:t>
             </a:r>
             <a:r>
               <a:rPr lang="en-GB" dirty="0" smtClean="0"/>
-              <a:t>&gt;;</a:t>
-            </a:r>
-          </a:p>
-          <a:p>
-            <a:pPr marL="0" indent="0">
-              <a:buNone/>
-            </a:pPr>
-            <a:endParaRPr lang="en-GB" dirty="0"/>
-          </a:p>
-          <a:p>
-            <a:pPr marL="0" indent="0">
-              <a:buNone/>
-            </a:pPr>
-            <a:r>
-              <a:rPr lang="en-GB" dirty="0" err="1" smtClean="0"/>
-              <a:t>TypeScript</a:t>
-            </a:r>
-            <a:endParaRPr lang="en-GB" dirty="0" smtClean="0"/>
-          </a:p>
-          <a:p>
-            <a:pPr marL="0" indent="0">
-              <a:buNone/>
-            </a:pPr>
+              <a:t>it. Hopefully with Git being adopted we will be able to place a blank electron app there for anyone to pull and have a head start.</a:t>
+            </a:r>
+          </a:p>
+          <a:p>
             <a:r>
               <a:rPr lang="en-GB" dirty="0" smtClean="0"/>
-              <a:t>function (person: string): string {</a:t>
-            </a:r>
-          </a:p>
-          <a:p>
-            <a:pPr marL="0" indent="0">
-              <a:buNone/>
-            </a:pPr>
-            <a:r>
-              <a:rPr lang="en-GB" dirty="0" smtClean="0"/>
-              <a:t>	return “Hello” + person</a:t>
-            </a:r>
-            <a:endParaRPr lang="en-GB" dirty="0"/>
-          </a:p>
-          <a:p>
-            <a:pPr marL="0" indent="0">
-              <a:buNone/>
-            </a:pPr>
-            <a:r>
-              <a:rPr lang="en-GB" dirty="0" smtClean="0"/>
-              <a:t>}</a:t>
+              <a:t>We have used VS Code for our development so our experiences are based on that.</a:t>
             </a:r>
             <a:endParaRPr lang="en-GB" dirty="0"/>
           </a:p>
@@ -38335,7 +38907,7 @@
     </p:spTree>
     <p:extLst>
       <p:ext uri="{BB962C8B-B14F-4D97-AF65-F5344CB8AC3E}">
-        <p14:creationId xmlns:p14="http://schemas.microsoft.com/office/powerpoint/2010/main" val="1294235737"/>
+        <p14:creationId xmlns:p14="http://schemas.microsoft.com/office/powerpoint/2010/main" val="4218883725"/>
       </p:ext>
     </p:extLst>
   </p:cSld>
@@ -38371,7 +38943,7 @@
       </p:grpSpPr>
       <p:sp>
         <p:nvSpPr>
-          <p:cNvPr id="3" name="Text Placeholder 2"/>
+          <p:cNvPr id="2" name="Text Placeholder 1"/>
           <p:cNvSpPr>
             <a:spLocks noGrp="1"/>
           </p:cNvSpPr>
@@ -38386,7 +38958,15 @@
           <a:p>
             <a:r>
               <a:rPr lang="en-GB" dirty="0" smtClean="0"/>
-              <a:t>Setting up Electron</a:t>
+              <a:t>React, </a:t>
+            </a:r>
+            <a:r>
+              <a:rPr lang="en-GB" dirty="0" err="1" smtClean="0"/>
+              <a:t>TypeScript</a:t>
+            </a:r>
+            <a:r>
+              <a:rPr lang="en-GB" dirty="0" smtClean="0"/>
+              <a:t> and Electron</a:t>
             </a:r>
             <a:endParaRPr lang="en-GB" dirty="0"/>
           </a:p>
@@ -38394,7 +38974,7 @@
       </p:sp>
       <p:sp>
         <p:nvSpPr>
-          <p:cNvPr id="4" name="Text Placeholder 3"/>
+          <p:cNvPr id="3" name="Text Placeholder 2"/>
           <p:cNvSpPr>
             <a:spLocks noGrp="1"/>
           </p:cNvSpPr>
@@ -38404,7 +38984,7 @@
         </p:nvSpPr>
         <p:spPr>
           <a:xfrm>
-            <a:off x="531045" y="962948"/>
+            <a:off x="539239" y="962948"/>
             <a:ext cx="8092800" cy="4968552"/>
           </a:xfrm>
         </p:spPr>
@@ -38412,50 +38992,158 @@
           <a:bodyPr/>
           <a:lstStyle/>
           <a:p>
+            <a:pPr marL="0" indent="0">
+              <a:buNone/>
+            </a:pPr>
             <a:r>
               <a:rPr lang="en-GB" dirty="0" smtClean="0"/>
-              <a:t>There are MANY tutorials but the one we have had most </a:t>
-            </a:r>
+              <a:t>Electron</a:t>
+            </a:r>
+            <a:endParaRPr lang="en-GB" dirty="0"/>
+          </a:p>
+          <a:p>
+            <a:pPr marL="0" indent="0">
+              <a:buNone/>
+            </a:pPr>
+            <a:r>
+              <a:rPr lang="en-GB" dirty="0" err="1"/>
+              <a:t>app.on</a:t>
+            </a:r>
+            <a:r>
+              <a:rPr lang="en-GB" dirty="0"/>
+              <a:t>("ready", </a:t>
+            </a:r>
+            <a:r>
+              <a:rPr lang="en-GB" dirty="0" err="1"/>
+              <a:t>createWindow</a:t>
+            </a:r>
+            <a:r>
+              <a:rPr lang="en-GB" dirty="0"/>
+              <a:t>);</a:t>
+            </a:r>
+          </a:p>
+          <a:p>
+            <a:pPr marL="0" indent="0">
+              <a:buNone/>
+            </a:pPr>
+            <a:endParaRPr lang="en-GB" dirty="0"/>
+          </a:p>
+          <a:p>
+            <a:pPr marL="0" indent="0">
+              <a:buNone/>
+            </a:pPr>
             <a:r>
               <a:rPr lang="en-GB" dirty="0" smtClean="0"/>
-              <a:t>consistency good results </a:t>
+              <a:t>React</a:t>
+            </a:r>
+          </a:p>
+          <a:p>
+            <a:pPr marL="0" indent="0">
+              <a:buNone/>
+            </a:pPr>
+            <a:r>
+              <a:rPr lang="en-GB" dirty="0" err="1" smtClean="0"/>
+              <a:t>const</a:t>
             </a:r>
             <a:r>
               <a:rPr lang="en-GB" dirty="0" smtClean="0"/>
-              <a:t>with is:</a:t>
-            </a:r>
-          </a:p>
-          <a:p>
-            <a:pPr lvl="1"/>
-            <a:r>
-              <a:rPr lang="en-GB" dirty="0">
-                <a:hlinkClick r:id="rId2"/>
-              </a:rPr>
-              <a:t>https://</a:t>
-            </a:r>
-            <a:r>
-              <a:rPr lang="en-GB" dirty="0" smtClean="0">
-                <a:hlinkClick r:id="rId2"/>
-              </a:rPr>
-              <a:t>itnext.io/create-desktop-with-electron-react-and-c-86f9765809b7</a:t>
+              <a:t> </a:t>
+            </a:r>
+            <a:r>
+              <a:rPr lang="en-GB" dirty="0"/>
+              <a:t>element = </a:t>
+            </a:r>
+            <a:r>
+              <a:rPr lang="en-GB" dirty="0" err="1"/>
+              <a:t>React.createElement</a:t>
+            </a:r>
+            <a:r>
+              <a:rPr lang="en-GB" dirty="0"/>
+              <a:t>("h1", null, "Hello, world</a:t>
+            </a:r>
+            <a:r>
+              <a:rPr lang="en-GB" dirty="0" smtClean="0"/>
+              <a:t>!");</a:t>
+            </a:r>
+          </a:p>
+          <a:p>
+            <a:pPr marL="0" indent="0">
+              <a:buNone/>
+            </a:pPr>
+            <a:endParaRPr lang="en-GB" dirty="0"/>
+          </a:p>
+          <a:p>
+            <a:pPr marL="0" indent="0">
+              <a:buNone/>
+            </a:pPr>
+            <a:r>
+              <a:rPr lang="en-GB" dirty="0" err="1" smtClean="0"/>
+              <a:t>Bable</a:t>
+            </a:r>
+            <a:r>
+              <a:rPr lang="en-GB" dirty="0" smtClean="0"/>
+              <a:t> (JSX)</a:t>
+            </a:r>
+          </a:p>
+          <a:p>
+            <a:pPr marL="0" indent="0">
+              <a:buNone/>
+            </a:pPr>
+            <a:r>
+              <a:rPr lang="en-GB" dirty="0" err="1"/>
+              <a:t>const</a:t>
+            </a:r>
+            <a:r>
+              <a:rPr lang="en-GB" dirty="0"/>
+              <a:t> element = &lt;h1&gt;Hello, world!&lt;/h1</a:t>
+            </a:r>
+            <a:r>
+              <a:rPr lang="en-GB" dirty="0" smtClean="0"/>
+              <a:t>&gt;;</a:t>
+            </a:r>
+          </a:p>
+          <a:p>
+            <a:pPr marL="0" indent="0">
+              <a:buNone/>
+            </a:pPr>
+            <a:endParaRPr lang="en-GB" dirty="0"/>
+          </a:p>
+          <a:p>
+            <a:pPr marL="0" indent="0">
+              <a:buNone/>
+            </a:pPr>
+            <a:r>
+              <a:rPr lang="en-GB" dirty="0" err="1" smtClean="0"/>
+              <a:t>TypeScript</a:t>
             </a:r>
             <a:endParaRPr lang="en-GB" dirty="0" smtClean="0"/>
           </a:p>
           <a:p>
-            <a:pPr lvl="1"/>
+            <a:pPr marL="0" indent="0">
+              <a:buNone/>
+            </a:pPr>
             <a:r>
               <a:rPr lang="en-GB" dirty="0" smtClean="0"/>
-              <a:t>Has some specific steps for one way of integrating C# backend but those steps can be skipped.</a:t>
-            </a:r>
-          </a:p>
-          <a:p>
+              <a:t>function (person: string): string {</a:t>
+            </a:r>
+          </a:p>
+          <a:p>
+            <a:pPr marL="0" indent="0">
+              <a:buNone/>
+            </a:pPr>
             <a:r>
               <a:rPr lang="en-GB" dirty="0" smtClean="0"/>
-              <a:t>We have created an empty project which is set up for Electron and React. If you are interested we can share </a:t>
-            </a:r>
+              <a:t>	return “Hello” + person</a:t>
+            </a:r>
+            <a:endParaRPr lang="en-GB" dirty="0"/>
+          </a:p>
+          <a:p>
+            <a:pPr marL="0" indent="0">
+              <a:buNone/>
+            </a:pPr>
             <a:r>
               <a:rPr lang="en-GB" dirty="0" smtClean="0"/>
-              <a:t>it. Hopefully with Git being adopted we will be able to place a blank electron app there for anyone to pull and have a head start.</a:t>
+              <a:t>}</a:t>
             </a:r>
             <a:endParaRPr lang="en-GB" dirty="0"/>
           </a:p>
@@ -38464,7 +39152,7 @@
     </p:spTree>
     <p:extLst>
       <p:ext uri="{BB962C8B-B14F-4D97-AF65-F5344CB8AC3E}">
-        <p14:creationId xmlns:p14="http://schemas.microsoft.com/office/powerpoint/2010/main" val="4218883725"/>
+        <p14:creationId xmlns:p14="http://schemas.microsoft.com/office/powerpoint/2010/main" val="1294235737"/>
       </p:ext>
     </p:extLst>
   </p:cSld>
